--- a/Future Computing.pptx
+++ b/Future Computing.pptx
@@ -6,6 +6,10 @@
   </p:sldMasterIdLst>
   <p:sldIdLst>
     <p:sldId id="256" r:id="rId2"/>
+    <p:sldId id="257" r:id="rId3"/>
+    <p:sldId id="258" r:id="rId4"/>
+    <p:sldId id="260" r:id="rId5"/>
+    <p:sldId id="259" r:id="rId6"/>
   </p:sldIdLst>
   <p:sldSz cx="12192000" cy="6858000"/>
   <p:notesSz cx="6858000" cy="9144000"/>
@@ -104,6 +108,11 @@
       </a:defRPr>
     </a:lvl9pPr>
   </p:defaultTextStyle>
+  <p:extLst>
+    <p:ext uri="{EFAFB233-063F-42B5-8137-9DF3F51BA10A}">
+      <p15:sldGuideLst xmlns:p15="http://schemas.microsoft.com/office/powerpoint/2012/main"/>
+    </p:ext>
+  </p:extLst>
 </p:presentation>
 </file>
 
@@ -254,7 +263,7 @@
           <a:p>
             <a:fld id="{44EAA1FE-5DA4-4A89-B815-EEA075F1A15F}" type="datetimeFigureOut">
               <a:rPr lang="zh-CN" altLang="en-US" smtClean="0"/>
-              <a:t>2019/7/7</a:t>
+              <a:t>2019/7/9</a:t>
             </a:fld>
             <a:endParaRPr lang="zh-CN" altLang="en-US"/>
           </a:p>
@@ -452,7 +461,7 @@
           <a:p>
             <a:fld id="{44EAA1FE-5DA4-4A89-B815-EEA075F1A15F}" type="datetimeFigureOut">
               <a:rPr lang="zh-CN" altLang="en-US" smtClean="0"/>
-              <a:t>2019/7/7</a:t>
+              <a:t>2019/7/9</a:t>
             </a:fld>
             <a:endParaRPr lang="zh-CN" altLang="en-US"/>
           </a:p>
@@ -660,7 +669,7 @@
           <a:p>
             <a:fld id="{44EAA1FE-5DA4-4A89-B815-EEA075F1A15F}" type="datetimeFigureOut">
               <a:rPr lang="zh-CN" altLang="en-US" smtClean="0"/>
-              <a:t>2019/7/7</a:t>
+              <a:t>2019/7/9</a:t>
             </a:fld>
             <a:endParaRPr lang="zh-CN" altLang="en-US"/>
           </a:p>
@@ -858,7 +867,7 @@
           <a:p>
             <a:fld id="{44EAA1FE-5DA4-4A89-B815-EEA075F1A15F}" type="datetimeFigureOut">
               <a:rPr lang="zh-CN" altLang="en-US" smtClean="0"/>
-              <a:t>2019/7/7</a:t>
+              <a:t>2019/7/9</a:t>
             </a:fld>
             <a:endParaRPr lang="zh-CN" altLang="en-US"/>
           </a:p>
@@ -1133,7 +1142,7 @@
           <a:p>
             <a:fld id="{44EAA1FE-5DA4-4A89-B815-EEA075F1A15F}" type="datetimeFigureOut">
               <a:rPr lang="zh-CN" altLang="en-US" smtClean="0"/>
-              <a:t>2019/7/7</a:t>
+              <a:t>2019/7/9</a:t>
             </a:fld>
             <a:endParaRPr lang="zh-CN" altLang="en-US"/>
           </a:p>
@@ -1398,7 +1407,7 @@
           <a:p>
             <a:fld id="{44EAA1FE-5DA4-4A89-B815-EEA075F1A15F}" type="datetimeFigureOut">
               <a:rPr lang="zh-CN" altLang="en-US" smtClean="0"/>
-              <a:t>2019/7/7</a:t>
+              <a:t>2019/7/9</a:t>
             </a:fld>
             <a:endParaRPr lang="zh-CN" altLang="en-US"/>
           </a:p>
@@ -1810,7 +1819,7 @@
           <a:p>
             <a:fld id="{44EAA1FE-5DA4-4A89-B815-EEA075F1A15F}" type="datetimeFigureOut">
               <a:rPr lang="zh-CN" altLang="en-US" smtClean="0"/>
-              <a:t>2019/7/7</a:t>
+              <a:t>2019/7/9</a:t>
             </a:fld>
             <a:endParaRPr lang="zh-CN" altLang="en-US"/>
           </a:p>
@@ -1951,7 +1960,7 @@
           <a:p>
             <a:fld id="{44EAA1FE-5DA4-4A89-B815-EEA075F1A15F}" type="datetimeFigureOut">
               <a:rPr lang="zh-CN" altLang="en-US" smtClean="0"/>
-              <a:t>2019/7/7</a:t>
+              <a:t>2019/7/9</a:t>
             </a:fld>
             <a:endParaRPr lang="zh-CN" altLang="en-US"/>
           </a:p>
@@ -2064,7 +2073,7 @@
           <a:p>
             <a:fld id="{44EAA1FE-5DA4-4A89-B815-EEA075F1A15F}" type="datetimeFigureOut">
               <a:rPr lang="zh-CN" altLang="en-US" smtClean="0"/>
-              <a:t>2019/7/7</a:t>
+              <a:t>2019/7/9</a:t>
             </a:fld>
             <a:endParaRPr lang="zh-CN" altLang="en-US"/>
           </a:p>
@@ -2375,7 +2384,7 @@
           <a:p>
             <a:fld id="{44EAA1FE-5DA4-4A89-B815-EEA075F1A15F}" type="datetimeFigureOut">
               <a:rPr lang="zh-CN" altLang="en-US" smtClean="0"/>
-              <a:t>2019/7/7</a:t>
+              <a:t>2019/7/9</a:t>
             </a:fld>
             <a:endParaRPr lang="zh-CN" altLang="en-US"/>
           </a:p>
@@ -2663,7 +2672,7 @@
           <a:p>
             <a:fld id="{44EAA1FE-5DA4-4A89-B815-EEA075F1A15F}" type="datetimeFigureOut">
               <a:rPr lang="zh-CN" altLang="en-US" smtClean="0"/>
-              <a:t>2019/7/7</a:t>
+              <a:t>2019/7/9</a:t>
             </a:fld>
             <a:endParaRPr lang="zh-CN" altLang="en-US"/>
           </a:p>
@@ -2904,7 +2913,7 @@
           <a:p>
             <a:fld id="{44EAA1FE-5DA4-4A89-B815-EEA075F1A15F}" type="datetimeFigureOut">
               <a:rPr lang="zh-CN" altLang="en-US" smtClean="0"/>
-              <a:t>2019/7/7</a:t>
+              <a:t>2019/7/9</a:t>
             </a:fld>
             <a:endParaRPr lang="zh-CN" altLang="en-US"/>
           </a:p>
@@ -3496,19 +3505,7 @@
             </a:pPr>
             <a:r>
               <a:rPr lang="en-US" altLang="zh-CN" dirty="0"/>
-              <a:t>CPU + GPGPU + Accelerator (</a:t>
-            </a:r>
-            <a:r>
-              <a:rPr lang="en-US" altLang="zh-CN" b="1" dirty="0">
-                <a:solidFill>
-                  <a:srgbClr val="FF0000"/>
-                </a:solidFill>
-              </a:rPr>
-              <a:t>AI-&gt;GPAI</a:t>
-            </a:r>
-            <a:r>
-              <a:rPr lang="en-US" altLang="zh-CN" dirty="0"/>
-              <a:t>)</a:t>
+              <a:t>CPU + GPGPU + Accelerator : Hybrid computing</a:t>
             </a:r>
           </a:p>
           <a:p>
@@ -3578,6 +3575,16 @@
             </a:r>
           </a:p>
           <a:p>
+            <a:pPr marL="742950" lvl="1" indent="-285750">
+              <a:buFont typeface="Wingdings" panose="05000000000000000000" pitchFamily="2" charset="2"/>
+              <a:buChar char="p"/>
+            </a:pPr>
+            <a:r>
+              <a:rPr lang="en-US" altLang="zh-CN" dirty="0"/>
+              <a:t>Parallel computing</a:t>
+            </a:r>
+          </a:p>
+          <a:p>
             <a:pPr marL="285750" indent="-285750">
               <a:buFont typeface="Wingdings" panose="05000000000000000000" pitchFamily="2" charset="2"/>
               <a:buChar char="u"/>
@@ -3594,7 +3601,7 @@
             </a:pPr>
             <a:r>
               <a:rPr lang="en-US" altLang="zh-CN" dirty="0"/>
-              <a:t>Embedded IOT(specific network+ specific AI)</a:t>
+              <a:t>Embedded IOT(specific wireless (NB?)+ specific AI)</a:t>
             </a:r>
           </a:p>
           <a:p>
@@ -3681,7 +3688,7 @@
             </a:pPr>
             <a:r>
               <a:rPr lang="en-US" altLang="zh-CN" dirty="0"/>
-              <a:t>Extend vision &amp; speech to more other applications</a:t>
+              <a:t>Extend “vision &amp; speech” to more other applications</a:t>
             </a:r>
           </a:p>
           <a:p>
@@ -3707,6 +3714,3854 @@
     <p:extLst>
       <p:ext uri="{BB962C8B-B14F-4D97-AF65-F5344CB8AC3E}">
         <p14:creationId xmlns:p14="http://schemas.microsoft.com/office/powerpoint/2010/main" val="2940745196"/>
+      </p:ext>
+    </p:extLst>
+  </p:cSld>
+  <p:clrMapOvr>
+    <a:masterClrMapping/>
+  </p:clrMapOvr>
+</p:sld>
+</file>
+
+<file path=ppt/slides/slide2.xml><?xml version="1.0" encoding="utf-8"?>
+<p:sld xmlns:a="http://schemas.openxmlformats.org/drawingml/2006/main" xmlns:r="http://schemas.openxmlformats.org/officeDocument/2006/relationships" xmlns:p="http://schemas.openxmlformats.org/presentationml/2006/main">
+  <p:cSld>
+    <p:spTree>
+      <p:nvGrpSpPr>
+        <p:cNvPr id="1" name=""/>
+        <p:cNvGrpSpPr/>
+        <p:nvPr/>
+      </p:nvGrpSpPr>
+      <p:grpSpPr>
+        <a:xfrm>
+          <a:off x="0" y="0"/>
+          <a:ext cx="0" cy="0"/>
+          <a:chOff x="0" y="0"/>
+          <a:chExt cx="0" cy="0"/>
+        </a:xfrm>
+      </p:grpSpPr>
+      <p:sp>
+        <p:nvSpPr>
+          <p:cNvPr id="7" name="标题 6">
+            <a:extLst>
+              <a:ext uri="{FF2B5EF4-FFF2-40B4-BE49-F238E27FC236}">
+                <a16:creationId xmlns:a16="http://schemas.microsoft.com/office/drawing/2014/main" id="{6F835558-541F-49CD-A175-C5DFE630C526}"/>
+              </a:ext>
+            </a:extLst>
+          </p:cNvPr>
+          <p:cNvSpPr>
+            <a:spLocks noGrp="1"/>
+          </p:cNvSpPr>
+          <p:nvPr>
+            <p:ph type="title"/>
+          </p:nvPr>
+        </p:nvSpPr>
+        <p:spPr>
+          <a:xfrm>
+            <a:off x="167195" y="18256"/>
+            <a:ext cx="6437791" cy="662782"/>
+          </a:xfrm>
+        </p:spPr>
+        <p:txBody>
+          <a:bodyPr>
+            <a:normAutofit fontScale="90000"/>
+          </a:bodyPr>
+          <a:lstStyle/>
+          <a:p>
+            <a:r>
+              <a:rPr lang="en-US" altLang="zh-CN" dirty="0"/>
+              <a:t>Server System architecture</a:t>
+            </a:r>
+            <a:endParaRPr lang="zh-CN" altLang="en-US" dirty="0"/>
+          </a:p>
+        </p:txBody>
+      </p:sp>
+      <p:sp>
+        <p:nvSpPr>
+          <p:cNvPr id="8" name="内容占位符 7">
+            <a:extLst>
+              <a:ext uri="{FF2B5EF4-FFF2-40B4-BE49-F238E27FC236}">
+                <a16:creationId xmlns:a16="http://schemas.microsoft.com/office/drawing/2014/main" id="{A9AFC447-6763-4065-B7E8-CB54A0311BBF}"/>
+              </a:ext>
+            </a:extLst>
+          </p:cNvPr>
+          <p:cNvSpPr>
+            <a:spLocks noGrp="1"/>
+          </p:cNvSpPr>
+          <p:nvPr>
+            <p:ph sz="half" idx="1"/>
+          </p:nvPr>
+        </p:nvSpPr>
+        <p:spPr>
+          <a:xfrm>
+            <a:off x="319594" y="595435"/>
+            <a:ext cx="7261935" cy="5667129"/>
+          </a:xfrm>
+        </p:spPr>
+        <p:txBody>
+          <a:bodyPr>
+            <a:normAutofit fontScale="92500" lnSpcReduction="10000"/>
+          </a:bodyPr>
+          <a:lstStyle/>
+          <a:p>
+            <a:endParaRPr lang="en-US" altLang="zh-CN" dirty="0"/>
+          </a:p>
+          <a:p>
+            <a:r>
+              <a:rPr lang="zh-CN" altLang="en-US" dirty="0"/>
+              <a:t>                    </a:t>
+            </a:r>
+            <a:r>
+              <a:rPr lang="en-US" altLang="zh-CN" dirty="0"/>
+              <a:t>… … … …</a:t>
+            </a:r>
+            <a:endParaRPr lang="zh-CN" altLang="en-US" dirty="0"/>
+          </a:p>
+        </p:txBody>
+      </p:sp>
+      <p:sp>
+        <p:nvSpPr>
+          <p:cNvPr id="9" name="内容占位符 8">
+            <a:extLst>
+              <a:ext uri="{FF2B5EF4-FFF2-40B4-BE49-F238E27FC236}">
+                <a16:creationId xmlns:a16="http://schemas.microsoft.com/office/drawing/2014/main" id="{7A91D290-BBFC-495E-B0C9-21F2F719CEF9}"/>
+              </a:ext>
+            </a:extLst>
+          </p:cNvPr>
+          <p:cNvSpPr>
+            <a:spLocks noGrp="1"/>
+          </p:cNvSpPr>
+          <p:nvPr>
+            <p:ph sz="half" idx="2"/>
+          </p:nvPr>
+        </p:nvSpPr>
+        <p:spPr>
+          <a:xfrm>
+            <a:off x="7952173" y="158984"/>
+            <a:ext cx="4072632" cy="6419369"/>
+          </a:xfrm>
+        </p:spPr>
+        <p:txBody>
+          <a:bodyPr>
+            <a:normAutofit fontScale="92500" lnSpcReduction="10000"/>
+          </a:bodyPr>
+          <a:lstStyle/>
+          <a:p>
+            <a:r>
+              <a:rPr lang="en-US" altLang="zh-CN" dirty="0"/>
+              <a:t>iDRAC</a:t>
+            </a:r>
+          </a:p>
+          <a:p>
+            <a:pPr marL="457200" lvl="1" indent="0">
+              <a:buNone/>
+            </a:pPr>
+            <a:r>
+              <a:rPr lang="en-US" altLang="zh-CN" dirty="0"/>
+              <a:t>-BMC firmware</a:t>
+            </a:r>
+          </a:p>
+          <a:p>
+            <a:pPr marL="457200" lvl="1" indent="0">
+              <a:buNone/>
+            </a:pPr>
+            <a:r>
+              <a:rPr lang="en-US" altLang="zh-CN" dirty="0"/>
+              <a:t>-IPMI protocol</a:t>
+            </a:r>
+          </a:p>
+          <a:p>
+            <a:pPr marL="457200" lvl="1" indent="0">
+              <a:buNone/>
+            </a:pPr>
+            <a:r>
+              <a:rPr lang="en-US" altLang="zh-CN" dirty="0"/>
+              <a:t>-Embedded Realtime OS</a:t>
+            </a:r>
+          </a:p>
+          <a:p>
+            <a:pPr marL="457200" lvl="1" indent="0">
+              <a:buNone/>
+            </a:pPr>
+            <a:r>
+              <a:rPr lang="en-US" altLang="zh-CN" dirty="0"/>
+              <a:t>-Management</a:t>
+            </a:r>
+          </a:p>
+          <a:p>
+            <a:r>
+              <a:rPr lang="en-US" altLang="zh-CN" dirty="0"/>
+              <a:t>Virtualization</a:t>
+            </a:r>
+          </a:p>
+          <a:p>
+            <a:pPr marL="457200" lvl="1" indent="0">
+              <a:buNone/>
+            </a:pPr>
+            <a:r>
+              <a:rPr lang="en-US" altLang="zh-CN" dirty="0"/>
+              <a:t>-x86/GPGPU/accelerator virtualization</a:t>
+            </a:r>
+          </a:p>
+          <a:p>
+            <a:pPr marL="457200" lvl="1" indent="0">
+              <a:buNone/>
+            </a:pPr>
+            <a:r>
+              <a:rPr lang="en-US" altLang="zh-CN" dirty="0"/>
+              <a:t>-</a:t>
+            </a:r>
+            <a:r>
+              <a:rPr lang="en-US" altLang="zh-CN" dirty="0" err="1"/>
+              <a:t>vmware</a:t>
+            </a:r>
+            <a:r>
+              <a:rPr lang="en-US" altLang="zh-CN" dirty="0"/>
+              <a:t>/</a:t>
+            </a:r>
+            <a:r>
+              <a:rPr lang="en-US" altLang="zh-CN" dirty="0" err="1"/>
+              <a:t>citrix</a:t>
+            </a:r>
+            <a:r>
+              <a:rPr lang="en-US" altLang="zh-CN" dirty="0"/>
+              <a:t>/KVM supervisor</a:t>
+            </a:r>
+          </a:p>
+          <a:p>
+            <a:r>
+              <a:rPr lang="en-US" altLang="zh-CN" dirty="0"/>
+              <a:t>Distributed storage system</a:t>
+            </a:r>
+          </a:p>
+          <a:p>
+            <a:r>
+              <a:rPr lang="en-US" altLang="zh-CN" dirty="0"/>
+              <a:t>High bandwidth network</a:t>
+            </a:r>
+          </a:p>
+          <a:p>
+            <a:r>
+              <a:rPr lang="en-US" altLang="zh-CN" dirty="0"/>
+              <a:t>Distributed cloud computing-Open stack</a:t>
+            </a:r>
+          </a:p>
+          <a:p>
+            <a:r>
+              <a:rPr lang="en-US" altLang="zh-CN" dirty="0"/>
+              <a:t>Hybrid computing &amp; parallel computing</a:t>
+            </a:r>
+          </a:p>
+          <a:p>
+            <a:pPr marL="0" indent="0">
+              <a:buNone/>
+            </a:pPr>
+            <a:endParaRPr lang="zh-CN" altLang="en-US" dirty="0"/>
+          </a:p>
+        </p:txBody>
+      </p:sp>
+      <p:sp>
+        <p:nvSpPr>
+          <p:cNvPr id="10" name="圆柱体 9">
+            <a:extLst>
+              <a:ext uri="{FF2B5EF4-FFF2-40B4-BE49-F238E27FC236}">
+                <a16:creationId xmlns:a16="http://schemas.microsoft.com/office/drawing/2014/main" id="{FA8DA647-A0F8-45BF-8605-77790DCB0A08}"/>
+              </a:ext>
+            </a:extLst>
+          </p:cNvPr>
+          <p:cNvSpPr/>
+          <p:nvPr/>
+        </p:nvSpPr>
+        <p:spPr>
+          <a:xfrm>
+            <a:off x="652509" y="2053259"/>
+            <a:ext cx="727968" cy="384915"/>
+          </a:xfrm>
+          <a:prstGeom prst="can">
+            <a:avLst/>
+          </a:prstGeom>
+        </p:spPr>
+        <p:style>
+          <a:lnRef idx="2">
+            <a:schemeClr val="accent1">
+              <a:shade val="50000"/>
+            </a:schemeClr>
+          </a:lnRef>
+          <a:fillRef idx="1">
+            <a:schemeClr val="accent1"/>
+          </a:fillRef>
+          <a:effectRef idx="0">
+            <a:schemeClr val="accent1"/>
+          </a:effectRef>
+          <a:fontRef idx="minor">
+            <a:schemeClr val="lt1"/>
+          </a:fontRef>
+        </p:style>
+        <p:txBody>
+          <a:bodyPr rtlCol="0" anchor="ctr"/>
+          <a:lstStyle/>
+          <a:p>
+            <a:pPr algn="ctr"/>
+            <a:r>
+              <a:rPr lang="en-US" altLang="zh-CN" dirty="0"/>
+              <a:t>x86</a:t>
+            </a:r>
+            <a:endParaRPr lang="zh-CN" altLang="en-US" dirty="0"/>
+          </a:p>
+        </p:txBody>
+      </p:sp>
+      <p:sp>
+        <p:nvSpPr>
+          <p:cNvPr id="11" name="圆柱体 10">
+            <a:extLst>
+              <a:ext uri="{FF2B5EF4-FFF2-40B4-BE49-F238E27FC236}">
+                <a16:creationId xmlns:a16="http://schemas.microsoft.com/office/drawing/2014/main" id="{C552E977-03C9-45DC-BFEF-FA2FE0F58908}"/>
+              </a:ext>
+            </a:extLst>
+          </p:cNvPr>
+          <p:cNvSpPr/>
+          <p:nvPr/>
+        </p:nvSpPr>
+        <p:spPr>
+          <a:xfrm>
+            <a:off x="1713391" y="2053259"/>
+            <a:ext cx="727968" cy="384915"/>
+          </a:xfrm>
+          <a:prstGeom prst="can">
+            <a:avLst/>
+          </a:prstGeom>
+        </p:spPr>
+        <p:style>
+          <a:lnRef idx="2">
+            <a:schemeClr val="accent1">
+              <a:shade val="50000"/>
+            </a:schemeClr>
+          </a:lnRef>
+          <a:fillRef idx="1">
+            <a:schemeClr val="accent1"/>
+          </a:fillRef>
+          <a:effectRef idx="0">
+            <a:schemeClr val="accent1"/>
+          </a:effectRef>
+          <a:fontRef idx="minor">
+            <a:schemeClr val="lt1"/>
+          </a:fontRef>
+        </p:style>
+        <p:txBody>
+          <a:bodyPr rtlCol="0" anchor="ctr"/>
+          <a:lstStyle/>
+          <a:p>
+            <a:pPr algn="ctr"/>
+            <a:r>
+              <a:rPr lang="en-US" altLang="zh-CN" dirty="0"/>
+              <a:t>x86</a:t>
+            </a:r>
+            <a:endParaRPr lang="zh-CN" altLang="en-US" dirty="0"/>
+          </a:p>
+        </p:txBody>
+      </p:sp>
+      <p:sp>
+        <p:nvSpPr>
+          <p:cNvPr id="12" name="圆柱体 11">
+            <a:extLst>
+              <a:ext uri="{FF2B5EF4-FFF2-40B4-BE49-F238E27FC236}">
+                <a16:creationId xmlns:a16="http://schemas.microsoft.com/office/drawing/2014/main" id="{DC0869AC-C663-4388-B569-FCC1684C15B0}"/>
+              </a:ext>
+            </a:extLst>
+          </p:cNvPr>
+          <p:cNvSpPr/>
+          <p:nvPr/>
+        </p:nvSpPr>
+        <p:spPr>
+          <a:xfrm>
+            <a:off x="4050068" y="2053259"/>
+            <a:ext cx="727968" cy="384915"/>
+          </a:xfrm>
+          <a:prstGeom prst="can">
+            <a:avLst/>
+          </a:prstGeom>
+        </p:spPr>
+        <p:style>
+          <a:lnRef idx="2">
+            <a:schemeClr val="accent1">
+              <a:shade val="50000"/>
+            </a:schemeClr>
+          </a:lnRef>
+          <a:fillRef idx="1">
+            <a:schemeClr val="accent1"/>
+          </a:fillRef>
+          <a:effectRef idx="0">
+            <a:schemeClr val="accent1"/>
+          </a:effectRef>
+          <a:fontRef idx="minor">
+            <a:schemeClr val="lt1"/>
+          </a:fontRef>
+        </p:style>
+        <p:txBody>
+          <a:bodyPr rtlCol="0" anchor="ctr"/>
+          <a:lstStyle/>
+          <a:p>
+            <a:pPr algn="ctr"/>
+            <a:r>
+              <a:rPr lang="en-US" altLang="zh-CN" dirty="0"/>
+              <a:t>x86</a:t>
+            </a:r>
+            <a:endParaRPr lang="zh-CN" altLang="en-US" dirty="0"/>
+          </a:p>
+        </p:txBody>
+      </p:sp>
+      <p:sp>
+        <p:nvSpPr>
+          <p:cNvPr id="13" name="平行四边形 12">
+            <a:extLst>
+              <a:ext uri="{FF2B5EF4-FFF2-40B4-BE49-F238E27FC236}">
+                <a16:creationId xmlns:a16="http://schemas.microsoft.com/office/drawing/2014/main" id="{852D4519-EABB-4886-8EE0-7A120F89E02C}"/>
+              </a:ext>
+            </a:extLst>
+          </p:cNvPr>
+          <p:cNvSpPr/>
+          <p:nvPr/>
+        </p:nvSpPr>
+        <p:spPr>
+          <a:xfrm>
+            <a:off x="732408" y="1095115"/>
+            <a:ext cx="363984" cy="506027"/>
+          </a:xfrm>
+          <a:prstGeom prst="parallelogram">
+            <a:avLst/>
+          </a:prstGeom>
+          <a:solidFill>
+            <a:schemeClr val="accent6">
+              <a:lumMod val="20000"/>
+              <a:lumOff val="80000"/>
+            </a:schemeClr>
+          </a:solidFill>
+        </p:spPr>
+        <p:style>
+          <a:lnRef idx="2">
+            <a:schemeClr val="accent1">
+              <a:shade val="50000"/>
+            </a:schemeClr>
+          </a:lnRef>
+          <a:fillRef idx="1">
+            <a:schemeClr val="accent1"/>
+          </a:fillRef>
+          <a:effectRef idx="0">
+            <a:schemeClr val="accent1"/>
+          </a:effectRef>
+          <a:fontRef idx="minor">
+            <a:schemeClr val="lt1"/>
+          </a:fontRef>
+        </p:style>
+        <p:txBody>
+          <a:bodyPr rtlCol="0" anchor="ctr"/>
+          <a:lstStyle/>
+          <a:p>
+            <a:pPr algn="ctr"/>
+            <a:r>
+              <a:rPr lang="en-US" altLang="zh-CN" sz="1000" dirty="0">
+                <a:solidFill>
+                  <a:schemeClr val="tx1"/>
+                </a:solidFill>
+              </a:rPr>
+              <a:t>MEM</a:t>
+            </a:r>
+            <a:endParaRPr lang="zh-CN" altLang="en-US" sz="1000" dirty="0">
+              <a:solidFill>
+                <a:schemeClr val="tx1"/>
+              </a:solidFill>
+            </a:endParaRPr>
+          </a:p>
+        </p:txBody>
+      </p:sp>
+      <p:sp>
+        <p:nvSpPr>
+          <p:cNvPr id="14" name="平行四边形 13">
+            <a:extLst>
+              <a:ext uri="{FF2B5EF4-FFF2-40B4-BE49-F238E27FC236}">
+                <a16:creationId xmlns:a16="http://schemas.microsoft.com/office/drawing/2014/main" id="{130C5AC2-E609-471C-B5E0-09163B581457}"/>
+              </a:ext>
+            </a:extLst>
+          </p:cNvPr>
+          <p:cNvSpPr/>
+          <p:nvPr/>
+        </p:nvSpPr>
+        <p:spPr>
+          <a:xfrm>
+            <a:off x="986162" y="1095115"/>
+            <a:ext cx="363984" cy="506027"/>
+          </a:xfrm>
+          <a:prstGeom prst="parallelogram">
+            <a:avLst/>
+          </a:prstGeom>
+          <a:solidFill>
+            <a:schemeClr val="accent6">
+              <a:lumMod val="20000"/>
+              <a:lumOff val="80000"/>
+            </a:schemeClr>
+          </a:solidFill>
+        </p:spPr>
+        <p:style>
+          <a:lnRef idx="2">
+            <a:schemeClr val="accent1">
+              <a:shade val="50000"/>
+            </a:schemeClr>
+          </a:lnRef>
+          <a:fillRef idx="1">
+            <a:schemeClr val="accent1"/>
+          </a:fillRef>
+          <a:effectRef idx="0">
+            <a:schemeClr val="accent1"/>
+          </a:effectRef>
+          <a:fontRef idx="minor">
+            <a:schemeClr val="lt1"/>
+          </a:fontRef>
+        </p:style>
+        <p:txBody>
+          <a:bodyPr rtlCol="0" anchor="ctr"/>
+          <a:lstStyle/>
+          <a:p>
+            <a:pPr algn="ctr"/>
+            <a:r>
+              <a:rPr lang="en-US" altLang="zh-CN" sz="1000" dirty="0">
+                <a:solidFill>
+                  <a:schemeClr val="tx1"/>
+                </a:solidFill>
+              </a:rPr>
+              <a:t>MEM</a:t>
+            </a:r>
+            <a:endParaRPr lang="zh-CN" altLang="en-US" sz="1000" dirty="0">
+              <a:solidFill>
+                <a:schemeClr val="tx1"/>
+              </a:solidFill>
+            </a:endParaRPr>
+          </a:p>
+        </p:txBody>
+      </p:sp>
+      <p:sp>
+        <p:nvSpPr>
+          <p:cNvPr id="15" name="平行四边形 14">
+            <a:extLst>
+              <a:ext uri="{FF2B5EF4-FFF2-40B4-BE49-F238E27FC236}">
+                <a16:creationId xmlns:a16="http://schemas.microsoft.com/office/drawing/2014/main" id="{A6159BB6-1446-4FC5-950C-90426C573443}"/>
+              </a:ext>
+            </a:extLst>
+          </p:cNvPr>
+          <p:cNvSpPr/>
+          <p:nvPr/>
+        </p:nvSpPr>
+        <p:spPr>
+          <a:xfrm>
+            <a:off x="1713391" y="1095115"/>
+            <a:ext cx="363984" cy="506027"/>
+          </a:xfrm>
+          <a:prstGeom prst="parallelogram">
+            <a:avLst/>
+          </a:prstGeom>
+          <a:solidFill>
+            <a:schemeClr val="accent6">
+              <a:lumMod val="20000"/>
+              <a:lumOff val="80000"/>
+            </a:schemeClr>
+          </a:solidFill>
+        </p:spPr>
+        <p:style>
+          <a:lnRef idx="2">
+            <a:schemeClr val="accent1">
+              <a:shade val="50000"/>
+            </a:schemeClr>
+          </a:lnRef>
+          <a:fillRef idx="1">
+            <a:schemeClr val="accent1"/>
+          </a:fillRef>
+          <a:effectRef idx="0">
+            <a:schemeClr val="accent1"/>
+          </a:effectRef>
+          <a:fontRef idx="minor">
+            <a:schemeClr val="lt1"/>
+          </a:fontRef>
+        </p:style>
+        <p:txBody>
+          <a:bodyPr rtlCol="0" anchor="ctr"/>
+          <a:lstStyle/>
+          <a:p>
+            <a:pPr algn="ctr"/>
+            <a:r>
+              <a:rPr lang="en-US" altLang="zh-CN" sz="1000" dirty="0">
+                <a:solidFill>
+                  <a:schemeClr val="tx1"/>
+                </a:solidFill>
+              </a:rPr>
+              <a:t>MEM</a:t>
+            </a:r>
+            <a:endParaRPr lang="zh-CN" altLang="en-US" sz="1000" dirty="0">
+              <a:solidFill>
+                <a:schemeClr val="tx1"/>
+              </a:solidFill>
+            </a:endParaRPr>
+          </a:p>
+        </p:txBody>
+      </p:sp>
+      <p:sp>
+        <p:nvSpPr>
+          <p:cNvPr id="16" name="平行四边形 15">
+            <a:extLst>
+              <a:ext uri="{FF2B5EF4-FFF2-40B4-BE49-F238E27FC236}">
+                <a16:creationId xmlns:a16="http://schemas.microsoft.com/office/drawing/2014/main" id="{65236777-866D-44E1-944E-13789D742C96}"/>
+              </a:ext>
+            </a:extLst>
+          </p:cNvPr>
+          <p:cNvSpPr/>
+          <p:nvPr/>
+        </p:nvSpPr>
+        <p:spPr>
+          <a:xfrm>
+            <a:off x="1967145" y="1095115"/>
+            <a:ext cx="363984" cy="506027"/>
+          </a:xfrm>
+          <a:prstGeom prst="parallelogram">
+            <a:avLst/>
+          </a:prstGeom>
+          <a:solidFill>
+            <a:schemeClr val="accent6">
+              <a:lumMod val="20000"/>
+              <a:lumOff val="80000"/>
+            </a:schemeClr>
+          </a:solidFill>
+        </p:spPr>
+        <p:style>
+          <a:lnRef idx="2">
+            <a:schemeClr val="accent1">
+              <a:shade val="50000"/>
+            </a:schemeClr>
+          </a:lnRef>
+          <a:fillRef idx="1">
+            <a:schemeClr val="accent1"/>
+          </a:fillRef>
+          <a:effectRef idx="0">
+            <a:schemeClr val="accent1"/>
+          </a:effectRef>
+          <a:fontRef idx="minor">
+            <a:schemeClr val="lt1"/>
+          </a:fontRef>
+        </p:style>
+        <p:txBody>
+          <a:bodyPr rtlCol="0" anchor="ctr"/>
+          <a:lstStyle/>
+          <a:p>
+            <a:pPr algn="ctr"/>
+            <a:r>
+              <a:rPr lang="en-US" altLang="zh-CN" sz="1000" dirty="0">
+                <a:solidFill>
+                  <a:schemeClr val="tx1"/>
+                </a:solidFill>
+              </a:rPr>
+              <a:t>MEM</a:t>
+            </a:r>
+            <a:endParaRPr lang="zh-CN" altLang="en-US" sz="1000" dirty="0">
+              <a:solidFill>
+                <a:schemeClr val="tx1"/>
+              </a:solidFill>
+            </a:endParaRPr>
+          </a:p>
+        </p:txBody>
+      </p:sp>
+      <p:sp>
+        <p:nvSpPr>
+          <p:cNvPr id="17" name="平行四边形 16">
+            <a:extLst>
+              <a:ext uri="{FF2B5EF4-FFF2-40B4-BE49-F238E27FC236}">
+                <a16:creationId xmlns:a16="http://schemas.microsoft.com/office/drawing/2014/main" id="{0C5AD19A-1182-4B98-A832-04867DA9A6BF}"/>
+              </a:ext>
+            </a:extLst>
+          </p:cNvPr>
+          <p:cNvSpPr/>
+          <p:nvPr/>
+        </p:nvSpPr>
+        <p:spPr>
+          <a:xfrm>
+            <a:off x="4017148" y="1130613"/>
+            <a:ext cx="363984" cy="506027"/>
+          </a:xfrm>
+          <a:prstGeom prst="parallelogram">
+            <a:avLst/>
+          </a:prstGeom>
+          <a:solidFill>
+            <a:schemeClr val="accent6">
+              <a:lumMod val="20000"/>
+              <a:lumOff val="80000"/>
+            </a:schemeClr>
+          </a:solidFill>
+        </p:spPr>
+        <p:style>
+          <a:lnRef idx="2">
+            <a:schemeClr val="accent1">
+              <a:shade val="50000"/>
+            </a:schemeClr>
+          </a:lnRef>
+          <a:fillRef idx="1">
+            <a:schemeClr val="accent1"/>
+          </a:fillRef>
+          <a:effectRef idx="0">
+            <a:schemeClr val="accent1"/>
+          </a:effectRef>
+          <a:fontRef idx="minor">
+            <a:schemeClr val="lt1"/>
+          </a:fontRef>
+        </p:style>
+        <p:txBody>
+          <a:bodyPr rtlCol="0" anchor="ctr"/>
+          <a:lstStyle/>
+          <a:p>
+            <a:pPr algn="ctr"/>
+            <a:r>
+              <a:rPr lang="en-US" altLang="zh-CN" sz="1000" dirty="0">
+                <a:solidFill>
+                  <a:schemeClr val="tx1"/>
+                </a:solidFill>
+              </a:rPr>
+              <a:t>MEM</a:t>
+            </a:r>
+            <a:endParaRPr lang="zh-CN" altLang="en-US" sz="1000" dirty="0">
+              <a:solidFill>
+                <a:schemeClr val="tx1"/>
+              </a:solidFill>
+            </a:endParaRPr>
+          </a:p>
+        </p:txBody>
+      </p:sp>
+      <p:sp>
+        <p:nvSpPr>
+          <p:cNvPr id="18" name="平行四边形 17">
+            <a:extLst>
+              <a:ext uri="{FF2B5EF4-FFF2-40B4-BE49-F238E27FC236}">
+                <a16:creationId xmlns:a16="http://schemas.microsoft.com/office/drawing/2014/main" id="{1FC24FFD-D9DC-43E0-925A-B0EF8863E8BA}"/>
+              </a:ext>
+            </a:extLst>
+          </p:cNvPr>
+          <p:cNvSpPr/>
+          <p:nvPr/>
+        </p:nvSpPr>
+        <p:spPr>
+          <a:xfrm>
+            <a:off x="4262767" y="1130600"/>
+            <a:ext cx="363984" cy="506027"/>
+          </a:xfrm>
+          <a:prstGeom prst="parallelogram">
+            <a:avLst/>
+          </a:prstGeom>
+          <a:solidFill>
+            <a:schemeClr val="accent6">
+              <a:lumMod val="20000"/>
+              <a:lumOff val="80000"/>
+            </a:schemeClr>
+          </a:solidFill>
+        </p:spPr>
+        <p:style>
+          <a:lnRef idx="2">
+            <a:schemeClr val="accent1">
+              <a:shade val="50000"/>
+            </a:schemeClr>
+          </a:lnRef>
+          <a:fillRef idx="1">
+            <a:schemeClr val="accent1"/>
+          </a:fillRef>
+          <a:effectRef idx="0">
+            <a:schemeClr val="accent1"/>
+          </a:effectRef>
+          <a:fontRef idx="minor">
+            <a:schemeClr val="lt1"/>
+          </a:fontRef>
+        </p:style>
+        <p:txBody>
+          <a:bodyPr rtlCol="0" anchor="ctr"/>
+          <a:lstStyle/>
+          <a:p>
+            <a:pPr algn="ctr"/>
+            <a:r>
+              <a:rPr lang="en-US" altLang="zh-CN" sz="1000" dirty="0">
+                <a:solidFill>
+                  <a:schemeClr val="tx1"/>
+                </a:solidFill>
+              </a:rPr>
+              <a:t>MEM</a:t>
+            </a:r>
+            <a:endParaRPr lang="zh-CN" altLang="en-US" sz="1000" dirty="0">
+              <a:solidFill>
+                <a:schemeClr val="tx1"/>
+              </a:solidFill>
+            </a:endParaRPr>
+          </a:p>
+        </p:txBody>
+      </p:sp>
+      <p:sp>
+        <p:nvSpPr>
+          <p:cNvPr id="19" name="平行四边形 18">
+            <a:extLst>
+              <a:ext uri="{FF2B5EF4-FFF2-40B4-BE49-F238E27FC236}">
+                <a16:creationId xmlns:a16="http://schemas.microsoft.com/office/drawing/2014/main" id="{398D54ED-D83F-465F-85C7-3D27C920BD57}"/>
+              </a:ext>
+            </a:extLst>
+          </p:cNvPr>
+          <p:cNvSpPr/>
+          <p:nvPr/>
+        </p:nvSpPr>
+        <p:spPr>
+          <a:xfrm>
+            <a:off x="486796" y="3175985"/>
+            <a:ext cx="363984" cy="720013"/>
+          </a:xfrm>
+          <a:prstGeom prst="parallelogram">
+            <a:avLst/>
+          </a:prstGeom>
+          <a:solidFill>
+            <a:srgbClr val="92D050"/>
+          </a:solidFill>
+        </p:spPr>
+        <p:style>
+          <a:lnRef idx="2">
+            <a:schemeClr val="accent1">
+              <a:shade val="50000"/>
+            </a:schemeClr>
+          </a:lnRef>
+          <a:fillRef idx="1">
+            <a:schemeClr val="accent1"/>
+          </a:fillRef>
+          <a:effectRef idx="0">
+            <a:schemeClr val="accent1"/>
+          </a:effectRef>
+          <a:fontRef idx="minor">
+            <a:schemeClr val="lt1"/>
+          </a:fontRef>
+        </p:style>
+        <p:txBody>
+          <a:bodyPr rtlCol="0" anchor="ctr"/>
+          <a:lstStyle/>
+          <a:p>
+            <a:pPr algn="ctr"/>
+            <a:r>
+              <a:rPr lang="en-US" altLang="zh-CN" sz="1000" dirty="0">
+                <a:solidFill>
+                  <a:schemeClr val="tx1"/>
+                </a:solidFill>
+              </a:rPr>
+              <a:t>PCIE</a:t>
+            </a:r>
+            <a:endParaRPr lang="zh-CN" altLang="en-US" sz="1000" dirty="0">
+              <a:solidFill>
+                <a:schemeClr val="tx1"/>
+              </a:solidFill>
+            </a:endParaRPr>
+          </a:p>
+        </p:txBody>
+      </p:sp>
+      <p:sp>
+        <p:nvSpPr>
+          <p:cNvPr id="20" name="平行四边形 19">
+            <a:extLst>
+              <a:ext uri="{FF2B5EF4-FFF2-40B4-BE49-F238E27FC236}">
+                <a16:creationId xmlns:a16="http://schemas.microsoft.com/office/drawing/2014/main" id="{8585979F-70CF-4D72-A23B-ECCF7DF21C36}"/>
+              </a:ext>
+            </a:extLst>
+          </p:cNvPr>
+          <p:cNvSpPr/>
+          <p:nvPr/>
+        </p:nvSpPr>
+        <p:spPr>
+          <a:xfrm>
+            <a:off x="1785153" y="3176939"/>
+            <a:ext cx="363984" cy="720013"/>
+          </a:xfrm>
+          <a:prstGeom prst="parallelogram">
+            <a:avLst/>
+          </a:prstGeom>
+          <a:solidFill>
+            <a:srgbClr val="92D050"/>
+          </a:solidFill>
+        </p:spPr>
+        <p:style>
+          <a:lnRef idx="2">
+            <a:schemeClr val="accent1">
+              <a:shade val="50000"/>
+            </a:schemeClr>
+          </a:lnRef>
+          <a:fillRef idx="1">
+            <a:schemeClr val="accent1"/>
+          </a:fillRef>
+          <a:effectRef idx="0">
+            <a:schemeClr val="accent1"/>
+          </a:effectRef>
+          <a:fontRef idx="minor">
+            <a:schemeClr val="lt1"/>
+          </a:fontRef>
+        </p:style>
+        <p:txBody>
+          <a:bodyPr rtlCol="0" anchor="ctr"/>
+          <a:lstStyle/>
+          <a:p>
+            <a:pPr algn="ctr"/>
+            <a:r>
+              <a:rPr lang="en-US" altLang="zh-CN" sz="1000" dirty="0">
+                <a:solidFill>
+                  <a:schemeClr val="tx1"/>
+                </a:solidFill>
+              </a:rPr>
+              <a:t>PCIE</a:t>
+            </a:r>
+            <a:endParaRPr lang="zh-CN" altLang="en-US" sz="1000" dirty="0">
+              <a:solidFill>
+                <a:schemeClr val="tx1"/>
+              </a:solidFill>
+            </a:endParaRPr>
+          </a:p>
+        </p:txBody>
+      </p:sp>
+      <p:sp>
+        <p:nvSpPr>
+          <p:cNvPr id="21" name="平行四边形 20">
+            <a:extLst>
+              <a:ext uri="{FF2B5EF4-FFF2-40B4-BE49-F238E27FC236}">
+                <a16:creationId xmlns:a16="http://schemas.microsoft.com/office/drawing/2014/main" id="{BC003FF7-B08E-48B9-957E-FF6ACD38A45A}"/>
+              </a:ext>
+            </a:extLst>
+          </p:cNvPr>
+          <p:cNvSpPr/>
+          <p:nvPr/>
+        </p:nvSpPr>
+        <p:spPr>
+          <a:xfrm>
+            <a:off x="4017148" y="3175985"/>
+            <a:ext cx="363984" cy="720013"/>
+          </a:xfrm>
+          <a:prstGeom prst="parallelogram">
+            <a:avLst/>
+          </a:prstGeom>
+          <a:solidFill>
+            <a:srgbClr val="92D050"/>
+          </a:solidFill>
+        </p:spPr>
+        <p:style>
+          <a:lnRef idx="2">
+            <a:schemeClr val="accent1">
+              <a:shade val="50000"/>
+            </a:schemeClr>
+          </a:lnRef>
+          <a:fillRef idx="1">
+            <a:schemeClr val="accent1"/>
+          </a:fillRef>
+          <a:effectRef idx="0">
+            <a:schemeClr val="accent1"/>
+          </a:effectRef>
+          <a:fontRef idx="minor">
+            <a:schemeClr val="lt1"/>
+          </a:fontRef>
+        </p:style>
+        <p:txBody>
+          <a:bodyPr rtlCol="0" anchor="ctr"/>
+          <a:lstStyle/>
+          <a:p>
+            <a:pPr algn="ctr"/>
+            <a:r>
+              <a:rPr lang="en-US" altLang="zh-CN" sz="1000" dirty="0">
+                <a:solidFill>
+                  <a:schemeClr val="tx1"/>
+                </a:solidFill>
+              </a:rPr>
+              <a:t>PCIE</a:t>
+            </a:r>
+            <a:endParaRPr lang="zh-CN" altLang="en-US" sz="1000" dirty="0">
+              <a:solidFill>
+                <a:schemeClr val="tx1"/>
+              </a:solidFill>
+            </a:endParaRPr>
+          </a:p>
+        </p:txBody>
+      </p:sp>
+      <p:sp>
+        <p:nvSpPr>
+          <p:cNvPr id="22" name="平行四边形 21">
+            <a:extLst>
+              <a:ext uri="{FF2B5EF4-FFF2-40B4-BE49-F238E27FC236}">
+                <a16:creationId xmlns:a16="http://schemas.microsoft.com/office/drawing/2014/main" id="{9A41F13B-81E2-42FD-ACA5-9DDD82840951}"/>
+              </a:ext>
+            </a:extLst>
+          </p:cNvPr>
+          <p:cNvSpPr/>
+          <p:nvPr/>
+        </p:nvSpPr>
+        <p:spPr>
+          <a:xfrm>
+            <a:off x="834501" y="3175985"/>
+            <a:ext cx="363984" cy="720013"/>
+          </a:xfrm>
+          <a:prstGeom prst="parallelogram">
+            <a:avLst/>
+          </a:prstGeom>
+          <a:solidFill>
+            <a:schemeClr val="accent2">
+              <a:lumMod val="20000"/>
+              <a:lumOff val="80000"/>
+            </a:schemeClr>
+          </a:solidFill>
+        </p:spPr>
+        <p:style>
+          <a:lnRef idx="2">
+            <a:schemeClr val="accent1">
+              <a:shade val="50000"/>
+            </a:schemeClr>
+          </a:lnRef>
+          <a:fillRef idx="1">
+            <a:schemeClr val="accent1"/>
+          </a:fillRef>
+          <a:effectRef idx="0">
+            <a:schemeClr val="accent1"/>
+          </a:effectRef>
+          <a:fontRef idx="minor">
+            <a:schemeClr val="lt1"/>
+          </a:fontRef>
+        </p:style>
+        <p:txBody>
+          <a:bodyPr rtlCol="0" anchor="ctr"/>
+          <a:lstStyle/>
+          <a:p>
+            <a:pPr algn="ctr"/>
+            <a:r>
+              <a:rPr lang="en-US" altLang="zh-CN" sz="1000" dirty="0">
+                <a:solidFill>
+                  <a:schemeClr val="tx1"/>
+                </a:solidFill>
+              </a:rPr>
+              <a:t>SATA</a:t>
+            </a:r>
+            <a:endParaRPr lang="zh-CN" altLang="en-US" sz="1000" dirty="0">
+              <a:solidFill>
+                <a:schemeClr val="tx1"/>
+              </a:solidFill>
+            </a:endParaRPr>
+          </a:p>
+        </p:txBody>
+      </p:sp>
+      <p:sp>
+        <p:nvSpPr>
+          <p:cNvPr id="23" name="平行四边形 22">
+            <a:extLst>
+              <a:ext uri="{FF2B5EF4-FFF2-40B4-BE49-F238E27FC236}">
+                <a16:creationId xmlns:a16="http://schemas.microsoft.com/office/drawing/2014/main" id="{B3E4DACA-AEC8-40FA-8BB9-9A420C2B628B}"/>
+              </a:ext>
+            </a:extLst>
+          </p:cNvPr>
+          <p:cNvSpPr/>
+          <p:nvPr/>
+        </p:nvSpPr>
+        <p:spPr>
+          <a:xfrm>
+            <a:off x="2172072" y="3187541"/>
+            <a:ext cx="363984" cy="720013"/>
+          </a:xfrm>
+          <a:prstGeom prst="parallelogram">
+            <a:avLst/>
+          </a:prstGeom>
+          <a:solidFill>
+            <a:schemeClr val="accent2">
+              <a:lumMod val="20000"/>
+              <a:lumOff val="80000"/>
+            </a:schemeClr>
+          </a:solidFill>
+        </p:spPr>
+        <p:style>
+          <a:lnRef idx="2">
+            <a:schemeClr val="accent1">
+              <a:shade val="50000"/>
+            </a:schemeClr>
+          </a:lnRef>
+          <a:fillRef idx="1">
+            <a:schemeClr val="accent1"/>
+          </a:fillRef>
+          <a:effectRef idx="0">
+            <a:schemeClr val="accent1"/>
+          </a:effectRef>
+          <a:fontRef idx="minor">
+            <a:schemeClr val="lt1"/>
+          </a:fontRef>
+        </p:style>
+        <p:txBody>
+          <a:bodyPr rtlCol="0" anchor="ctr"/>
+          <a:lstStyle/>
+          <a:p>
+            <a:pPr algn="ctr"/>
+            <a:r>
+              <a:rPr lang="en-US" altLang="zh-CN" sz="1000" dirty="0">
+                <a:solidFill>
+                  <a:schemeClr val="tx1"/>
+                </a:solidFill>
+              </a:rPr>
+              <a:t>SATA</a:t>
+            </a:r>
+            <a:endParaRPr lang="zh-CN" altLang="en-US" sz="1000" dirty="0">
+              <a:solidFill>
+                <a:schemeClr val="tx1"/>
+              </a:solidFill>
+            </a:endParaRPr>
+          </a:p>
+        </p:txBody>
+      </p:sp>
+      <p:sp>
+        <p:nvSpPr>
+          <p:cNvPr id="24" name="平行四边形 23">
+            <a:extLst>
+              <a:ext uri="{FF2B5EF4-FFF2-40B4-BE49-F238E27FC236}">
+                <a16:creationId xmlns:a16="http://schemas.microsoft.com/office/drawing/2014/main" id="{6F2AEB04-8C01-40F9-96AA-BC5F09576EB1}"/>
+              </a:ext>
+            </a:extLst>
+          </p:cNvPr>
+          <p:cNvSpPr/>
+          <p:nvPr/>
+        </p:nvSpPr>
+        <p:spPr>
+          <a:xfrm>
+            <a:off x="4485814" y="3187541"/>
+            <a:ext cx="363984" cy="720013"/>
+          </a:xfrm>
+          <a:prstGeom prst="parallelogram">
+            <a:avLst/>
+          </a:prstGeom>
+          <a:solidFill>
+            <a:schemeClr val="accent2">
+              <a:lumMod val="20000"/>
+              <a:lumOff val="80000"/>
+            </a:schemeClr>
+          </a:solidFill>
+        </p:spPr>
+        <p:style>
+          <a:lnRef idx="2">
+            <a:schemeClr val="accent1">
+              <a:shade val="50000"/>
+            </a:schemeClr>
+          </a:lnRef>
+          <a:fillRef idx="1">
+            <a:schemeClr val="accent1"/>
+          </a:fillRef>
+          <a:effectRef idx="0">
+            <a:schemeClr val="accent1"/>
+          </a:effectRef>
+          <a:fontRef idx="minor">
+            <a:schemeClr val="lt1"/>
+          </a:fontRef>
+        </p:style>
+        <p:txBody>
+          <a:bodyPr rtlCol="0" anchor="ctr"/>
+          <a:lstStyle/>
+          <a:p>
+            <a:pPr algn="ctr"/>
+            <a:r>
+              <a:rPr lang="en-US" altLang="zh-CN" sz="1000" dirty="0">
+                <a:solidFill>
+                  <a:schemeClr val="tx1"/>
+                </a:solidFill>
+              </a:rPr>
+              <a:t>SATA</a:t>
+            </a:r>
+            <a:endParaRPr lang="zh-CN" altLang="en-US" sz="1000" dirty="0">
+              <a:solidFill>
+                <a:schemeClr val="tx1"/>
+              </a:solidFill>
+            </a:endParaRPr>
+          </a:p>
+        </p:txBody>
+      </p:sp>
+      <p:sp>
+        <p:nvSpPr>
+          <p:cNvPr id="25" name="矩形: 单圆角 24">
+            <a:extLst>
+              <a:ext uri="{FF2B5EF4-FFF2-40B4-BE49-F238E27FC236}">
+                <a16:creationId xmlns:a16="http://schemas.microsoft.com/office/drawing/2014/main" id="{A00B7E73-10FB-497B-B167-15436D693A7B}"/>
+              </a:ext>
+            </a:extLst>
+          </p:cNvPr>
+          <p:cNvSpPr/>
+          <p:nvPr/>
+        </p:nvSpPr>
+        <p:spPr>
+          <a:xfrm>
+            <a:off x="5086905" y="4341181"/>
+            <a:ext cx="1296140" cy="506027"/>
+          </a:xfrm>
+          <a:prstGeom prst="round1Rect">
+            <a:avLst/>
+          </a:prstGeom>
+        </p:spPr>
+        <p:style>
+          <a:lnRef idx="2">
+            <a:schemeClr val="accent1">
+              <a:shade val="50000"/>
+            </a:schemeClr>
+          </a:lnRef>
+          <a:fillRef idx="1">
+            <a:schemeClr val="accent1"/>
+          </a:fillRef>
+          <a:effectRef idx="0">
+            <a:schemeClr val="accent1"/>
+          </a:effectRef>
+          <a:fontRef idx="minor">
+            <a:schemeClr val="lt1"/>
+          </a:fontRef>
+        </p:style>
+        <p:txBody>
+          <a:bodyPr rtlCol="0" anchor="ctr"/>
+          <a:lstStyle/>
+          <a:p>
+            <a:pPr algn="ctr"/>
+            <a:r>
+              <a:rPr lang="en-US" altLang="zh-CN" dirty="0"/>
+              <a:t>iDRAC</a:t>
+            </a:r>
+            <a:endParaRPr lang="zh-CN" altLang="en-US" dirty="0"/>
+          </a:p>
+        </p:txBody>
+      </p:sp>
+      <p:sp>
+        <p:nvSpPr>
+          <p:cNvPr id="26" name="矩形: 单圆角 25">
+            <a:extLst>
+              <a:ext uri="{FF2B5EF4-FFF2-40B4-BE49-F238E27FC236}">
+                <a16:creationId xmlns:a16="http://schemas.microsoft.com/office/drawing/2014/main" id="{BE8A2317-6865-4CC8-9DF9-CBA592631552}"/>
+              </a:ext>
+            </a:extLst>
+          </p:cNvPr>
+          <p:cNvSpPr/>
+          <p:nvPr/>
+        </p:nvSpPr>
+        <p:spPr>
+          <a:xfrm>
+            <a:off x="5086905" y="5248606"/>
+            <a:ext cx="1296140" cy="506027"/>
+          </a:xfrm>
+          <a:prstGeom prst="round1Rect">
+            <a:avLst/>
+          </a:prstGeom>
+        </p:spPr>
+        <p:style>
+          <a:lnRef idx="2">
+            <a:schemeClr val="accent1">
+              <a:shade val="50000"/>
+            </a:schemeClr>
+          </a:lnRef>
+          <a:fillRef idx="1">
+            <a:schemeClr val="accent1"/>
+          </a:fillRef>
+          <a:effectRef idx="0">
+            <a:schemeClr val="accent1"/>
+          </a:effectRef>
+          <a:fontRef idx="minor">
+            <a:schemeClr val="lt1"/>
+          </a:fontRef>
+        </p:style>
+        <p:txBody>
+          <a:bodyPr rtlCol="0" anchor="ctr"/>
+          <a:lstStyle/>
+          <a:p>
+            <a:pPr algn="ctr"/>
+            <a:r>
+              <a:rPr lang="en-US" altLang="zh-CN" dirty="0"/>
+              <a:t>CPLD</a:t>
+            </a:r>
+            <a:endParaRPr lang="zh-CN" altLang="en-US" dirty="0"/>
+          </a:p>
+        </p:txBody>
+      </p:sp>
+      <p:sp>
+        <p:nvSpPr>
+          <p:cNvPr id="27" name="平行四边形 26">
+            <a:extLst>
+              <a:ext uri="{FF2B5EF4-FFF2-40B4-BE49-F238E27FC236}">
+                <a16:creationId xmlns:a16="http://schemas.microsoft.com/office/drawing/2014/main" id="{E81FE141-F438-42DB-AF7A-515E3E2C2AFC}"/>
+              </a:ext>
+            </a:extLst>
+          </p:cNvPr>
+          <p:cNvSpPr/>
+          <p:nvPr/>
+        </p:nvSpPr>
+        <p:spPr>
+          <a:xfrm>
+            <a:off x="6900541" y="4234187"/>
+            <a:ext cx="363984" cy="720013"/>
+          </a:xfrm>
+          <a:prstGeom prst="parallelogram">
+            <a:avLst/>
+          </a:prstGeom>
+          <a:solidFill>
+            <a:schemeClr val="accent4">
+              <a:lumMod val="40000"/>
+              <a:lumOff val="60000"/>
+            </a:schemeClr>
+          </a:solidFill>
+        </p:spPr>
+        <p:style>
+          <a:lnRef idx="2">
+            <a:schemeClr val="accent1">
+              <a:shade val="50000"/>
+            </a:schemeClr>
+          </a:lnRef>
+          <a:fillRef idx="1">
+            <a:schemeClr val="accent1"/>
+          </a:fillRef>
+          <a:effectRef idx="0">
+            <a:schemeClr val="accent1"/>
+          </a:effectRef>
+          <a:fontRef idx="minor">
+            <a:schemeClr val="lt1"/>
+          </a:fontRef>
+        </p:style>
+        <p:txBody>
+          <a:bodyPr rtlCol="0" anchor="ctr"/>
+          <a:lstStyle/>
+          <a:p>
+            <a:pPr algn="ctr"/>
+            <a:r>
+              <a:rPr lang="en-US" altLang="zh-CN" sz="1000" dirty="0">
+                <a:solidFill>
+                  <a:schemeClr val="tx1"/>
+                </a:solidFill>
+              </a:rPr>
+              <a:t>DRAM</a:t>
+            </a:r>
+            <a:endParaRPr lang="zh-CN" altLang="en-US" sz="1000" dirty="0">
+              <a:solidFill>
+                <a:schemeClr val="tx1"/>
+              </a:solidFill>
+            </a:endParaRPr>
+          </a:p>
+        </p:txBody>
+      </p:sp>
+      <p:sp>
+        <p:nvSpPr>
+          <p:cNvPr id="28" name="平行四边形 27">
+            <a:extLst>
+              <a:ext uri="{FF2B5EF4-FFF2-40B4-BE49-F238E27FC236}">
+                <a16:creationId xmlns:a16="http://schemas.microsoft.com/office/drawing/2014/main" id="{6E5A50E1-A41B-46D0-A888-ABF1D90B07A3}"/>
+              </a:ext>
+            </a:extLst>
+          </p:cNvPr>
+          <p:cNvSpPr/>
+          <p:nvPr/>
+        </p:nvSpPr>
+        <p:spPr>
+          <a:xfrm>
+            <a:off x="3267261" y="4382794"/>
+            <a:ext cx="1179989" cy="194974"/>
+          </a:xfrm>
+          <a:prstGeom prst="parallelogram">
+            <a:avLst/>
+          </a:prstGeom>
+          <a:solidFill>
+            <a:schemeClr val="accent4">
+              <a:lumMod val="40000"/>
+              <a:lumOff val="60000"/>
+            </a:schemeClr>
+          </a:solidFill>
+        </p:spPr>
+        <p:style>
+          <a:lnRef idx="2">
+            <a:schemeClr val="accent1">
+              <a:shade val="50000"/>
+            </a:schemeClr>
+          </a:lnRef>
+          <a:fillRef idx="1">
+            <a:schemeClr val="accent1"/>
+          </a:fillRef>
+          <a:effectRef idx="0">
+            <a:schemeClr val="accent1"/>
+          </a:effectRef>
+          <a:fontRef idx="minor">
+            <a:schemeClr val="lt1"/>
+          </a:fontRef>
+        </p:style>
+        <p:txBody>
+          <a:bodyPr rtlCol="0" anchor="ctr"/>
+          <a:lstStyle/>
+          <a:p>
+            <a:pPr algn="ctr"/>
+            <a:r>
+              <a:rPr lang="en-US" altLang="zh-CN" sz="1000" dirty="0">
+                <a:solidFill>
+                  <a:schemeClr val="tx1"/>
+                </a:solidFill>
+              </a:rPr>
+              <a:t>NDC(network) </a:t>
+            </a:r>
+            <a:endParaRPr lang="zh-CN" altLang="en-US" sz="1000" dirty="0">
+              <a:solidFill>
+                <a:schemeClr val="tx1"/>
+              </a:solidFill>
+            </a:endParaRPr>
+          </a:p>
+        </p:txBody>
+      </p:sp>
+      <p:sp>
+        <p:nvSpPr>
+          <p:cNvPr id="29" name="平行四边形 28">
+            <a:extLst>
+              <a:ext uri="{FF2B5EF4-FFF2-40B4-BE49-F238E27FC236}">
+                <a16:creationId xmlns:a16="http://schemas.microsoft.com/office/drawing/2014/main" id="{F586B302-E87C-4293-8BE6-51B542063B29}"/>
+              </a:ext>
+            </a:extLst>
+          </p:cNvPr>
+          <p:cNvSpPr/>
+          <p:nvPr/>
+        </p:nvSpPr>
+        <p:spPr>
+          <a:xfrm>
+            <a:off x="3225554" y="4652234"/>
+            <a:ext cx="1179989" cy="194974"/>
+          </a:xfrm>
+          <a:prstGeom prst="parallelogram">
+            <a:avLst/>
+          </a:prstGeom>
+          <a:solidFill>
+            <a:schemeClr val="accent4">
+              <a:lumMod val="40000"/>
+              <a:lumOff val="60000"/>
+            </a:schemeClr>
+          </a:solidFill>
+        </p:spPr>
+        <p:style>
+          <a:lnRef idx="2">
+            <a:schemeClr val="accent1">
+              <a:shade val="50000"/>
+            </a:schemeClr>
+          </a:lnRef>
+          <a:fillRef idx="1">
+            <a:schemeClr val="accent1"/>
+          </a:fillRef>
+          <a:effectRef idx="0">
+            <a:schemeClr val="accent1"/>
+          </a:effectRef>
+          <a:fontRef idx="minor">
+            <a:schemeClr val="lt1"/>
+          </a:fontRef>
+        </p:style>
+        <p:txBody>
+          <a:bodyPr rtlCol="0" anchor="ctr"/>
+          <a:lstStyle/>
+          <a:p>
+            <a:pPr algn="ctr"/>
+            <a:r>
+              <a:rPr lang="en-US" altLang="zh-CN" sz="1000" dirty="0">
+                <a:solidFill>
+                  <a:schemeClr val="tx1"/>
+                </a:solidFill>
+              </a:rPr>
+              <a:t>Console</a:t>
+            </a:r>
+            <a:endParaRPr lang="zh-CN" altLang="en-US" sz="1000" dirty="0">
+              <a:solidFill>
+                <a:schemeClr val="tx1"/>
+              </a:solidFill>
+            </a:endParaRPr>
+          </a:p>
+        </p:txBody>
+      </p:sp>
+      <p:sp>
+        <p:nvSpPr>
+          <p:cNvPr id="30" name="箭头: 上下 29">
+            <a:extLst>
+              <a:ext uri="{FF2B5EF4-FFF2-40B4-BE49-F238E27FC236}">
+                <a16:creationId xmlns:a16="http://schemas.microsoft.com/office/drawing/2014/main" id="{83D9AAC4-FC2E-4602-8FFA-DCBA393ADB3E}"/>
+              </a:ext>
+            </a:extLst>
+          </p:cNvPr>
+          <p:cNvSpPr/>
+          <p:nvPr/>
+        </p:nvSpPr>
+        <p:spPr>
+          <a:xfrm>
+            <a:off x="1016493" y="1636627"/>
+            <a:ext cx="79899" cy="378592"/>
+          </a:xfrm>
+          <a:prstGeom prst="upDownArrow">
+            <a:avLst/>
+          </a:prstGeom>
+        </p:spPr>
+        <p:style>
+          <a:lnRef idx="2">
+            <a:schemeClr val="accent1">
+              <a:shade val="50000"/>
+            </a:schemeClr>
+          </a:lnRef>
+          <a:fillRef idx="1">
+            <a:schemeClr val="accent1"/>
+          </a:fillRef>
+          <a:effectRef idx="0">
+            <a:schemeClr val="accent1"/>
+          </a:effectRef>
+          <a:fontRef idx="minor">
+            <a:schemeClr val="lt1"/>
+          </a:fontRef>
+        </p:style>
+        <p:txBody>
+          <a:bodyPr rtlCol="0" anchor="ctr"/>
+          <a:lstStyle/>
+          <a:p>
+            <a:pPr algn="ctr"/>
+            <a:endParaRPr lang="zh-CN" altLang="en-US"/>
+          </a:p>
+        </p:txBody>
+      </p:sp>
+      <p:sp>
+        <p:nvSpPr>
+          <p:cNvPr id="31" name="箭头: 上下 30">
+            <a:extLst>
+              <a:ext uri="{FF2B5EF4-FFF2-40B4-BE49-F238E27FC236}">
+                <a16:creationId xmlns:a16="http://schemas.microsoft.com/office/drawing/2014/main" id="{149DAE77-4E7A-4133-94C9-F4C510B9A14A}"/>
+              </a:ext>
+            </a:extLst>
+          </p:cNvPr>
+          <p:cNvSpPr/>
+          <p:nvPr/>
+        </p:nvSpPr>
+        <p:spPr>
+          <a:xfrm>
+            <a:off x="1976769" y="1636627"/>
+            <a:ext cx="79899" cy="378592"/>
+          </a:xfrm>
+          <a:prstGeom prst="upDownArrow">
+            <a:avLst/>
+          </a:prstGeom>
+        </p:spPr>
+        <p:style>
+          <a:lnRef idx="2">
+            <a:schemeClr val="accent1">
+              <a:shade val="50000"/>
+            </a:schemeClr>
+          </a:lnRef>
+          <a:fillRef idx="1">
+            <a:schemeClr val="accent1"/>
+          </a:fillRef>
+          <a:effectRef idx="0">
+            <a:schemeClr val="accent1"/>
+          </a:effectRef>
+          <a:fontRef idx="minor">
+            <a:schemeClr val="lt1"/>
+          </a:fontRef>
+        </p:style>
+        <p:txBody>
+          <a:bodyPr rtlCol="0" anchor="ctr"/>
+          <a:lstStyle/>
+          <a:p>
+            <a:pPr algn="ctr"/>
+            <a:endParaRPr lang="zh-CN" altLang="en-US"/>
+          </a:p>
+        </p:txBody>
+      </p:sp>
+      <p:sp>
+        <p:nvSpPr>
+          <p:cNvPr id="32" name="箭头: 上下 31">
+            <a:extLst>
+              <a:ext uri="{FF2B5EF4-FFF2-40B4-BE49-F238E27FC236}">
+                <a16:creationId xmlns:a16="http://schemas.microsoft.com/office/drawing/2014/main" id="{AD11405E-EC88-4A06-8576-56813BD3310C}"/>
+              </a:ext>
+            </a:extLst>
+          </p:cNvPr>
+          <p:cNvSpPr/>
+          <p:nvPr/>
+        </p:nvSpPr>
+        <p:spPr>
+          <a:xfrm>
+            <a:off x="4334153" y="1655640"/>
+            <a:ext cx="79899" cy="378592"/>
+          </a:xfrm>
+          <a:prstGeom prst="upDownArrow">
+            <a:avLst/>
+          </a:prstGeom>
+        </p:spPr>
+        <p:style>
+          <a:lnRef idx="2">
+            <a:schemeClr val="accent1">
+              <a:shade val="50000"/>
+            </a:schemeClr>
+          </a:lnRef>
+          <a:fillRef idx="1">
+            <a:schemeClr val="accent1"/>
+          </a:fillRef>
+          <a:effectRef idx="0">
+            <a:schemeClr val="accent1"/>
+          </a:effectRef>
+          <a:fontRef idx="minor">
+            <a:schemeClr val="lt1"/>
+          </a:fontRef>
+        </p:style>
+        <p:txBody>
+          <a:bodyPr rtlCol="0" anchor="ctr"/>
+          <a:lstStyle/>
+          <a:p>
+            <a:pPr algn="ctr"/>
+            <a:endParaRPr lang="zh-CN" altLang="en-US"/>
+          </a:p>
+        </p:txBody>
+      </p:sp>
+      <p:sp>
+        <p:nvSpPr>
+          <p:cNvPr id="33" name="箭头: 上下 32">
+            <a:extLst>
+              <a:ext uri="{FF2B5EF4-FFF2-40B4-BE49-F238E27FC236}">
+                <a16:creationId xmlns:a16="http://schemas.microsoft.com/office/drawing/2014/main" id="{0A093757-BD18-4C35-B57F-98E7458E48E2}"/>
+              </a:ext>
+            </a:extLst>
+          </p:cNvPr>
+          <p:cNvSpPr/>
+          <p:nvPr/>
+        </p:nvSpPr>
+        <p:spPr>
+          <a:xfrm>
+            <a:off x="936594" y="2586230"/>
+            <a:ext cx="79899" cy="378592"/>
+          </a:xfrm>
+          <a:prstGeom prst="upDownArrow">
+            <a:avLst/>
+          </a:prstGeom>
+        </p:spPr>
+        <p:style>
+          <a:lnRef idx="2">
+            <a:schemeClr val="accent1">
+              <a:shade val="50000"/>
+            </a:schemeClr>
+          </a:lnRef>
+          <a:fillRef idx="1">
+            <a:schemeClr val="accent1"/>
+          </a:fillRef>
+          <a:effectRef idx="0">
+            <a:schemeClr val="accent1"/>
+          </a:effectRef>
+          <a:fontRef idx="minor">
+            <a:schemeClr val="lt1"/>
+          </a:fontRef>
+        </p:style>
+        <p:txBody>
+          <a:bodyPr rtlCol="0" anchor="ctr"/>
+          <a:lstStyle/>
+          <a:p>
+            <a:pPr algn="ctr"/>
+            <a:endParaRPr lang="zh-CN" altLang="en-US"/>
+          </a:p>
+        </p:txBody>
+      </p:sp>
+      <p:sp>
+        <p:nvSpPr>
+          <p:cNvPr id="34" name="箭头: 上下 33">
+            <a:extLst>
+              <a:ext uri="{FF2B5EF4-FFF2-40B4-BE49-F238E27FC236}">
+                <a16:creationId xmlns:a16="http://schemas.microsoft.com/office/drawing/2014/main" id="{C909DE23-AEDA-40E0-A93D-C80B38376853}"/>
+              </a:ext>
+            </a:extLst>
+          </p:cNvPr>
+          <p:cNvSpPr/>
+          <p:nvPr/>
+        </p:nvSpPr>
+        <p:spPr>
+          <a:xfrm>
+            <a:off x="2055179" y="2564688"/>
+            <a:ext cx="79899" cy="378592"/>
+          </a:xfrm>
+          <a:prstGeom prst="upDownArrow">
+            <a:avLst/>
+          </a:prstGeom>
+        </p:spPr>
+        <p:style>
+          <a:lnRef idx="2">
+            <a:schemeClr val="accent1">
+              <a:shade val="50000"/>
+            </a:schemeClr>
+          </a:lnRef>
+          <a:fillRef idx="1">
+            <a:schemeClr val="accent1"/>
+          </a:fillRef>
+          <a:effectRef idx="0">
+            <a:schemeClr val="accent1"/>
+          </a:effectRef>
+          <a:fontRef idx="minor">
+            <a:schemeClr val="lt1"/>
+          </a:fontRef>
+        </p:style>
+        <p:txBody>
+          <a:bodyPr rtlCol="0" anchor="ctr"/>
+          <a:lstStyle/>
+          <a:p>
+            <a:pPr algn="ctr"/>
+            <a:endParaRPr lang="zh-CN" altLang="en-US"/>
+          </a:p>
+        </p:txBody>
+      </p:sp>
+      <p:sp>
+        <p:nvSpPr>
+          <p:cNvPr id="35" name="箭头: 上下 34">
+            <a:extLst>
+              <a:ext uri="{FF2B5EF4-FFF2-40B4-BE49-F238E27FC236}">
+                <a16:creationId xmlns:a16="http://schemas.microsoft.com/office/drawing/2014/main" id="{FF58D547-3033-4EFA-8A33-C479DD482598}"/>
+              </a:ext>
+            </a:extLst>
+          </p:cNvPr>
+          <p:cNvSpPr/>
+          <p:nvPr/>
+        </p:nvSpPr>
+        <p:spPr>
+          <a:xfrm>
+            <a:off x="4355980" y="2611411"/>
+            <a:ext cx="79899" cy="378592"/>
+          </a:xfrm>
+          <a:prstGeom prst="upDownArrow">
+            <a:avLst/>
+          </a:prstGeom>
+        </p:spPr>
+        <p:style>
+          <a:lnRef idx="2">
+            <a:schemeClr val="accent1">
+              <a:shade val="50000"/>
+            </a:schemeClr>
+          </a:lnRef>
+          <a:fillRef idx="1">
+            <a:schemeClr val="accent1"/>
+          </a:fillRef>
+          <a:effectRef idx="0">
+            <a:schemeClr val="accent1"/>
+          </a:effectRef>
+          <a:fontRef idx="minor">
+            <a:schemeClr val="lt1"/>
+          </a:fontRef>
+        </p:style>
+        <p:txBody>
+          <a:bodyPr rtlCol="0" anchor="ctr"/>
+          <a:lstStyle/>
+          <a:p>
+            <a:pPr algn="ctr"/>
+            <a:endParaRPr lang="zh-CN" altLang="en-US"/>
+          </a:p>
+        </p:txBody>
+      </p:sp>
+      <p:sp>
+        <p:nvSpPr>
+          <p:cNvPr id="36" name="箭头: 左右 35">
+            <a:extLst>
+              <a:ext uri="{FF2B5EF4-FFF2-40B4-BE49-F238E27FC236}">
+                <a16:creationId xmlns:a16="http://schemas.microsoft.com/office/drawing/2014/main" id="{88ED7653-D891-4C34-B1C4-C4BADECC73B9}"/>
+              </a:ext>
+            </a:extLst>
+          </p:cNvPr>
+          <p:cNvSpPr/>
+          <p:nvPr/>
+        </p:nvSpPr>
+        <p:spPr>
+          <a:xfrm>
+            <a:off x="2518301" y="2245715"/>
+            <a:ext cx="1414507" cy="89111"/>
+          </a:xfrm>
+          <a:prstGeom prst="leftRightArrow">
+            <a:avLst/>
+          </a:prstGeom>
+        </p:spPr>
+        <p:style>
+          <a:lnRef idx="2">
+            <a:schemeClr val="accent1">
+              <a:shade val="50000"/>
+            </a:schemeClr>
+          </a:lnRef>
+          <a:fillRef idx="1">
+            <a:schemeClr val="accent1"/>
+          </a:fillRef>
+          <a:effectRef idx="0">
+            <a:schemeClr val="accent1"/>
+          </a:effectRef>
+          <a:fontRef idx="minor">
+            <a:schemeClr val="lt1"/>
+          </a:fontRef>
+        </p:style>
+        <p:txBody>
+          <a:bodyPr rtlCol="0" anchor="ctr"/>
+          <a:lstStyle/>
+          <a:p>
+            <a:pPr algn="ctr"/>
+            <a:endParaRPr lang="zh-CN" altLang="en-US"/>
+          </a:p>
+        </p:txBody>
+      </p:sp>
+      <p:sp>
+        <p:nvSpPr>
+          <p:cNvPr id="37" name="箭头: 左右 36">
+            <a:extLst>
+              <a:ext uri="{FF2B5EF4-FFF2-40B4-BE49-F238E27FC236}">
+                <a16:creationId xmlns:a16="http://schemas.microsoft.com/office/drawing/2014/main" id="{9F602649-6B51-4F04-8D58-F6D98595153E}"/>
+              </a:ext>
+            </a:extLst>
+          </p:cNvPr>
+          <p:cNvSpPr/>
+          <p:nvPr/>
+        </p:nvSpPr>
+        <p:spPr>
+          <a:xfrm>
+            <a:off x="1372713" y="2217841"/>
+            <a:ext cx="334023" cy="144857"/>
+          </a:xfrm>
+          <a:prstGeom prst="leftRightArrow">
+            <a:avLst/>
+          </a:prstGeom>
+        </p:spPr>
+        <p:style>
+          <a:lnRef idx="2">
+            <a:schemeClr val="accent1">
+              <a:shade val="50000"/>
+            </a:schemeClr>
+          </a:lnRef>
+          <a:fillRef idx="1">
+            <a:schemeClr val="accent1"/>
+          </a:fillRef>
+          <a:effectRef idx="0">
+            <a:schemeClr val="accent1"/>
+          </a:effectRef>
+          <a:fontRef idx="minor">
+            <a:schemeClr val="lt1"/>
+          </a:fontRef>
+        </p:style>
+        <p:txBody>
+          <a:bodyPr rtlCol="0" anchor="ctr"/>
+          <a:lstStyle/>
+          <a:p>
+            <a:pPr algn="ctr"/>
+            <a:endParaRPr lang="zh-CN" altLang="en-US"/>
+          </a:p>
+        </p:txBody>
+      </p:sp>
+      <p:sp>
+        <p:nvSpPr>
+          <p:cNvPr id="38" name="箭头: 直角双向 37">
+            <a:extLst>
+              <a:ext uri="{FF2B5EF4-FFF2-40B4-BE49-F238E27FC236}">
+                <a16:creationId xmlns:a16="http://schemas.microsoft.com/office/drawing/2014/main" id="{3C97B279-21BA-485F-8250-A3B6C834BD31}"/>
+              </a:ext>
+            </a:extLst>
+          </p:cNvPr>
+          <p:cNvSpPr/>
+          <p:nvPr/>
+        </p:nvSpPr>
+        <p:spPr>
+          <a:xfrm rot="16200000">
+            <a:off x="4599452" y="2901250"/>
+            <a:ext cx="1950499" cy="549469"/>
+          </a:xfrm>
+          <a:prstGeom prst="leftUpArrow">
+            <a:avLst/>
+          </a:prstGeom>
+        </p:spPr>
+        <p:style>
+          <a:lnRef idx="2">
+            <a:schemeClr val="accent1">
+              <a:shade val="50000"/>
+            </a:schemeClr>
+          </a:lnRef>
+          <a:fillRef idx="1">
+            <a:schemeClr val="accent1"/>
+          </a:fillRef>
+          <a:effectRef idx="0">
+            <a:schemeClr val="accent1"/>
+          </a:effectRef>
+          <a:fontRef idx="minor">
+            <a:schemeClr val="lt1"/>
+          </a:fontRef>
+        </p:style>
+        <p:txBody>
+          <a:bodyPr rtlCol="0" anchor="ctr"/>
+          <a:lstStyle/>
+          <a:p>
+            <a:pPr algn="ctr"/>
+            <a:r>
+              <a:rPr lang="en-US" altLang="zh-CN" sz="1200" dirty="0"/>
+              <a:t>LPC or SPI</a:t>
+            </a:r>
+            <a:endParaRPr lang="zh-CN" altLang="en-US" sz="1200" dirty="0"/>
+          </a:p>
+        </p:txBody>
+      </p:sp>
+      <p:sp>
+        <p:nvSpPr>
+          <p:cNvPr id="39" name="箭头: 上下 38">
+            <a:extLst>
+              <a:ext uri="{FF2B5EF4-FFF2-40B4-BE49-F238E27FC236}">
+                <a16:creationId xmlns:a16="http://schemas.microsoft.com/office/drawing/2014/main" id="{919C0AAD-7ED1-4AB1-B072-00E58CC50A96}"/>
+              </a:ext>
+            </a:extLst>
+          </p:cNvPr>
+          <p:cNvSpPr/>
+          <p:nvPr/>
+        </p:nvSpPr>
+        <p:spPr>
+          <a:xfrm>
+            <a:off x="5695025" y="4858611"/>
+            <a:ext cx="79899" cy="378592"/>
+          </a:xfrm>
+          <a:prstGeom prst="upDownArrow">
+            <a:avLst/>
+          </a:prstGeom>
+        </p:spPr>
+        <p:style>
+          <a:lnRef idx="2">
+            <a:schemeClr val="accent1">
+              <a:shade val="50000"/>
+            </a:schemeClr>
+          </a:lnRef>
+          <a:fillRef idx="1">
+            <a:schemeClr val="accent1"/>
+          </a:fillRef>
+          <a:effectRef idx="0">
+            <a:schemeClr val="accent1"/>
+          </a:effectRef>
+          <a:fontRef idx="minor">
+            <a:schemeClr val="lt1"/>
+          </a:fontRef>
+        </p:style>
+        <p:txBody>
+          <a:bodyPr rtlCol="0" anchor="ctr"/>
+          <a:lstStyle/>
+          <a:p>
+            <a:pPr algn="ctr"/>
+            <a:endParaRPr lang="zh-CN" altLang="en-US"/>
+          </a:p>
+        </p:txBody>
+      </p:sp>
+      <p:sp>
+        <p:nvSpPr>
+          <p:cNvPr id="40" name="箭头: 左右 39">
+            <a:extLst>
+              <a:ext uri="{FF2B5EF4-FFF2-40B4-BE49-F238E27FC236}">
+                <a16:creationId xmlns:a16="http://schemas.microsoft.com/office/drawing/2014/main" id="{32618100-85FB-4F99-B8FD-33B8FB9788D2}"/>
+              </a:ext>
+            </a:extLst>
+          </p:cNvPr>
+          <p:cNvSpPr/>
+          <p:nvPr/>
+        </p:nvSpPr>
+        <p:spPr>
+          <a:xfrm>
+            <a:off x="4485813" y="4419827"/>
+            <a:ext cx="476803" cy="120908"/>
+          </a:xfrm>
+          <a:prstGeom prst="leftRightArrow">
+            <a:avLst/>
+          </a:prstGeom>
+        </p:spPr>
+        <p:style>
+          <a:lnRef idx="2">
+            <a:schemeClr val="accent1">
+              <a:shade val="50000"/>
+            </a:schemeClr>
+          </a:lnRef>
+          <a:fillRef idx="1">
+            <a:schemeClr val="accent1"/>
+          </a:fillRef>
+          <a:effectRef idx="0">
+            <a:schemeClr val="accent1"/>
+          </a:effectRef>
+          <a:fontRef idx="minor">
+            <a:schemeClr val="lt1"/>
+          </a:fontRef>
+        </p:style>
+        <p:txBody>
+          <a:bodyPr rtlCol="0" anchor="ctr"/>
+          <a:lstStyle/>
+          <a:p>
+            <a:pPr algn="ctr"/>
+            <a:endParaRPr lang="zh-CN" altLang="en-US"/>
+          </a:p>
+        </p:txBody>
+      </p:sp>
+      <p:sp>
+        <p:nvSpPr>
+          <p:cNvPr id="41" name="箭头: 左右 40">
+            <a:extLst>
+              <a:ext uri="{FF2B5EF4-FFF2-40B4-BE49-F238E27FC236}">
+                <a16:creationId xmlns:a16="http://schemas.microsoft.com/office/drawing/2014/main" id="{63BF0692-D63B-46CA-A9CF-34D3AEFD3CA9}"/>
+              </a:ext>
+            </a:extLst>
+          </p:cNvPr>
+          <p:cNvSpPr/>
+          <p:nvPr/>
+        </p:nvSpPr>
+        <p:spPr>
+          <a:xfrm>
+            <a:off x="4485814" y="4671726"/>
+            <a:ext cx="523966" cy="114926"/>
+          </a:xfrm>
+          <a:prstGeom prst="leftRightArrow">
+            <a:avLst/>
+          </a:prstGeom>
+        </p:spPr>
+        <p:style>
+          <a:lnRef idx="2">
+            <a:schemeClr val="accent1">
+              <a:shade val="50000"/>
+            </a:schemeClr>
+          </a:lnRef>
+          <a:fillRef idx="1">
+            <a:schemeClr val="accent1"/>
+          </a:fillRef>
+          <a:effectRef idx="0">
+            <a:schemeClr val="accent1"/>
+          </a:effectRef>
+          <a:fontRef idx="minor">
+            <a:schemeClr val="lt1"/>
+          </a:fontRef>
+        </p:style>
+        <p:txBody>
+          <a:bodyPr rtlCol="0" anchor="ctr"/>
+          <a:lstStyle/>
+          <a:p>
+            <a:pPr algn="ctr"/>
+            <a:endParaRPr lang="zh-CN" altLang="en-US"/>
+          </a:p>
+        </p:txBody>
+      </p:sp>
+      <p:sp>
+        <p:nvSpPr>
+          <p:cNvPr id="42" name="箭头: 左右 41">
+            <a:extLst>
+              <a:ext uri="{FF2B5EF4-FFF2-40B4-BE49-F238E27FC236}">
+                <a16:creationId xmlns:a16="http://schemas.microsoft.com/office/drawing/2014/main" id="{753C547B-E925-4193-AAE2-C8A2961CC6B6}"/>
+              </a:ext>
+            </a:extLst>
+          </p:cNvPr>
+          <p:cNvSpPr/>
+          <p:nvPr/>
+        </p:nvSpPr>
+        <p:spPr>
+          <a:xfrm>
+            <a:off x="6385638" y="4570664"/>
+            <a:ext cx="514903" cy="101062"/>
+          </a:xfrm>
+          <a:prstGeom prst="leftRightArrow">
+            <a:avLst/>
+          </a:prstGeom>
+        </p:spPr>
+        <p:style>
+          <a:lnRef idx="2">
+            <a:schemeClr val="accent1">
+              <a:shade val="50000"/>
+            </a:schemeClr>
+          </a:lnRef>
+          <a:fillRef idx="1">
+            <a:schemeClr val="accent1"/>
+          </a:fillRef>
+          <a:effectRef idx="0">
+            <a:schemeClr val="accent1"/>
+          </a:effectRef>
+          <a:fontRef idx="minor">
+            <a:schemeClr val="lt1"/>
+          </a:fontRef>
+        </p:style>
+        <p:txBody>
+          <a:bodyPr rtlCol="0" anchor="ctr"/>
+          <a:lstStyle/>
+          <a:p>
+            <a:pPr algn="ctr"/>
+            <a:endParaRPr lang="zh-CN" altLang="en-US"/>
+          </a:p>
+        </p:txBody>
+      </p:sp>
+      <p:sp>
+        <p:nvSpPr>
+          <p:cNvPr id="43" name="圆柱体 42">
+            <a:extLst>
+              <a:ext uri="{FF2B5EF4-FFF2-40B4-BE49-F238E27FC236}">
+                <a16:creationId xmlns:a16="http://schemas.microsoft.com/office/drawing/2014/main" id="{FFCA2CA7-EF02-4EE1-A27B-4B76E9615503}"/>
+              </a:ext>
+            </a:extLst>
+          </p:cNvPr>
+          <p:cNvSpPr/>
+          <p:nvPr/>
+        </p:nvSpPr>
+        <p:spPr>
+          <a:xfrm>
+            <a:off x="377302" y="4400161"/>
+            <a:ext cx="727968" cy="384915"/>
+          </a:xfrm>
+          <a:prstGeom prst="can">
+            <a:avLst/>
+          </a:prstGeom>
+        </p:spPr>
+        <p:style>
+          <a:lnRef idx="2">
+            <a:schemeClr val="accent1">
+              <a:shade val="50000"/>
+            </a:schemeClr>
+          </a:lnRef>
+          <a:fillRef idx="1">
+            <a:schemeClr val="accent1"/>
+          </a:fillRef>
+          <a:effectRef idx="0">
+            <a:schemeClr val="accent1"/>
+          </a:effectRef>
+          <a:fontRef idx="minor">
+            <a:schemeClr val="lt1"/>
+          </a:fontRef>
+        </p:style>
+        <p:txBody>
+          <a:bodyPr rtlCol="0" anchor="ctr"/>
+          <a:lstStyle/>
+          <a:p>
+            <a:pPr algn="ctr"/>
+            <a:r>
+              <a:rPr lang="en-US" altLang="zh-CN" sz="1200" dirty="0"/>
+              <a:t>GPGPU</a:t>
+            </a:r>
+            <a:endParaRPr lang="zh-CN" altLang="en-US" sz="1200" dirty="0"/>
+          </a:p>
+        </p:txBody>
+      </p:sp>
+      <p:sp>
+        <p:nvSpPr>
+          <p:cNvPr id="44" name="圆柱体 43">
+            <a:extLst>
+              <a:ext uri="{FF2B5EF4-FFF2-40B4-BE49-F238E27FC236}">
+                <a16:creationId xmlns:a16="http://schemas.microsoft.com/office/drawing/2014/main" id="{70D05DE2-AA65-41A9-8ED1-09BBEE9FF5FA}"/>
+              </a:ext>
+            </a:extLst>
+          </p:cNvPr>
+          <p:cNvSpPr/>
+          <p:nvPr/>
+        </p:nvSpPr>
+        <p:spPr>
+          <a:xfrm>
+            <a:off x="1551557" y="4400160"/>
+            <a:ext cx="974698" cy="384915"/>
+          </a:xfrm>
+          <a:prstGeom prst="can">
+            <a:avLst/>
+          </a:prstGeom>
+        </p:spPr>
+        <p:style>
+          <a:lnRef idx="2">
+            <a:schemeClr val="accent1">
+              <a:shade val="50000"/>
+            </a:schemeClr>
+          </a:lnRef>
+          <a:fillRef idx="1">
+            <a:schemeClr val="accent1"/>
+          </a:fillRef>
+          <a:effectRef idx="0">
+            <a:schemeClr val="accent1"/>
+          </a:effectRef>
+          <a:fontRef idx="minor">
+            <a:schemeClr val="lt1"/>
+          </a:fontRef>
+        </p:style>
+        <p:txBody>
+          <a:bodyPr rtlCol="0" anchor="ctr"/>
+          <a:lstStyle/>
+          <a:p>
+            <a:pPr algn="ctr"/>
+            <a:r>
+              <a:rPr lang="en-US" altLang="zh-CN" sz="1200" dirty="0"/>
+              <a:t>AI accelerator</a:t>
+            </a:r>
+            <a:endParaRPr lang="zh-CN" altLang="en-US" sz="1200" dirty="0"/>
+          </a:p>
+        </p:txBody>
+      </p:sp>
+      <p:sp>
+        <p:nvSpPr>
+          <p:cNvPr id="45" name="箭头: 上下 44">
+            <a:extLst>
+              <a:ext uri="{FF2B5EF4-FFF2-40B4-BE49-F238E27FC236}">
+                <a16:creationId xmlns:a16="http://schemas.microsoft.com/office/drawing/2014/main" id="{D29FC25B-CFB9-49B8-B121-65EFDF2D1E01}"/>
+              </a:ext>
+            </a:extLst>
+          </p:cNvPr>
+          <p:cNvSpPr/>
+          <p:nvPr/>
+        </p:nvSpPr>
+        <p:spPr>
+          <a:xfrm>
+            <a:off x="629649" y="3962589"/>
+            <a:ext cx="45720" cy="378592"/>
+          </a:xfrm>
+          <a:prstGeom prst="upDownArrow">
+            <a:avLst/>
+          </a:prstGeom>
+        </p:spPr>
+        <p:style>
+          <a:lnRef idx="2">
+            <a:schemeClr val="accent1">
+              <a:shade val="50000"/>
+            </a:schemeClr>
+          </a:lnRef>
+          <a:fillRef idx="1">
+            <a:schemeClr val="accent1"/>
+          </a:fillRef>
+          <a:effectRef idx="0">
+            <a:schemeClr val="accent1"/>
+          </a:effectRef>
+          <a:fontRef idx="minor">
+            <a:schemeClr val="lt1"/>
+          </a:fontRef>
+        </p:style>
+        <p:txBody>
+          <a:bodyPr rtlCol="0" anchor="ctr"/>
+          <a:lstStyle/>
+          <a:p>
+            <a:pPr algn="ctr"/>
+            <a:endParaRPr lang="zh-CN" altLang="en-US"/>
+          </a:p>
+        </p:txBody>
+      </p:sp>
+      <p:sp>
+        <p:nvSpPr>
+          <p:cNvPr id="46" name="箭头: 上下 45">
+            <a:extLst>
+              <a:ext uri="{FF2B5EF4-FFF2-40B4-BE49-F238E27FC236}">
+                <a16:creationId xmlns:a16="http://schemas.microsoft.com/office/drawing/2014/main" id="{808F2FE1-A732-4659-B959-B555C8EC337A}"/>
+              </a:ext>
+            </a:extLst>
+          </p:cNvPr>
+          <p:cNvSpPr/>
+          <p:nvPr/>
+        </p:nvSpPr>
+        <p:spPr>
+          <a:xfrm>
+            <a:off x="1944285" y="3962589"/>
+            <a:ext cx="45720" cy="378592"/>
+          </a:xfrm>
+          <a:prstGeom prst="upDownArrow">
+            <a:avLst/>
+          </a:prstGeom>
+        </p:spPr>
+        <p:style>
+          <a:lnRef idx="2">
+            <a:schemeClr val="accent1">
+              <a:shade val="50000"/>
+            </a:schemeClr>
+          </a:lnRef>
+          <a:fillRef idx="1">
+            <a:schemeClr val="accent1"/>
+          </a:fillRef>
+          <a:effectRef idx="0">
+            <a:schemeClr val="accent1"/>
+          </a:effectRef>
+          <a:fontRef idx="minor">
+            <a:schemeClr val="lt1"/>
+          </a:fontRef>
+        </p:style>
+        <p:txBody>
+          <a:bodyPr rtlCol="0" anchor="ctr"/>
+          <a:lstStyle/>
+          <a:p>
+            <a:pPr algn="ctr"/>
+            <a:endParaRPr lang="zh-CN" altLang="en-US"/>
+          </a:p>
+        </p:txBody>
+      </p:sp>
+    </p:spTree>
+    <p:extLst>
+      <p:ext uri="{BB962C8B-B14F-4D97-AF65-F5344CB8AC3E}">
+        <p14:creationId xmlns:p14="http://schemas.microsoft.com/office/powerpoint/2010/main" val="3929491798"/>
+      </p:ext>
+    </p:extLst>
+  </p:cSld>
+  <p:clrMapOvr>
+    <a:masterClrMapping/>
+  </p:clrMapOvr>
+</p:sld>
+</file>
+
+<file path=ppt/slides/slide3.xml><?xml version="1.0" encoding="utf-8"?>
+<p:sld xmlns:a="http://schemas.openxmlformats.org/drawingml/2006/main" xmlns:r="http://schemas.openxmlformats.org/officeDocument/2006/relationships" xmlns:p="http://schemas.openxmlformats.org/presentationml/2006/main">
+  <p:cSld>
+    <p:spTree>
+      <p:nvGrpSpPr>
+        <p:cNvPr id="1" name=""/>
+        <p:cNvGrpSpPr/>
+        <p:nvPr/>
+      </p:nvGrpSpPr>
+      <p:grpSpPr>
+        <a:xfrm>
+          <a:off x="0" y="0"/>
+          <a:ext cx="0" cy="0"/>
+          <a:chOff x="0" y="0"/>
+          <a:chExt cx="0" cy="0"/>
+        </a:xfrm>
+      </p:grpSpPr>
+      <p:sp>
+        <p:nvSpPr>
+          <p:cNvPr id="7" name="标题 6">
+            <a:extLst>
+              <a:ext uri="{FF2B5EF4-FFF2-40B4-BE49-F238E27FC236}">
+                <a16:creationId xmlns:a16="http://schemas.microsoft.com/office/drawing/2014/main" id="{6F835558-541F-49CD-A175-C5DFE630C526}"/>
+              </a:ext>
+            </a:extLst>
+          </p:cNvPr>
+          <p:cNvSpPr>
+            <a:spLocks noGrp="1"/>
+          </p:cNvSpPr>
+          <p:nvPr>
+            <p:ph type="title"/>
+          </p:nvPr>
+        </p:nvSpPr>
+        <p:spPr>
+          <a:xfrm>
+            <a:off x="914400" y="18256"/>
+            <a:ext cx="5637320" cy="662782"/>
+          </a:xfrm>
+        </p:spPr>
+        <p:txBody>
+          <a:bodyPr>
+            <a:normAutofit fontScale="90000"/>
+          </a:bodyPr>
+          <a:lstStyle/>
+          <a:p>
+            <a:r>
+              <a:rPr lang="en-US" altLang="zh-CN" dirty="0"/>
+              <a:t>AI stack</a:t>
+            </a:r>
+            <a:endParaRPr lang="zh-CN" altLang="en-US" dirty="0"/>
+          </a:p>
+        </p:txBody>
+      </p:sp>
+      <p:sp>
+        <p:nvSpPr>
+          <p:cNvPr id="8" name="内容占位符 7">
+            <a:extLst>
+              <a:ext uri="{FF2B5EF4-FFF2-40B4-BE49-F238E27FC236}">
+                <a16:creationId xmlns:a16="http://schemas.microsoft.com/office/drawing/2014/main" id="{A9AFC447-6763-4065-B7E8-CB54A0311BBF}"/>
+              </a:ext>
+            </a:extLst>
+          </p:cNvPr>
+          <p:cNvSpPr>
+            <a:spLocks noGrp="1"/>
+          </p:cNvSpPr>
+          <p:nvPr>
+            <p:ph sz="half" idx="1"/>
+          </p:nvPr>
+        </p:nvSpPr>
+        <p:spPr>
+          <a:xfrm>
+            <a:off x="346414" y="713982"/>
+            <a:ext cx="7605759" cy="5667129"/>
+          </a:xfrm>
+        </p:spPr>
+        <p:txBody>
+          <a:bodyPr>
+            <a:normAutofit fontScale="70000" lnSpcReduction="20000"/>
+          </a:bodyPr>
+          <a:lstStyle/>
+          <a:p>
+            <a:endParaRPr lang="en-US" altLang="zh-CN" dirty="0"/>
+          </a:p>
+          <a:p>
+            <a:r>
+              <a:rPr lang="zh-CN" altLang="en-US" dirty="0"/>
+              <a:t>                    </a:t>
+            </a:r>
+          </a:p>
+        </p:txBody>
+      </p:sp>
+      <p:sp>
+        <p:nvSpPr>
+          <p:cNvPr id="9" name="内容占位符 8">
+            <a:extLst>
+              <a:ext uri="{FF2B5EF4-FFF2-40B4-BE49-F238E27FC236}">
+                <a16:creationId xmlns:a16="http://schemas.microsoft.com/office/drawing/2014/main" id="{7A91D290-BBFC-495E-B0C9-21F2F719CEF9}"/>
+              </a:ext>
+            </a:extLst>
+          </p:cNvPr>
+          <p:cNvSpPr>
+            <a:spLocks noGrp="1"/>
+          </p:cNvSpPr>
+          <p:nvPr>
+            <p:ph sz="half" idx="2"/>
+          </p:nvPr>
+        </p:nvSpPr>
+        <p:spPr>
+          <a:xfrm>
+            <a:off x="7952173" y="158984"/>
+            <a:ext cx="4072632" cy="6419369"/>
+          </a:xfrm>
+        </p:spPr>
+        <p:txBody>
+          <a:bodyPr>
+            <a:normAutofit fontScale="70000" lnSpcReduction="20000"/>
+          </a:bodyPr>
+          <a:lstStyle/>
+          <a:p>
+            <a:r>
+              <a:rPr lang="en-US" altLang="zh-CN" dirty="0"/>
+              <a:t>instruction</a:t>
+            </a:r>
+          </a:p>
+          <a:p>
+            <a:pPr marL="457200" lvl="1" indent="0">
+              <a:buNone/>
+            </a:pPr>
+            <a:r>
+              <a:rPr lang="en-US" altLang="zh-CN" dirty="0"/>
+              <a:t>-conv(depth-conv; conv; </a:t>
+            </a:r>
+            <a:r>
+              <a:rPr lang="en-US" altLang="zh-CN" dirty="0" err="1"/>
+              <a:t>dile</a:t>
+            </a:r>
+            <a:r>
+              <a:rPr lang="en-US" altLang="zh-CN" dirty="0"/>
+              <a:t> conv)</a:t>
+            </a:r>
+          </a:p>
+          <a:p>
+            <a:pPr marL="457200" lvl="1" indent="0">
+              <a:buNone/>
+            </a:pPr>
+            <a:r>
+              <a:rPr lang="en-US" altLang="zh-CN" dirty="0"/>
+              <a:t>-pool(avg; max)</a:t>
+            </a:r>
+          </a:p>
+          <a:p>
+            <a:pPr marL="457200" lvl="1" indent="0">
+              <a:buNone/>
+            </a:pPr>
+            <a:r>
+              <a:rPr lang="en-US" altLang="zh-CN" dirty="0"/>
+              <a:t>-</a:t>
+            </a:r>
+            <a:r>
+              <a:rPr lang="en-US" altLang="zh-CN" dirty="0" err="1"/>
+              <a:t>misc</a:t>
+            </a:r>
+            <a:r>
+              <a:rPr lang="en-US" altLang="zh-CN" dirty="0"/>
+              <a:t>(</a:t>
+            </a:r>
+            <a:r>
+              <a:rPr lang="en-US" altLang="zh-CN" dirty="0" err="1"/>
+              <a:t>relu</a:t>
+            </a:r>
+            <a:r>
+              <a:rPr lang="en-US" altLang="zh-CN" dirty="0"/>
+              <a:t>; </a:t>
+            </a:r>
+            <a:r>
+              <a:rPr lang="en-US" altLang="zh-CN" dirty="0" err="1"/>
+              <a:t>ele</a:t>
+            </a:r>
+            <a:r>
+              <a:rPr lang="en-US" altLang="zh-CN" dirty="0"/>
+              <a:t>-wise)</a:t>
+            </a:r>
+          </a:p>
+          <a:p>
+            <a:pPr marL="457200" lvl="1" indent="0">
+              <a:buNone/>
+            </a:pPr>
+            <a:r>
+              <a:rPr lang="en-US" altLang="zh-CN" dirty="0"/>
+              <a:t>-</a:t>
+            </a:r>
+            <a:r>
+              <a:rPr lang="en-US" altLang="zh-CN" dirty="0" err="1"/>
+              <a:t>init</a:t>
+            </a:r>
+            <a:endParaRPr lang="en-US" altLang="zh-CN" dirty="0"/>
+          </a:p>
+          <a:p>
+            <a:pPr marL="457200" lvl="1" indent="0">
+              <a:buNone/>
+            </a:pPr>
+            <a:r>
+              <a:rPr lang="en-US" altLang="zh-CN" dirty="0"/>
+              <a:t>-load</a:t>
+            </a:r>
+          </a:p>
+          <a:p>
+            <a:pPr marL="457200" lvl="1" indent="0">
+              <a:buNone/>
+            </a:pPr>
+            <a:r>
+              <a:rPr lang="en-US" altLang="zh-CN" dirty="0"/>
+              <a:t>-save</a:t>
+            </a:r>
+          </a:p>
+          <a:p>
+            <a:pPr marL="457200" lvl="1" indent="0">
+              <a:buNone/>
+            </a:pPr>
+            <a:r>
+              <a:rPr lang="en-US" altLang="zh-CN" dirty="0"/>
+              <a:t>-halt</a:t>
+            </a:r>
+          </a:p>
+          <a:p>
+            <a:pPr marL="457200" lvl="1" indent="0">
+              <a:buNone/>
+            </a:pPr>
+            <a:r>
+              <a:rPr lang="en-US" altLang="zh-CN" dirty="0"/>
+              <a:t>-others</a:t>
+            </a:r>
+          </a:p>
+          <a:p>
+            <a:r>
+              <a:rPr lang="en-US" altLang="zh-CN" dirty="0"/>
+              <a:t>prefetch</a:t>
+            </a:r>
+          </a:p>
+          <a:p>
+            <a:pPr marL="457200" lvl="1" indent="0">
+              <a:buNone/>
+            </a:pPr>
+            <a:r>
+              <a:rPr lang="en-US" altLang="zh-CN" dirty="0"/>
+              <a:t>-stride</a:t>
+            </a:r>
+          </a:p>
+          <a:p>
+            <a:pPr marL="457200" lvl="1" indent="0">
+              <a:buNone/>
+            </a:pPr>
+            <a:r>
+              <a:rPr lang="en-US" altLang="zh-CN" dirty="0"/>
+              <a:t>-padding</a:t>
+            </a:r>
+          </a:p>
+          <a:p>
+            <a:pPr marL="457200" lvl="1" indent="0">
+              <a:buNone/>
+            </a:pPr>
+            <a:r>
+              <a:rPr lang="en-US" altLang="zh-CN" dirty="0"/>
+              <a:t>-DDR struct</a:t>
+            </a:r>
+          </a:p>
+          <a:p>
+            <a:pPr marL="457200" lvl="1" indent="0">
+              <a:buNone/>
+            </a:pPr>
+            <a:r>
+              <a:rPr lang="en-US" altLang="zh-CN" dirty="0"/>
+              <a:t>-cache struct</a:t>
+            </a:r>
+          </a:p>
+          <a:p>
+            <a:pPr marL="457200" lvl="1" indent="0">
+              <a:buNone/>
+            </a:pPr>
+            <a:r>
+              <a:rPr lang="en-US" altLang="zh-CN" dirty="0"/>
+              <a:t>-bank/width/depth</a:t>
+            </a:r>
+          </a:p>
+          <a:p>
+            <a:r>
+              <a:rPr lang="en-US" altLang="zh-CN" dirty="0"/>
+              <a:t>IO</a:t>
+            </a:r>
+          </a:p>
+          <a:p>
+            <a:pPr marL="457200" lvl="1" indent="0">
+              <a:buNone/>
+            </a:pPr>
+            <a:r>
+              <a:rPr lang="en-US" altLang="zh-CN" dirty="0"/>
+              <a:t>-DMA</a:t>
+            </a:r>
+          </a:p>
+          <a:p>
+            <a:pPr marL="457200" lvl="1" indent="0">
+              <a:buNone/>
+            </a:pPr>
+            <a:r>
+              <a:rPr lang="en-US" altLang="zh-CN" dirty="0"/>
+              <a:t>-multiple cores interconnection</a:t>
+            </a:r>
+          </a:p>
+          <a:p>
+            <a:r>
+              <a:rPr lang="en-US" altLang="zh-CN" dirty="0"/>
+              <a:t>Architecture</a:t>
+            </a:r>
+          </a:p>
+          <a:p>
+            <a:pPr marL="457200" lvl="1" indent="0">
+              <a:buNone/>
+            </a:pPr>
+            <a:r>
+              <a:rPr lang="en-US" altLang="zh-CN" dirty="0"/>
+              <a:t>-PE array</a:t>
+            </a:r>
+          </a:p>
+          <a:p>
+            <a:pPr marL="457200" lvl="1" indent="0">
+              <a:buNone/>
+            </a:pPr>
+            <a:r>
+              <a:rPr lang="en-US" altLang="zh-CN" dirty="0"/>
+              <a:t>-computing direction</a:t>
+            </a:r>
+          </a:p>
+          <a:p>
+            <a:pPr marL="457200" lvl="1" indent="0">
+              <a:buNone/>
+            </a:pPr>
+            <a:r>
+              <a:rPr lang="en-US" altLang="zh-CN" dirty="0"/>
+              <a:t>-</a:t>
+            </a:r>
+            <a:r>
+              <a:rPr lang="en-US" altLang="zh-CN" dirty="0" err="1"/>
+              <a:t>NoC</a:t>
+            </a:r>
+            <a:endParaRPr lang="en-US" altLang="zh-CN" dirty="0"/>
+          </a:p>
+          <a:p>
+            <a:pPr marL="457200" lvl="1" indent="0">
+              <a:buNone/>
+            </a:pPr>
+            <a:r>
+              <a:rPr lang="en-US" altLang="zh-CN" dirty="0"/>
+              <a:t>-DSP multiple frequency</a:t>
+            </a:r>
+          </a:p>
+          <a:p>
+            <a:pPr marL="457200" lvl="1" indent="0">
+              <a:buNone/>
+            </a:pPr>
+            <a:r>
+              <a:rPr lang="en-US" altLang="zh-CN" dirty="0"/>
+              <a:t>-virtualization</a:t>
+            </a:r>
+          </a:p>
+          <a:p>
+            <a:pPr marL="0" indent="0">
+              <a:buNone/>
+            </a:pPr>
+            <a:endParaRPr lang="zh-CN" altLang="en-US" dirty="0"/>
+          </a:p>
+        </p:txBody>
+      </p:sp>
+      <p:sp>
+        <p:nvSpPr>
+          <p:cNvPr id="45" name="箭头: 上下 44">
+            <a:extLst>
+              <a:ext uri="{FF2B5EF4-FFF2-40B4-BE49-F238E27FC236}">
+                <a16:creationId xmlns:a16="http://schemas.microsoft.com/office/drawing/2014/main" id="{D29FC25B-CFB9-49B8-B121-65EFDF2D1E01}"/>
+              </a:ext>
+            </a:extLst>
+          </p:cNvPr>
+          <p:cNvSpPr/>
+          <p:nvPr/>
+        </p:nvSpPr>
+        <p:spPr>
+          <a:xfrm>
+            <a:off x="1322063" y="3804693"/>
+            <a:ext cx="116132" cy="701395"/>
+          </a:xfrm>
+          <a:prstGeom prst="upDownArrow">
+            <a:avLst/>
+          </a:prstGeom>
+        </p:spPr>
+        <p:style>
+          <a:lnRef idx="2">
+            <a:schemeClr val="accent1">
+              <a:shade val="50000"/>
+            </a:schemeClr>
+          </a:lnRef>
+          <a:fillRef idx="1">
+            <a:schemeClr val="accent1"/>
+          </a:fillRef>
+          <a:effectRef idx="0">
+            <a:schemeClr val="accent1"/>
+          </a:effectRef>
+          <a:fontRef idx="minor">
+            <a:schemeClr val="lt1"/>
+          </a:fontRef>
+        </p:style>
+        <p:txBody>
+          <a:bodyPr rtlCol="0" anchor="ctr"/>
+          <a:lstStyle/>
+          <a:p>
+            <a:pPr algn="ctr"/>
+            <a:endParaRPr lang="zh-CN" altLang="en-US"/>
+          </a:p>
+        </p:txBody>
+      </p:sp>
+      <p:sp>
+        <p:nvSpPr>
+          <p:cNvPr id="46" name="箭头: 上下 45">
+            <a:extLst>
+              <a:ext uri="{FF2B5EF4-FFF2-40B4-BE49-F238E27FC236}">
+                <a16:creationId xmlns:a16="http://schemas.microsoft.com/office/drawing/2014/main" id="{808F2FE1-A732-4659-B959-B555C8EC337A}"/>
+              </a:ext>
+            </a:extLst>
+          </p:cNvPr>
+          <p:cNvSpPr/>
+          <p:nvPr/>
+        </p:nvSpPr>
+        <p:spPr>
+          <a:xfrm rot="5400000">
+            <a:off x="5091000" y="3361932"/>
+            <a:ext cx="45720" cy="272060"/>
+          </a:xfrm>
+          <a:prstGeom prst="upDownArrow">
+            <a:avLst/>
+          </a:prstGeom>
+        </p:spPr>
+        <p:style>
+          <a:lnRef idx="2">
+            <a:schemeClr val="accent1">
+              <a:shade val="50000"/>
+            </a:schemeClr>
+          </a:lnRef>
+          <a:fillRef idx="1">
+            <a:schemeClr val="accent1"/>
+          </a:fillRef>
+          <a:effectRef idx="0">
+            <a:schemeClr val="accent1"/>
+          </a:effectRef>
+          <a:fontRef idx="minor">
+            <a:schemeClr val="lt1"/>
+          </a:fontRef>
+        </p:style>
+        <p:txBody>
+          <a:bodyPr rtlCol="0" anchor="ctr"/>
+          <a:lstStyle/>
+          <a:p>
+            <a:pPr algn="ctr"/>
+            <a:endParaRPr lang="zh-CN" altLang="en-US"/>
+          </a:p>
+        </p:txBody>
+      </p:sp>
+      <p:sp>
+        <p:nvSpPr>
+          <p:cNvPr id="2" name="立方体 1">
+            <a:extLst>
+              <a:ext uri="{FF2B5EF4-FFF2-40B4-BE49-F238E27FC236}">
+                <a16:creationId xmlns:a16="http://schemas.microsoft.com/office/drawing/2014/main" id="{71DCE5AE-6623-4BF3-BB32-4BCD1CCAED67}"/>
+              </a:ext>
+            </a:extLst>
+          </p:cNvPr>
+          <p:cNvSpPr/>
+          <p:nvPr/>
+        </p:nvSpPr>
+        <p:spPr>
+          <a:xfrm>
+            <a:off x="639575" y="1143691"/>
+            <a:ext cx="886435" cy="506028"/>
+          </a:xfrm>
+          <a:prstGeom prst="cube">
+            <a:avLst/>
+          </a:prstGeom>
+        </p:spPr>
+        <p:style>
+          <a:lnRef idx="2">
+            <a:schemeClr val="accent1">
+              <a:shade val="50000"/>
+            </a:schemeClr>
+          </a:lnRef>
+          <a:fillRef idx="1">
+            <a:schemeClr val="accent1"/>
+          </a:fillRef>
+          <a:effectRef idx="0">
+            <a:schemeClr val="accent1"/>
+          </a:effectRef>
+          <a:fontRef idx="minor">
+            <a:schemeClr val="lt1"/>
+          </a:fontRef>
+        </p:style>
+        <p:txBody>
+          <a:bodyPr rtlCol="0" anchor="ctr"/>
+          <a:lstStyle/>
+          <a:p>
+            <a:pPr algn="ctr"/>
+            <a:r>
+              <a:rPr lang="en-US" altLang="zh-CN" dirty="0"/>
+              <a:t>Caffe</a:t>
+            </a:r>
+            <a:endParaRPr lang="zh-CN" altLang="en-US" dirty="0"/>
+          </a:p>
+        </p:txBody>
+      </p:sp>
+      <p:sp>
+        <p:nvSpPr>
+          <p:cNvPr id="47" name="立方体 46">
+            <a:extLst>
+              <a:ext uri="{FF2B5EF4-FFF2-40B4-BE49-F238E27FC236}">
+                <a16:creationId xmlns:a16="http://schemas.microsoft.com/office/drawing/2014/main" id="{FDA8E7CC-B762-442B-9D4B-11951CE13A29}"/>
+              </a:ext>
+            </a:extLst>
+          </p:cNvPr>
+          <p:cNvSpPr/>
+          <p:nvPr/>
+        </p:nvSpPr>
+        <p:spPr>
+          <a:xfrm>
+            <a:off x="1688863" y="1168722"/>
+            <a:ext cx="994484" cy="506028"/>
+          </a:xfrm>
+          <a:prstGeom prst="cube">
+            <a:avLst/>
+          </a:prstGeom>
+        </p:spPr>
+        <p:style>
+          <a:lnRef idx="2">
+            <a:schemeClr val="accent1">
+              <a:shade val="50000"/>
+            </a:schemeClr>
+          </a:lnRef>
+          <a:fillRef idx="1">
+            <a:schemeClr val="accent1"/>
+          </a:fillRef>
+          <a:effectRef idx="0">
+            <a:schemeClr val="accent1"/>
+          </a:effectRef>
+          <a:fontRef idx="minor">
+            <a:schemeClr val="lt1"/>
+          </a:fontRef>
+        </p:style>
+        <p:txBody>
+          <a:bodyPr rtlCol="0" anchor="ctr"/>
+          <a:lstStyle/>
+          <a:p>
+            <a:pPr algn="ctr"/>
+            <a:r>
+              <a:rPr lang="en-US" altLang="zh-CN" dirty="0"/>
+              <a:t>Tensor</a:t>
+            </a:r>
+            <a:endParaRPr lang="zh-CN" altLang="en-US" dirty="0"/>
+          </a:p>
+        </p:txBody>
+      </p:sp>
+      <p:sp>
+        <p:nvSpPr>
+          <p:cNvPr id="48" name="立方体 47">
+            <a:extLst>
+              <a:ext uri="{FF2B5EF4-FFF2-40B4-BE49-F238E27FC236}">
+                <a16:creationId xmlns:a16="http://schemas.microsoft.com/office/drawing/2014/main" id="{A947CECB-14DE-467E-A118-DB76E5A3FA8E}"/>
+              </a:ext>
+            </a:extLst>
+          </p:cNvPr>
+          <p:cNvSpPr/>
+          <p:nvPr/>
+        </p:nvSpPr>
+        <p:spPr>
+          <a:xfrm>
+            <a:off x="4025796" y="1152747"/>
+            <a:ext cx="994484" cy="506028"/>
+          </a:xfrm>
+          <a:prstGeom prst="cube">
+            <a:avLst/>
+          </a:prstGeom>
+        </p:spPr>
+        <p:style>
+          <a:lnRef idx="2">
+            <a:schemeClr val="accent1">
+              <a:shade val="50000"/>
+            </a:schemeClr>
+          </a:lnRef>
+          <a:fillRef idx="1">
+            <a:schemeClr val="accent1"/>
+          </a:fillRef>
+          <a:effectRef idx="0">
+            <a:schemeClr val="accent1"/>
+          </a:effectRef>
+          <a:fontRef idx="minor">
+            <a:schemeClr val="lt1"/>
+          </a:fontRef>
+        </p:style>
+        <p:txBody>
+          <a:bodyPr rtlCol="0" anchor="ctr"/>
+          <a:lstStyle/>
+          <a:p>
+            <a:pPr algn="ctr"/>
+            <a:r>
+              <a:rPr lang="en-US" altLang="zh-CN" sz="1400" dirty="0"/>
+              <a:t>Paddle </a:t>
+            </a:r>
+            <a:r>
+              <a:rPr lang="en-US" altLang="zh-CN" sz="1400" dirty="0" err="1"/>
+              <a:t>paddle</a:t>
+            </a:r>
+            <a:endParaRPr lang="zh-CN" altLang="en-US" sz="1400" dirty="0"/>
+          </a:p>
+        </p:txBody>
+      </p:sp>
+      <p:sp>
+        <p:nvSpPr>
+          <p:cNvPr id="49" name="立方体 48">
+            <a:extLst>
+              <a:ext uri="{FF2B5EF4-FFF2-40B4-BE49-F238E27FC236}">
+                <a16:creationId xmlns:a16="http://schemas.microsoft.com/office/drawing/2014/main" id="{B1505A00-050C-42DF-885B-99A671729371}"/>
+              </a:ext>
+            </a:extLst>
+          </p:cNvPr>
+          <p:cNvSpPr/>
+          <p:nvPr/>
+        </p:nvSpPr>
+        <p:spPr>
+          <a:xfrm>
+            <a:off x="639574" y="1971841"/>
+            <a:ext cx="4323426" cy="506028"/>
+          </a:xfrm>
+          <a:prstGeom prst="cube">
+            <a:avLst/>
+          </a:prstGeom>
+        </p:spPr>
+        <p:style>
+          <a:lnRef idx="2">
+            <a:schemeClr val="accent1">
+              <a:shade val="50000"/>
+            </a:schemeClr>
+          </a:lnRef>
+          <a:fillRef idx="1">
+            <a:schemeClr val="accent1"/>
+          </a:fillRef>
+          <a:effectRef idx="0">
+            <a:schemeClr val="accent1"/>
+          </a:effectRef>
+          <a:fontRef idx="minor">
+            <a:schemeClr val="lt1"/>
+          </a:fontRef>
+        </p:style>
+        <p:txBody>
+          <a:bodyPr rtlCol="0" anchor="ctr"/>
+          <a:lstStyle/>
+          <a:p>
+            <a:pPr algn="ctr"/>
+            <a:r>
+              <a:rPr lang="en-US" altLang="zh-CN" dirty="0"/>
+              <a:t>Frame Work(</a:t>
+            </a:r>
+            <a:r>
+              <a:rPr lang="en-US" altLang="zh-CN" sz="1000" dirty="0"/>
+              <a:t>DNN/CNN/RNN/LSTM</a:t>
+            </a:r>
+            <a:r>
+              <a:rPr lang="en-US" altLang="zh-CN" dirty="0"/>
+              <a:t>)</a:t>
+            </a:r>
+            <a:endParaRPr lang="zh-CN" altLang="en-US" dirty="0"/>
+          </a:p>
+        </p:txBody>
+      </p:sp>
+      <p:sp>
+        <p:nvSpPr>
+          <p:cNvPr id="50" name="立方体 49">
+            <a:extLst>
+              <a:ext uri="{FF2B5EF4-FFF2-40B4-BE49-F238E27FC236}">
+                <a16:creationId xmlns:a16="http://schemas.microsoft.com/office/drawing/2014/main" id="{7FAD1E74-E6A4-452E-B19B-20FD49A4DC54}"/>
+              </a:ext>
+            </a:extLst>
+          </p:cNvPr>
+          <p:cNvSpPr/>
+          <p:nvPr/>
+        </p:nvSpPr>
+        <p:spPr>
+          <a:xfrm>
+            <a:off x="608503" y="2595955"/>
+            <a:ext cx="4323426" cy="506028"/>
+          </a:xfrm>
+          <a:prstGeom prst="cube">
+            <a:avLst/>
+          </a:prstGeom>
+        </p:spPr>
+        <p:style>
+          <a:lnRef idx="2">
+            <a:schemeClr val="accent1">
+              <a:shade val="50000"/>
+            </a:schemeClr>
+          </a:lnRef>
+          <a:fillRef idx="1">
+            <a:schemeClr val="accent1"/>
+          </a:fillRef>
+          <a:effectRef idx="0">
+            <a:schemeClr val="accent1"/>
+          </a:effectRef>
+          <a:fontRef idx="minor">
+            <a:schemeClr val="lt1"/>
+          </a:fontRef>
+        </p:style>
+        <p:txBody>
+          <a:bodyPr rtlCol="0" anchor="ctr"/>
+          <a:lstStyle/>
+          <a:p>
+            <a:pPr algn="ctr"/>
+            <a:r>
+              <a:rPr lang="en-US" altLang="zh-CN" dirty="0"/>
+              <a:t>Infer(</a:t>
+            </a:r>
+            <a:r>
+              <a:rPr lang="en-US" altLang="zh-CN" sz="1000" dirty="0"/>
+              <a:t>compression/fix position/ISA translation/IR format</a:t>
+            </a:r>
+            <a:r>
+              <a:rPr lang="en-US" altLang="zh-CN" dirty="0"/>
+              <a:t>)</a:t>
+            </a:r>
+            <a:endParaRPr lang="zh-CN" altLang="en-US" dirty="0"/>
+          </a:p>
+        </p:txBody>
+      </p:sp>
+      <p:sp>
+        <p:nvSpPr>
+          <p:cNvPr id="51" name="立方体 50">
+            <a:extLst>
+              <a:ext uri="{FF2B5EF4-FFF2-40B4-BE49-F238E27FC236}">
+                <a16:creationId xmlns:a16="http://schemas.microsoft.com/office/drawing/2014/main" id="{AFC91E26-6642-4B3C-92F9-4B6D57E294CE}"/>
+              </a:ext>
+            </a:extLst>
+          </p:cNvPr>
+          <p:cNvSpPr/>
+          <p:nvPr/>
+        </p:nvSpPr>
+        <p:spPr>
+          <a:xfrm>
+            <a:off x="608503" y="3222088"/>
+            <a:ext cx="4323426" cy="506028"/>
+          </a:xfrm>
+          <a:prstGeom prst="cube">
+            <a:avLst/>
+          </a:prstGeom>
+        </p:spPr>
+        <p:style>
+          <a:lnRef idx="2">
+            <a:schemeClr val="accent1">
+              <a:shade val="50000"/>
+            </a:schemeClr>
+          </a:lnRef>
+          <a:fillRef idx="1">
+            <a:schemeClr val="accent1"/>
+          </a:fillRef>
+          <a:effectRef idx="0">
+            <a:schemeClr val="accent1"/>
+          </a:effectRef>
+          <a:fontRef idx="minor">
+            <a:schemeClr val="lt1"/>
+          </a:fontRef>
+        </p:style>
+        <p:txBody>
+          <a:bodyPr rtlCol="0" anchor="ctr"/>
+          <a:lstStyle/>
+          <a:p>
+            <a:pPr algn="ctr"/>
+            <a:r>
+              <a:rPr lang="en-US" altLang="zh-CN" dirty="0"/>
+              <a:t>UMD(</a:t>
+            </a:r>
+            <a:r>
+              <a:rPr lang="en-US" altLang="zh-CN" sz="1000" dirty="0"/>
+              <a:t>driver: memory/</a:t>
+            </a:r>
+            <a:r>
+              <a:rPr lang="en-US" altLang="zh-CN" sz="1000" dirty="0" err="1"/>
+              <a:t>Regfile</a:t>
+            </a:r>
+            <a:r>
+              <a:rPr lang="en-US" altLang="zh-CN" sz="1000" dirty="0"/>
+              <a:t>/data handshaking/interrupt</a:t>
+            </a:r>
+            <a:r>
+              <a:rPr lang="en-US" altLang="zh-CN" dirty="0"/>
+              <a:t>)</a:t>
+            </a:r>
+            <a:endParaRPr lang="zh-CN" altLang="en-US" dirty="0"/>
+          </a:p>
+        </p:txBody>
+      </p:sp>
+      <p:sp>
+        <p:nvSpPr>
+          <p:cNvPr id="52" name="箭头: 上下 51">
+            <a:extLst>
+              <a:ext uri="{FF2B5EF4-FFF2-40B4-BE49-F238E27FC236}">
+                <a16:creationId xmlns:a16="http://schemas.microsoft.com/office/drawing/2014/main" id="{21E3110D-26A9-4C84-A217-D80904355B7A}"/>
+              </a:ext>
+            </a:extLst>
+          </p:cNvPr>
+          <p:cNvSpPr/>
+          <p:nvPr/>
+        </p:nvSpPr>
+        <p:spPr>
+          <a:xfrm>
+            <a:off x="1037072" y="1666837"/>
+            <a:ext cx="45720" cy="272060"/>
+          </a:xfrm>
+          <a:prstGeom prst="upDownArrow">
+            <a:avLst/>
+          </a:prstGeom>
+        </p:spPr>
+        <p:style>
+          <a:lnRef idx="2">
+            <a:schemeClr val="accent1">
+              <a:shade val="50000"/>
+            </a:schemeClr>
+          </a:lnRef>
+          <a:fillRef idx="1">
+            <a:schemeClr val="accent1"/>
+          </a:fillRef>
+          <a:effectRef idx="0">
+            <a:schemeClr val="accent1"/>
+          </a:effectRef>
+          <a:fontRef idx="minor">
+            <a:schemeClr val="lt1"/>
+          </a:fontRef>
+        </p:style>
+        <p:txBody>
+          <a:bodyPr rtlCol="0" anchor="ctr"/>
+          <a:lstStyle/>
+          <a:p>
+            <a:pPr algn="ctr"/>
+            <a:endParaRPr lang="zh-CN" altLang="en-US"/>
+          </a:p>
+        </p:txBody>
+      </p:sp>
+      <p:sp>
+        <p:nvSpPr>
+          <p:cNvPr id="53" name="箭头: 上下 52">
+            <a:extLst>
+              <a:ext uri="{FF2B5EF4-FFF2-40B4-BE49-F238E27FC236}">
+                <a16:creationId xmlns:a16="http://schemas.microsoft.com/office/drawing/2014/main" id="{0FFA02E0-1A92-4CDF-A168-4C8BD5BDB2DB}"/>
+              </a:ext>
+            </a:extLst>
+          </p:cNvPr>
+          <p:cNvSpPr/>
+          <p:nvPr/>
+        </p:nvSpPr>
+        <p:spPr>
+          <a:xfrm>
+            <a:off x="2049126" y="1666837"/>
+            <a:ext cx="45720" cy="272060"/>
+          </a:xfrm>
+          <a:prstGeom prst="upDownArrow">
+            <a:avLst/>
+          </a:prstGeom>
+        </p:spPr>
+        <p:style>
+          <a:lnRef idx="2">
+            <a:schemeClr val="accent1">
+              <a:shade val="50000"/>
+            </a:schemeClr>
+          </a:lnRef>
+          <a:fillRef idx="1">
+            <a:schemeClr val="accent1"/>
+          </a:fillRef>
+          <a:effectRef idx="0">
+            <a:schemeClr val="accent1"/>
+          </a:effectRef>
+          <a:fontRef idx="minor">
+            <a:schemeClr val="lt1"/>
+          </a:fontRef>
+        </p:style>
+        <p:txBody>
+          <a:bodyPr rtlCol="0" anchor="ctr"/>
+          <a:lstStyle/>
+          <a:p>
+            <a:pPr algn="ctr"/>
+            <a:endParaRPr lang="zh-CN" altLang="en-US"/>
+          </a:p>
+        </p:txBody>
+      </p:sp>
+      <p:sp>
+        <p:nvSpPr>
+          <p:cNvPr id="54" name="箭头: 上下 53">
+            <a:extLst>
+              <a:ext uri="{FF2B5EF4-FFF2-40B4-BE49-F238E27FC236}">
+                <a16:creationId xmlns:a16="http://schemas.microsoft.com/office/drawing/2014/main" id="{4B686EE1-B571-4DEE-A840-316E01AD1A94}"/>
+              </a:ext>
+            </a:extLst>
+          </p:cNvPr>
+          <p:cNvSpPr/>
+          <p:nvPr/>
+        </p:nvSpPr>
+        <p:spPr>
+          <a:xfrm>
+            <a:off x="4361519" y="1674750"/>
+            <a:ext cx="45720" cy="272060"/>
+          </a:xfrm>
+          <a:prstGeom prst="upDownArrow">
+            <a:avLst/>
+          </a:prstGeom>
+        </p:spPr>
+        <p:style>
+          <a:lnRef idx="2">
+            <a:schemeClr val="accent1">
+              <a:shade val="50000"/>
+            </a:schemeClr>
+          </a:lnRef>
+          <a:fillRef idx="1">
+            <a:schemeClr val="accent1"/>
+          </a:fillRef>
+          <a:effectRef idx="0">
+            <a:schemeClr val="accent1"/>
+          </a:effectRef>
+          <a:fontRef idx="minor">
+            <a:schemeClr val="lt1"/>
+          </a:fontRef>
+        </p:style>
+        <p:txBody>
+          <a:bodyPr rtlCol="0" anchor="ctr"/>
+          <a:lstStyle/>
+          <a:p>
+            <a:pPr algn="ctr"/>
+            <a:endParaRPr lang="zh-CN" altLang="en-US"/>
+          </a:p>
+        </p:txBody>
+      </p:sp>
+      <p:sp>
+        <p:nvSpPr>
+          <p:cNvPr id="55" name="立方体 54">
+            <a:extLst>
+              <a:ext uri="{FF2B5EF4-FFF2-40B4-BE49-F238E27FC236}">
+                <a16:creationId xmlns:a16="http://schemas.microsoft.com/office/drawing/2014/main" id="{C0385CFC-D30E-4B22-AD80-BDF10E346A12}"/>
+              </a:ext>
+            </a:extLst>
+          </p:cNvPr>
+          <p:cNvSpPr/>
+          <p:nvPr/>
+        </p:nvSpPr>
+        <p:spPr>
+          <a:xfrm>
+            <a:off x="5298644" y="2946718"/>
+            <a:ext cx="2406130" cy="964564"/>
+          </a:xfrm>
+          <a:prstGeom prst="cube">
+            <a:avLst/>
+          </a:prstGeom>
+        </p:spPr>
+        <p:style>
+          <a:lnRef idx="2">
+            <a:schemeClr val="accent1">
+              <a:shade val="50000"/>
+            </a:schemeClr>
+          </a:lnRef>
+          <a:fillRef idx="1">
+            <a:schemeClr val="accent1"/>
+          </a:fillRef>
+          <a:effectRef idx="0">
+            <a:schemeClr val="accent1"/>
+          </a:effectRef>
+          <a:fontRef idx="minor">
+            <a:schemeClr val="lt1"/>
+          </a:fontRef>
+        </p:style>
+        <p:txBody>
+          <a:bodyPr rtlCol="0" anchor="ctr"/>
+          <a:lstStyle/>
+          <a:p>
+            <a:r>
+              <a:rPr lang="en-US" altLang="zh-CN" dirty="0" err="1"/>
+              <a:t>RunTime</a:t>
+            </a:r>
+            <a:r>
+              <a:rPr lang="en-US" altLang="zh-CN" sz="1000" dirty="0"/>
+              <a:t>(video preprocess: </a:t>
+            </a:r>
+          </a:p>
+          <a:p>
+            <a:r>
+              <a:rPr lang="en-US" altLang="zh-CN" sz="1000" dirty="0"/>
+              <a:t>normalize; resize; fix position</a:t>
+            </a:r>
+          </a:p>
+          <a:p>
+            <a:r>
+              <a:rPr lang="en-US" altLang="zh-CN" sz="1000" dirty="0"/>
+              <a:t>Video postprocess:</a:t>
+            </a:r>
+          </a:p>
+          <a:p>
+            <a:r>
+              <a:rPr lang="en-US" altLang="zh-CN" sz="1000" dirty="0"/>
+              <a:t>FC; </a:t>
+            </a:r>
+            <a:r>
+              <a:rPr lang="en-US" altLang="zh-CN" sz="1000" dirty="0" err="1"/>
+              <a:t>softmax</a:t>
+            </a:r>
+            <a:r>
+              <a:rPr lang="en-US" altLang="zh-CN" sz="1000" dirty="0"/>
+              <a:t>; IOU; NMS; others)</a:t>
+            </a:r>
+            <a:endParaRPr lang="zh-CN" altLang="en-US" sz="1000" dirty="0"/>
+          </a:p>
+        </p:txBody>
+      </p:sp>
+      <p:sp>
+        <p:nvSpPr>
+          <p:cNvPr id="56" name="立方体 55">
+            <a:extLst>
+              <a:ext uri="{FF2B5EF4-FFF2-40B4-BE49-F238E27FC236}">
+                <a16:creationId xmlns:a16="http://schemas.microsoft.com/office/drawing/2014/main" id="{E3EC94CB-CD0B-4950-9AF4-EE11347E2AAB}"/>
+              </a:ext>
+            </a:extLst>
+          </p:cNvPr>
+          <p:cNvSpPr/>
+          <p:nvPr/>
+        </p:nvSpPr>
+        <p:spPr>
+          <a:xfrm>
+            <a:off x="3604532" y="4506089"/>
+            <a:ext cx="994484" cy="506028"/>
+          </a:xfrm>
+          <a:prstGeom prst="cube">
+            <a:avLst/>
+          </a:prstGeom>
+        </p:spPr>
+        <p:style>
+          <a:lnRef idx="2">
+            <a:schemeClr val="accent1">
+              <a:shade val="50000"/>
+            </a:schemeClr>
+          </a:lnRef>
+          <a:fillRef idx="1">
+            <a:schemeClr val="accent1"/>
+          </a:fillRef>
+          <a:effectRef idx="0">
+            <a:schemeClr val="accent1"/>
+          </a:effectRef>
+          <a:fontRef idx="minor">
+            <a:schemeClr val="lt1"/>
+          </a:fontRef>
+        </p:style>
+        <p:txBody>
+          <a:bodyPr rtlCol="0" anchor="ctr"/>
+          <a:lstStyle/>
+          <a:p>
+            <a:pPr algn="ctr"/>
+            <a:r>
+              <a:rPr lang="en-US" altLang="zh-CN" dirty="0"/>
+              <a:t>KMD</a:t>
+            </a:r>
+            <a:endParaRPr lang="zh-CN" altLang="en-US" dirty="0"/>
+          </a:p>
+        </p:txBody>
+      </p:sp>
+      <p:sp>
+        <p:nvSpPr>
+          <p:cNvPr id="57" name="立方体 56">
+            <a:extLst>
+              <a:ext uri="{FF2B5EF4-FFF2-40B4-BE49-F238E27FC236}">
+                <a16:creationId xmlns:a16="http://schemas.microsoft.com/office/drawing/2014/main" id="{75F1A1D0-4A4F-481B-8B62-5677AAD47C57}"/>
+              </a:ext>
+            </a:extLst>
+          </p:cNvPr>
+          <p:cNvSpPr/>
+          <p:nvPr/>
+        </p:nvSpPr>
+        <p:spPr>
+          <a:xfrm>
+            <a:off x="3604532" y="5429519"/>
+            <a:ext cx="994484" cy="506028"/>
+          </a:xfrm>
+          <a:prstGeom prst="cube">
+            <a:avLst/>
+          </a:prstGeom>
+        </p:spPr>
+        <p:style>
+          <a:lnRef idx="2">
+            <a:schemeClr val="accent1">
+              <a:shade val="50000"/>
+            </a:schemeClr>
+          </a:lnRef>
+          <a:fillRef idx="1">
+            <a:schemeClr val="accent1"/>
+          </a:fillRef>
+          <a:effectRef idx="0">
+            <a:schemeClr val="accent1"/>
+          </a:effectRef>
+          <a:fontRef idx="minor">
+            <a:schemeClr val="lt1"/>
+          </a:fontRef>
+        </p:style>
+        <p:txBody>
+          <a:bodyPr rtlCol="0" anchor="ctr"/>
+          <a:lstStyle/>
+          <a:p>
+            <a:pPr algn="ctr"/>
+            <a:r>
+              <a:rPr lang="en-US" altLang="zh-CN" dirty="0"/>
+              <a:t>ASIC</a:t>
+            </a:r>
+            <a:endParaRPr lang="zh-CN" altLang="en-US" dirty="0"/>
+          </a:p>
+        </p:txBody>
+      </p:sp>
+      <p:sp>
+        <p:nvSpPr>
+          <p:cNvPr id="58" name="立方体 57">
+            <a:extLst>
+              <a:ext uri="{FF2B5EF4-FFF2-40B4-BE49-F238E27FC236}">
+                <a16:creationId xmlns:a16="http://schemas.microsoft.com/office/drawing/2014/main" id="{73CBB063-5164-4A7E-80B5-89CC6AADBE80}"/>
+              </a:ext>
+            </a:extLst>
+          </p:cNvPr>
+          <p:cNvSpPr/>
+          <p:nvPr/>
+        </p:nvSpPr>
+        <p:spPr>
+          <a:xfrm>
+            <a:off x="780765" y="4534505"/>
+            <a:ext cx="1128316" cy="506028"/>
+          </a:xfrm>
+          <a:prstGeom prst="cube">
+            <a:avLst/>
+          </a:prstGeom>
+        </p:spPr>
+        <p:style>
+          <a:lnRef idx="2">
+            <a:schemeClr val="accent1">
+              <a:shade val="50000"/>
+            </a:schemeClr>
+          </a:lnRef>
+          <a:fillRef idx="1">
+            <a:schemeClr val="accent1"/>
+          </a:fillRef>
+          <a:effectRef idx="0">
+            <a:schemeClr val="accent1"/>
+          </a:effectRef>
+          <a:fontRef idx="minor">
+            <a:schemeClr val="lt1"/>
+          </a:fontRef>
+        </p:style>
+        <p:txBody>
+          <a:bodyPr rtlCol="0" anchor="ctr"/>
+          <a:lstStyle/>
+          <a:p>
+            <a:pPr algn="ctr"/>
+            <a:r>
+              <a:rPr lang="en-US" altLang="zh-CN" dirty="0" err="1"/>
+              <a:t>Cmodel</a:t>
+            </a:r>
+            <a:endParaRPr lang="zh-CN" altLang="en-US" dirty="0"/>
+          </a:p>
+        </p:txBody>
+      </p:sp>
+      <p:sp>
+        <p:nvSpPr>
+          <p:cNvPr id="59" name="箭头: 上下 58">
+            <a:extLst>
+              <a:ext uri="{FF2B5EF4-FFF2-40B4-BE49-F238E27FC236}">
+                <a16:creationId xmlns:a16="http://schemas.microsoft.com/office/drawing/2014/main" id="{F8238718-83A3-45F3-B264-3CE7C88785A2}"/>
+              </a:ext>
+            </a:extLst>
+          </p:cNvPr>
+          <p:cNvSpPr/>
+          <p:nvPr/>
+        </p:nvSpPr>
+        <p:spPr>
+          <a:xfrm>
+            <a:off x="4043708" y="3761060"/>
+            <a:ext cx="116132" cy="701395"/>
+          </a:xfrm>
+          <a:prstGeom prst="upDownArrow">
+            <a:avLst/>
+          </a:prstGeom>
+        </p:spPr>
+        <p:style>
+          <a:lnRef idx="2">
+            <a:schemeClr val="accent1">
+              <a:shade val="50000"/>
+            </a:schemeClr>
+          </a:lnRef>
+          <a:fillRef idx="1">
+            <a:schemeClr val="accent1"/>
+          </a:fillRef>
+          <a:effectRef idx="0">
+            <a:schemeClr val="accent1"/>
+          </a:effectRef>
+          <a:fontRef idx="minor">
+            <a:schemeClr val="lt1"/>
+          </a:fontRef>
+        </p:style>
+        <p:txBody>
+          <a:bodyPr rtlCol="0" anchor="ctr"/>
+          <a:lstStyle/>
+          <a:p>
+            <a:pPr algn="ctr"/>
+            <a:endParaRPr lang="zh-CN" altLang="en-US"/>
+          </a:p>
+        </p:txBody>
+      </p:sp>
+      <p:sp>
+        <p:nvSpPr>
+          <p:cNvPr id="60" name="箭头: 上下 59">
+            <a:extLst>
+              <a:ext uri="{FF2B5EF4-FFF2-40B4-BE49-F238E27FC236}">
+                <a16:creationId xmlns:a16="http://schemas.microsoft.com/office/drawing/2014/main" id="{34C8720A-FDE2-4F5F-8A8B-019898BB338E}"/>
+              </a:ext>
+            </a:extLst>
+          </p:cNvPr>
+          <p:cNvSpPr/>
+          <p:nvPr/>
+        </p:nvSpPr>
+        <p:spPr>
+          <a:xfrm>
+            <a:off x="4056516" y="5040533"/>
+            <a:ext cx="90516" cy="414589"/>
+          </a:xfrm>
+          <a:prstGeom prst="upDownArrow">
+            <a:avLst/>
+          </a:prstGeom>
+        </p:spPr>
+        <p:style>
+          <a:lnRef idx="2">
+            <a:schemeClr val="accent1">
+              <a:shade val="50000"/>
+            </a:schemeClr>
+          </a:lnRef>
+          <a:fillRef idx="1">
+            <a:schemeClr val="accent1"/>
+          </a:fillRef>
+          <a:effectRef idx="0">
+            <a:schemeClr val="accent1"/>
+          </a:effectRef>
+          <a:fontRef idx="minor">
+            <a:schemeClr val="lt1"/>
+          </a:fontRef>
+        </p:style>
+        <p:txBody>
+          <a:bodyPr rtlCol="0" anchor="ctr"/>
+          <a:lstStyle/>
+          <a:p>
+            <a:pPr algn="ctr"/>
+            <a:endParaRPr lang="zh-CN" altLang="en-US"/>
+          </a:p>
+        </p:txBody>
+      </p:sp>
+      <p:sp>
+        <p:nvSpPr>
+          <p:cNvPr id="61" name="立方体 60">
+            <a:extLst>
+              <a:ext uri="{FF2B5EF4-FFF2-40B4-BE49-F238E27FC236}">
+                <a16:creationId xmlns:a16="http://schemas.microsoft.com/office/drawing/2014/main" id="{A4455E00-7142-4D83-BD82-08E2FBB2D520}"/>
+              </a:ext>
+            </a:extLst>
+          </p:cNvPr>
+          <p:cNvSpPr/>
+          <p:nvPr/>
+        </p:nvSpPr>
+        <p:spPr>
+          <a:xfrm>
+            <a:off x="2790033" y="1170919"/>
+            <a:ext cx="1096392" cy="506028"/>
+          </a:xfrm>
+          <a:prstGeom prst="cube">
+            <a:avLst/>
+          </a:prstGeom>
+        </p:spPr>
+        <p:style>
+          <a:lnRef idx="2">
+            <a:schemeClr val="accent1">
+              <a:shade val="50000"/>
+            </a:schemeClr>
+          </a:lnRef>
+          <a:fillRef idx="1">
+            <a:schemeClr val="accent1"/>
+          </a:fillRef>
+          <a:effectRef idx="0">
+            <a:schemeClr val="accent1"/>
+          </a:effectRef>
+          <a:fontRef idx="minor">
+            <a:schemeClr val="lt1"/>
+          </a:fontRef>
+        </p:style>
+        <p:txBody>
+          <a:bodyPr rtlCol="0" anchor="ctr"/>
+          <a:lstStyle/>
+          <a:p>
+            <a:pPr algn="ctr"/>
+            <a:r>
+              <a:rPr lang="en-US" altLang="zh-CN" dirty="0" err="1"/>
+              <a:t>pytorch</a:t>
+            </a:r>
+            <a:endParaRPr lang="zh-CN" altLang="en-US" dirty="0"/>
+          </a:p>
+        </p:txBody>
+      </p:sp>
+      <p:sp>
+        <p:nvSpPr>
+          <p:cNvPr id="62" name="立方体 61">
+            <a:extLst>
+              <a:ext uri="{FF2B5EF4-FFF2-40B4-BE49-F238E27FC236}">
+                <a16:creationId xmlns:a16="http://schemas.microsoft.com/office/drawing/2014/main" id="{8ACA20B8-BD14-4274-8A7E-E70BFF8A7238}"/>
+              </a:ext>
+            </a:extLst>
+          </p:cNvPr>
+          <p:cNvSpPr/>
+          <p:nvPr/>
+        </p:nvSpPr>
+        <p:spPr>
+          <a:xfrm>
+            <a:off x="5183133" y="1152747"/>
+            <a:ext cx="994484" cy="506028"/>
+          </a:xfrm>
+          <a:prstGeom prst="cube">
+            <a:avLst/>
+          </a:prstGeom>
+        </p:spPr>
+        <p:style>
+          <a:lnRef idx="2">
+            <a:schemeClr val="accent1">
+              <a:shade val="50000"/>
+            </a:schemeClr>
+          </a:lnRef>
+          <a:fillRef idx="1">
+            <a:schemeClr val="accent1"/>
+          </a:fillRef>
+          <a:effectRef idx="0">
+            <a:schemeClr val="accent1"/>
+          </a:effectRef>
+          <a:fontRef idx="minor">
+            <a:schemeClr val="lt1"/>
+          </a:fontRef>
+        </p:style>
+        <p:txBody>
+          <a:bodyPr rtlCol="0" anchor="ctr"/>
+          <a:lstStyle/>
+          <a:p>
+            <a:pPr algn="ctr"/>
+            <a:r>
+              <a:rPr lang="en-US" altLang="zh-CN" dirty="0" err="1"/>
+              <a:t>keras</a:t>
+            </a:r>
+            <a:endParaRPr lang="zh-CN" altLang="en-US" dirty="0"/>
+          </a:p>
+        </p:txBody>
+      </p:sp>
+    </p:spTree>
+    <p:extLst>
+      <p:ext uri="{BB962C8B-B14F-4D97-AF65-F5344CB8AC3E}">
+        <p14:creationId xmlns:p14="http://schemas.microsoft.com/office/powerpoint/2010/main" val="1186640058"/>
+      </p:ext>
+    </p:extLst>
+  </p:cSld>
+  <p:clrMapOvr>
+    <a:masterClrMapping/>
+  </p:clrMapOvr>
+</p:sld>
+</file>
+
+<file path=ppt/slides/slide4.xml><?xml version="1.0" encoding="utf-8"?>
+<p:sld xmlns:a="http://schemas.openxmlformats.org/drawingml/2006/main" xmlns:r="http://schemas.openxmlformats.org/officeDocument/2006/relationships" xmlns:p="http://schemas.openxmlformats.org/presentationml/2006/main">
+  <p:cSld>
+    <p:spTree>
+      <p:nvGrpSpPr>
+        <p:cNvPr id="1" name=""/>
+        <p:cNvGrpSpPr/>
+        <p:nvPr/>
+      </p:nvGrpSpPr>
+      <p:grpSpPr>
+        <a:xfrm>
+          <a:off x="0" y="0"/>
+          <a:ext cx="0" cy="0"/>
+          <a:chOff x="0" y="0"/>
+          <a:chExt cx="0" cy="0"/>
+        </a:xfrm>
+      </p:grpSpPr>
+      <p:sp>
+        <p:nvSpPr>
+          <p:cNvPr id="2" name="标题 1">
+            <a:extLst>
+              <a:ext uri="{FF2B5EF4-FFF2-40B4-BE49-F238E27FC236}">
+                <a16:creationId xmlns:a16="http://schemas.microsoft.com/office/drawing/2014/main" id="{755D60AF-F9DD-4C59-BBCB-C7D0BE7B98E1}"/>
+              </a:ext>
+            </a:extLst>
+          </p:cNvPr>
+          <p:cNvSpPr>
+            <a:spLocks noGrp="1"/>
+          </p:cNvSpPr>
+          <p:nvPr>
+            <p:ph type="title"/>
+          </p:nvPr>
+        </p:nvSpPr>
+        <p:spPr>
+          <a:xfrm>
+            <a:off x="314417" y="18256"/>
+            <a:ext cx="10515600" cy="807368"/>
+          </a:xfrm>
+        </p:spPr>
+        <p:txBody>
+          <a:bodyPr/>
+          <a:lstStyle/>
+          <a:p>
+            <a:r>
+              <a:rPr lang="en-US" altLang="zh-CN" dirty="0"/>
+              <a:t>Server hardware architecture categories</a:t>
+            </a:r>
+            <a:endParaRPr lang="zh-CN" altLang="en-US" dirty="0"/>
+          </a:p>
+        </p:txBody>
+      </p:sp>
+      <p:sp>
+        <p:nvSpPr>
+          <p:cNvPr id="3" name="内容占位符 2">
+            <a:extLst>
+              <a:ext uri="{FF2B5EF4-FFF2-40B4-BE49-F238E27FC236}">
+                <a16:creationId xmlns:a16="http://schemas.microsoft.com/office/drawing/2014/main" id="{58F65341-C977-4460-876C-A9D0839A7091}"/>
+              </a:ext>
+            </a:extLst>
+          </p:cNvPr>
+          <p:cNvSpPr>
+            <a:spLocks noGrp="1"/>
+          </p:cNvSpPr>
+          <p:nvPr>
+            <p:ph sz="half" idx="1"/>
+          </p:nvPr>
+        </p:nvSpPr>
+        <p:spPr/>
+        <p:txBody>
+          <a:bodyPr/>
+          <a:lstStyle/>
+          <a:p>
+            <a:endParaRPr lang="zh-CN" altLang="en-US"/>
+          </a:p>
+        </p:txBody>
+      </p:sp>
+      <p:sp>
+        <p:nvSpPr>
+          <p:cNvPr id="4" name="内容占位符 3">
+            <a:extLst>
+              <a:ext uri="{FF2B5EF4-FFF2-40B4-BE49-F238E27FC236}">
+                <a16:creationId xmlns:a16="http://schemas.microsoft.com/office/drawing/2014/main" id="{86CA4EDA-053E-4B45-B16F-AC71AEBB0AEB}"/>
+              </a:ext>
+            </a:extLst>
+          </p:cNvPr>
+          <p:cNvSpPr>
+            <a:spLocks noGrp="1"/>
+          </p:cNvSpPr>
+          <p:nvPr>
+            <p:ph sz="half" idx="2"/>
+          </p:nvPr>
+        </p:nvSpPr>
+        <p:spPr/>
+        <p:txBody>
+          <a:bodyPr/>
+          <a:lstStyle/>
+          <a:p>
+            <a:endParaRPr lang="zh-CN" altLang="en-US"/>
+          </a:p>
+        </p:txBody>
+      </p:sp>
+    </p:spTree>
+    <p:extLst>
+      <p:ext uri="{BB962C8B-B14F-4D97-AF65-F5344CB8AC3E}">
+        <p14:creationId xmlns:p14="http://schemas.microsoft.com/office/powerpoint/2010/main" val="505532533"/>
+      </p:ext>
+    </p:extLst>
+  </p:cSld>
+  <p:clrMapOvr>
+    <a:masterClrMapping/>
+  </p:clrMapOvr>
+</p:sld>
+</file>
+
+<file path=ppt/slides/slide5.xml><?xml version="1.0" encoding="utf-8"?>
+<p:sld xmlns:a="http://schemas.openxmlformats.org/drawingml/2006/main" xmlns:r="http://schemas.openxmlformats.org/officeDocument/2006/relationships" xmlns:p="http://schemas.openxmlformats.org/presentationml/2006/main">
+  <p:cSld>
+    <p:spTree>
+      <p:nvGrpSpPr>
+        <p:cNvPr id="1" name=""/>
+        <p:cNvGrpSpPr/>
+        <p:nvPr/>
+      </p:nvGrpSpPr>
+      <p:grpSpPr>
+        <a:xfrm>
+          <a:off x="0" y="0"/>
+          <a:ext cx="0" cy="0"/>
+          <a:chOff x="0" y="0"/>
+          <a:chExt cx="0" cy="0"/>
+        </a:xfrm>
+      </p:grpSpPr>
+      <p:sp>
+        <p:nvSpPr>
+          <p:cNvPr id="2" name="标题 1">
+            <a:extLst>
+              <a:ext uri="{FF2B5EF4-FFF2-40B4-BE49-F238E27FC236}">
+                <a16:creationId xmlns:a16="http://schemas.microsoft.com/office/drawing/2014/main" id="{D2D83ABB-DD94-4E89-8AB3-9392235BE8F1}"/>
+              </a:ext>
+            </a:extLst>
+          </p:cNvPr>
+          <p:cNvSpPr>
+            <a:spLocks noGrp="1"/>
+          </p:cNvSpPr>
+          <p:nvPr>
+            <p:ph type="title"/>
+          </p:nvPr>
+        </p:nvSpPr>
+        <p:spPr>
+          <a:xfrm>
+            <a:off x="838200" y="18256"/>
+            <a:ext cx="10515600" cy="913900"/>
+          </a:xfrm>
+        </p:spPr>
+        <p:txBody>
+          <a:bodyPr/>
+          <a:lstStyle/>
+          <a:p>
+            <a:r>
+              <a:rPr lang="en-US" altLang="zh-CN" dirty="0"/>
+              <a:t>Cloud computing architecture</a:t>
+            </a:r>
+            <a:endParaRPr lang="zh-CN" altLang="en-US" dirty="0"/>
+          </a:p>
+        </p:txBody>
+      </p:sp>
+      <p:sp>
+        <p:nvSpPr>
+          <p:cNvPr id="3" name="内容占位符 2">
+            <a:extLst>
+              <a:ext uri="{FF2B5EF4-FFF2-40B4-BE49-F238E27FC236}">
+                <a16:creationId xmlns:a16="http://schemas.microsoft.com/office/drawing/2014/main" id="{A20DD37C-B9B8-413C-9E85-C299AC9112F0}"/>
+              </a:ext>
+            </a:extLst>
+          </p:cNvPr>
+          <p:cNvSpPr>
+            <a:spLocks noGrp="1"/>
+          </p:cNvSpPr>
+          <p:nvPr>
+            <p:ph idx="1"/>
+          </p:nvPr>
+        </p:nvSpPr>
+        <p:spPr/>
+        <p:txBody>
+          <a:bodyPr/>
+          <a:lstStyle/>
+          <a:p>
+            <a:r>
+              <a:rPr lang="en-US" altLang="zh-CN" dirty="0"/>
+              <a:t>Infrastructure as a service</a:t>
+            </a:r>
+          </a:p>
+          <a:p>
+            <a:r>
+              <a:rPr lang="en-US" altLang="zh-CN" dirty="0"/>
+              <a:t>Platform as a service</a:t>
+            </a:r>
+          </a:p>
+          <a:p>
+            <a:r>
+              <a:rPr lang="en-US" altLang="zh-CN" dirty="0"/>
+              <a:t>Software as a service</a:t>
+            </a:r>
+          </a:p>
+          <a:p>
+            <a:r>
+              <a:rPr lang="en-US" altLang="zh-CN" dirty="0"/>
+              <a:t>Reference: </a:t>
+            </a:r>
+            <a:r>
+              <a:rPr lang="en-US" altLang="zh-CN" dirty="0">
+                <a:hlinkClick r:id="rId2"/>
+              </a:rPr>
+              <a:t>https://d1.awsstatic.com/whitepapers/architecture/AWS_Well-Architected_Framework.pdf</a:t>
+            </a:r>
+            <a:endParaRPr lang="zh-CN" altLang="en-US" dirty="0"/>
+          </a:p>
+        </p:txBody>
+      </p:sp>
+    </p:spTree>
+    <p:extLst>
+      <p:ext uri="{BB962C8B-B14F-4D97-AF65-F5344CB8AC3E}">
+        <p14:creationId xmlns:p14="http://schemas.microsoft.com/office/powerpoint/2010/main" val="3913219728"/>
       </p:ext>
     </p:extLst>
   </p:cSld>

--- a/Future Computing.pptx
+++ b/Future Computing.pptx
@@ -7407,37 +7407,122 @@
             <p:ph sz="half" idx="1"/>
           </p:nvPr>
         </p:nvSpPr>
-        <p:spPr/>
+        <p:spPr>
+          <a:xfrm>
+            <a:off x="730928" y="1105188"/>
+            <a:ext cx="9743108" cy="4351338"/>
+          </a:xfrm>
+        </p:spPr>
         <p:txBody>
           <a:bodyPr/>
           <a:lstStyle/>
           <a:p>
-            <a:endParaRPr lang="zh-CN" altLang="en-US"/>
-          </a:p>
-        </p:txBody>
-      </p:sp>
-      <p:sp>
-        <p:nvSpPr>
-          <p:cNvPr id="4" name="内容占位符 3">
-            <a:extLst>
-              <a:ext uri="{FF2B5EF4-FFF2-40B4-BE49-F238E27FC236}">
-                <a16:creationId xmlns:a16="http://schemas.microsoft.com/office/drawing/2014/main" id="{86CA4EDA-053E-4B45-B16F-AC71AEBB0AEB}"/>
-              </a:ext>
-            </a:extLst>
-          </p:cNvPr>
-          <p:cNvSpPr>
-            <a:spLocks noGrp="1"/>
-          </p:cNvSpPr>
-          <p:nvPr>
-            <p:ph sz="half" idx="2"/>
-          </p:nvPr>
-        </p:nvSpPr>
-        <p:spPr/>
-        <p:txBody>
-          <a:bodyPr/>
-          <a:lstStyle/>
-          <a:p>
-            <a:endParaRPr lang="zh-CN" altLang="en-US"/>
+            <a:r>
+              <a:rPr lang="en-US" altLang="zh-CN" dirty="0"/>
+              <a:t>Form Factor</a:t>
+            </a:r>
+          </a:p>
+          <a:p>
+            <a:pPr marL="457200" lvl="1" indent="0">
+              <a:buNone/>
+            </a:pPr>
+            <a:r>
+              <a:rPr lang="en-US" altLang="zh-CN" dirty="0"/>
+              <a:t>-Tower Servers</a:t>
+            </a:r>
+          </a:p>
+          <a:p>
+            <a:pPr marL="457200" lvl="1" indent="0">
+              <a:buNone/>
+            </a:pPr>
+            <a:r>
+              <a:rPr lang="en-US" altLang="zh-CN" dirty="0"/>
+              <a:t>-Rack Servers</a:t>
+            </a:r>
+          </a:p>
+          <a:p>
+            <a:pPr marL="457200" lvl="1" indent="0">
+              <a:buNone/>
+            </a:pPr>
+            <a:r>
+              <a:rPr lang="en-US" altLang="zh-CN" dirty="0"/>
+              <a:t>-Blade Servers</a:t>
+            </a:r>
+            <a:endParaRPr lang="zh-CN" altLang="en-US" dirty="0"/>
+          </a:p>
+        </p:txBody>
+      </p:sp>
+      <p:sp>
+        <p:nvSpPr>
+          <p:cNvPr id="5" name="矩形 4">
+            <a:extLst>
+              <a:ext uri="{FF2B5EF4-FFF2-40B4-BE49-F238E27FC236}">
+                <a16:creationId xmlns:a16="http://schemas.microsoft.com/office/drawing/2014/main" id="{84A16609-8017-4854-AAF0-19003092BB5F}"/>
+              </a:ext>
+            </a:extLst>
+          </p:cNvPr>
+          <p:cNvSpPr/>
+          <p:nvPr/>
+        </p:nvSpPr>
+        <p:spPr>
+          <a:xfrm>
+            <a:off x="1186682" y="3793937"/>
+            <a:ext cx="6096000" cy="646331"/>
+          </a:xfrm>
+          <a:prstGeom prst="rect">
+            <a:avLst/>
+          </a:prstGeom>
+        </p:spPr>
+        <p:txBody>
+          <a:bodyPr>
+            <a:spAutoFit/>
+          </a:bodyPr>
+          <a:lstStyle/>
+          <a:p>
+            <a:r>
+              <a:rPr lang="en-US" altLang="zh-CN" dirty="0">
+                <a:hlinkClick r:id="rId2"/>
+              </a:rPr>
+              <a:t>https://docs.openstack.org/arch-design/design-compute/design-compute-hardware.html</a:t>
+            </a:r>
+            <a:endParaRPr lang="zh-CN" altLang="en-US" dirty="0"/>
+          </a:p>
+        </p:txBody>
+      </p:sp>
+      <p:sp>
+        <p:nvSpPr>
+          <p:cNvPr id="6" name="矩形 5">
+            <a:extLst>
+              <a:ext uri="{FF2B5EF4-FFF2-40B4-BE49-F238E27FC236}">
+                <a16:creationId xmlns:a16="http://schemas.microsoft.com/office/drawing/2014/main" id="{FE8397B7-938E-4BE5-BAFF-91F318875D56}"/>
+              </a:ext>
+            </a:extLst>
+          </p:cNvPr>
+          <p:cNvSpPr/>
+          <p:nvPr/>
+        </p:nvSpPr>
+        <p:spPr>
+          <a:xfrm>
+            <a:off x="1186682" y="4763731"/>
+            <a:ext cx="5816016" cy="369332"/>
+          </a:xfrm>
+          <a:prstGeom prst="rect">
+            <a:avLst/>
+          </a:prstGeom>
+        </p:spPr>
+        <p:txBody>
+          <a:bodyPr wrap="none">
+            <a:spAutoFit/>
+          </a:bodyPr>
+          <a:lstStyle/>
+          <a:p>
+            <a:r>
+              <a:rPr lang="en-US" altLang="zh-CN" dirty="0">
+                <a:hlinkClick r:id="rId3"/>
+              </a:rPr>
+              <a:t>http://techgenix.com/Server-Hardware-Explained-Part3/</a:t>
+            </a:r>
+            <a:endParaRPr lang="zh-CN" altLang="en-US" dirty="0"/>
           </a:p>
         </p:txBody>
       </p:sp>

--- a/Future Computing.pptx
+++ b/Future Computing.pptx
@@ -8,8 +8,7 @@
     <p:sldId id="256" r:id="rId2"/>
     <p:sldId id="257" r:id="rId3"/>
     <p:sldId id="258" r:id="rId4"/>
-    <p:sldId id="260" r:id="rId5"/>
-    <p:sldId id="259" r:id="rId6"/>
+    <p:sldId id="259" r:id="rId5"/>
   </p:sldIdLst>
   <p:sldSz cx="12192000" cy="6858000"/>
   <p:notesSz cx="6858000" cy="9144000"/>
@@ -263,7 +262,7 @@
           <a:p>
             <a:fld id="{44EAA1FE-5DA4-4A89-B815-EEA075F1A15F}" type="datetimeFigureOut">
               <a:rPr lang="zh-CN" altLang="en-US" smtClean="0"/>
-              <a:t>2019/7/9</a:t>
+              <a:t>2019/7/10</a:t>
             </a:fld>
             <a:endParaRPr lang="zh-CN" altLang="en-US"/>
           </a:p>
@@ -461,7 +460,7 @@
           <a:p>
             <a:fld id="{44EAA1FE-5DA4-4A89-B815-EEA075F1A15F}" type="datetimeFigureOut">
               <a:rPr lang="zh-CN" altLang="en-US" smtClean="0"/>
-              <a:t>2019/7/9</a:t>
+              <a:t>2019/7/10</a:t>
             </a:fld>
             <a:endParaRPr lang="zh-CN" altLang="en-US"/>
           </a:p>
@@ -669,7 +668,7 @@
           <a:p>
             <a:fld id="{44EAA1FE-5DA4-4A89-B815-EEA075F1A15F}" type="datetimeFigureOut">
               <a:rPr lang="zh-CN" altLang="en-US" smtClean="0"/>
-              <a:t>2019/7/9</a:t>
+              <a:t>2019/7/10</a:t>
             </a:fld>
             <a:endParaRPr lang="zh-CN" altLang="en-US"/>
           </a:p>
@@ -867,7 +866,7 @@
           <a:p>
             <a:fld id="{44EAA1FE-5DA4-4A89-B815-EEA075F1A15F}" type="datetimeFigureOut">
               <a:rPr lang="zh-CN" altLang="en-US" smtClean="0"/>
-              <a:t>2019/7/9</a:t>
+              <a:t>2019/7/10</a:t>
             </a:fld>
             <a:endParaRPr lang="zh-CN" altLang="en-US"/>
           </a:p>
@@ -1142,7 +1141,7 @@
           <a:p>
             <a:fld id="{44EAA1FE-5DA4-4A89-B815-EEA075F1A15F}" type="datetimeFigureOut">
               <a:rPr lang="zh-CN" altLang="en-US" smtClean="0"/>
-              <a:t>2019/7/9</a:t>
+              <a:t>2019/7/10</a:t>
             </a:fld>
             <a:endParaRPr lang="zh-CN" altLang="en-US"/>
           </a:p>
@@ -1407,7 +1406,7 @@
           <a:p>
             <a:fld id="{44EAA1FE-5DA4-4A89-B815-EEA075F1A15F}" type="datetimeFigureOut">
               <a:rPr lang="zh-CN" altLang="en-US" smtClean="0"/>
-              <a:t>2019/7/9</a:t>
+              <a:t>2019/7/10</a:t>
             </a:fld>
             <a:endParaRPr lang="zh-CN" altLang="en-US"/>
           </a:p>
@@ -1819,7 +1818,7 @@
           <a:p>
             <a:fld id="{44EAA1FE-5DA4-4A89-B815-EEA075F1A15F}" type="datetimeFigureOut">
               <a:rPr lang="zh-CN" altLang="en-US" smtClean="0"/>
-              <a:t>2019/7/9</a:t>
+              <a:t>2019/7/10</a:t>
             </a:fld>
             <a:endParaRPr lang="zh-CN" altLang="en-US"/>
           </a:p>
@@ -1960,7 +1959,7 @@
           <a:p>
             <a:fld id="{44EAA1FE-5DA4-4A89-B815-EEA075F1A15F}" type="datetimeFigureOut">
               <a:rPr lang="zh-CN" altLang="en-US" smtClean="0"/>
-              <a:t>2019/7/9</a:t>
+              <a:t>2019/7/10</a:t>
             </a:fld>
             <a:endParaRPr lang="zh-CN" altLang="en-US"/>
           </a:p>
@@ -2073,7 +2072,7 @@
           <a:p>
             <a:fld id="{44EAA1FE-5DA4-4A89-B815-EEA075F1A15F}" type="datetimeFigureOut">
               <a:rPr lang="zh-CN" altLang="en-US" smtClean="0"/>
-              <a:t>2019/7/9</a:t>
+              <a:t>2019/7/10</a:t>
             </a:fld>
             <a:endParaRPr lang="zh-CN" altLang="en-US"/>
           </a:p>
@@ -2384,7 +2383,7 @@
           <a:p>
             <a:fld id="{44EAA1FE-5DA4-4A89-B815-EEA075F1A15F}" type="datetimeFigureOut">
               <a:rPr lang="zh-CN" altLang="en-US" smtClean="0"/>
-              <a:t>2019/7/9</a:t>
+              <a:t>2019/7/10</a:t>
             </a:fld>
             <a:endParaRPr lang="zh-CN" altLang="en-US"/>
           </a:p>
@@ -2672,7 +2671,7 @@
           <a:p>
             <a:fld id="{44EAA1FE-5DA4-4A89-B815-EEA075F1A15F}" type="datetimeFigureOut">
               <a:rPr lang="zh-CN" altLang="en-US" smtClean="0"/>
-              <a:t>2019/7/9</a:t>
+              <a:t>2019/7/10</a:t>
             </a:fld>
             <a:endParaRPr lang="zh-CN" altLang="en-US"/>
           </a:p>
@@ -2913,7 +2912,7 @@
           <a:p>
             <a:fld id="{44EAA1FE-5DA4-4A89-B815-EEA075F1A15F}" type="datetimeFigureOut">
               <a:rPr lang="zh-CN" altLang="en-US" smtClean="0"/>
-              <a:t>2019/7/9</a:t>
+              <a:t>2019/7/10</a:t>
             </a:fld>
             <a:endParaRPr lang="zh-CN" altLang="en-US"/>
           </a:p>
@@ -7362,7 +7361,7 @@
           <p:cNvPr id="2" name="标题 1">
             <a:extLst>
               <a:ext uri="{FF2B5EF4-FFF2-40B4-BE49-F238E27FC236}">
-                <a16:creationId xmlns:a16="http://schemas.microsoft.com/office/drawing/2014/main" id="{755D60AF-F9DD-4C59-BBCB-C7D0BE7B98E1}"/>
+                <a16:creationId xmlns:a16="http://schemas.microsoft.com/office/drawing/2014/main" id="{D2D83ABB-DD94-4E89-8AB3-9392235BE8F1}"/>
               </a:ext>
             </a:extLst>
           </p:cNvPr>
@@ -7375,207 +7374,8 @@
         </p:nvSpPr>
         <p:spPr>
           <a:xfrm>
-            <a:off x="314417" y="18256"/>
-            <a:ext cx="10515600" cy="807368"/>
-          </a:xfrm>
-        </p:spPr>
-        <p:txBody>
-          <a:bodyPr/>
-          <a:lstStyle/>
-          <a:p>
-            <a:r>
-              <a:rPr lang="en-US" altLang="zh-CN" dirty="0"/>
-              <a:t>Server hardware architecture categories</a:t>
-            </a:r>
-            <a:endParaRPr lang="zh-CN" altLang="en-US" dirty="0"/>
-          </a:p>
-        </p:txBody>
-      </p:sp>
-      <p:sp>
-        <p:nvSpPr>
-          <p:cNvPr id="3" name="内容占位符 2">
-            <a:extLst>
-              <a:ext uri="{FF2B5EF4-FFF2-40B4-BE49-F238E27FC236}">
-                <a16:creationId xmlns:a16="http://schemas.microsoft.com/office/drawing/2014/main" id="{58F65341-C977-4460-876C-A9D0839A7091}"/>
-              </a:ext>
-            </a:extLst>
-          </p:cNvPr>
-          <p:cNvSpPr>
-            <a:spLocks noGrp="1"/>
-          </p:cNvSpPr>
-          <p:nvPr>
-            <p:ph sz="half" idx="1"/>
-          </p:nvPr>
-        </p:nvSpPr>
-        <p:spPr>
-          <a:xfrm>
-            <a:off x="730928" y="1105188"/>
-            <a:ext cx="9743108" cy="4351338"/>
-          </a:xfrm>
-        </p:spPr>
-        <p:txBody>
-          <a:bodyPr/>
-          <a:lstStyle/>
-          <a:p>
-            <a:r>
-              <a:rPr lang="en-US" altLang="zh-CN" dirty="0"/>
-              <a:t>Form Factor</a:t>
-            </a:r>
-          </a:p>
-          <a:p>
-            <a:pPr marL="457200" lvl="1" indent="0">
-              <a:buNone/>
-            </a:pPr>
-            <a:r>
-              <a:rPr lang="en-US" altLang="zh-CN" dirty="0"/>
-              <a:t>-Tower Servers</a:t>
-            </a:r>
-          </a:p>
-          <a:p>
-            <a:pPr marL="457200" lvl="1" indent="0">
-              <a:buNone/>
-            </a:pPr>
-            <a:r>
-              <a:rPr lang="en-US" altLang="zh-CN" dirty="0"/>
-              <a:t>-Rack Servers</a:t>
-            </a:r>
-          </a:p>
-          <a:p>
-            <a:pPr marL="457200" lvl="1" indent="0">
-              <a:buNone/>
-            </a:pPr>
-            <a:r>
-              <a:rPr lang="en-US" altLang="zh-CN" dirty="0"/>
-              <a:t>-Blade Servers</a:t>
-            </a:r>
-            <a:endParaRPr lang="zh-CN" altLang="en-US" dirty="0"/>
-          </a:p>
-        </p:txBody>
-      </p:sp>
-      <p:sp>
-        <p:nvSpPr>
-          <p:cNvPr id="5" name="矩形 4">
-            <a:extLst>
-              <a:ext uri="{FF2B5EF4-FFF2-40B4-BE49-F238E27FC236}">
-                <a16:creationId xmlns:a16="http://schemas.microsoft.com/office/drawing/2014/main" id="{84A16609-8017-4854-AAF0-19003092BB5F}"/>
-              </a:ext>
-            </a:extLst>
-          </p:cNvPr>
-          <p:cNvSpPr/>
-          <p:nvPr/>
-        </p:nvSpPr>
-        <p:spPr>
-          <a:xfrm>
-            <a:off x="1186682" y="3793937"/>
-            <a:ext cx="6096000" cy="646331"/>
-          </a:xfrm>
-          <a:prstGeom prst="rect">
-            <a:avLst/>
-          </a:prstGeom>
-        </p:spPr>
-        <p:txBody>
-          <a:bodyPr>
-            <a:spAutoFit/>
-          </a:bodyPr>
-          <a:lstStyle/>
-          <a:p>
-            <a:r>
-              <a:rPr lang="en-US" altLang="zh-CN" dirty="0">
-                <a:hlinkClick r:id="rId2"/>
-              </a:rPr>
-              <a:t>https://docs.openstack.org/arch-design/design-compute/design-compute-hardware.html</a:t>
-            </a:r>
-            <a:endParaRPr lang="zh-CN" altLang="en-US" dirty="0"/>
-          </a:p>
-        </p:txBody>
-      </p:sp>
-      <p:sp>
-        <p:nvSpPr>
-          <p:cNvPr id="6" name="矩形 5">
-            <a:extLst>
-              <a:ext uri="{FF2B5EF4-FFF2-40B4-BE49-F238E27FC236}">
-                <a16:creationId xmlns:a16="http://schemas.microsoft.com/office/drawing/2014/main" id="{FE8397B7-938E-4BE5-BAFF-91F318875D56}"/>
-              </a:ext>
-            </a:extLst>
-          </p:cNvPr>
-          <p:cNvSpPr/>
-          <p:nvPr/>
-        </p:nvSpPr>
-        <p:spPr>
-          <a:xfrm>
-            <a:off x="1186682" y="4763731"/>
-            <a:ext cx="5816016" cy="369332"/>
-          </a:xfrm>
-          <a:prstGeom prst="rect">
-            <a:avLst/>
-          </a:prstGeom>
-        </p:spPr>
-        <p:txBody>
-          <a:bodyPr wrap="none">
-            <a:spAutoFit/>
-          </a:bodyPr>
-          <a:lstStyle/>
-          <a:p>
-            <a:r>
-              <a:rPr lang="en-US" altLang="zh-CN" dirty="0">
-                <a:hlinkClick r:id="rId3"/>
-              </a:rPr>
-              <a:t>http://techgenix.com/Server-Hardware-Explained-Part3/</a:t>
-            </a:r>
-            <a:endParaRPr lang="zh-CN" altLang="en-US" dirty="0"/>
-          </a:p>
-        </p:txBody>
-      </p:sp>
-    </p:spTree>
-    <p:extLst>
-      <p:ext uri="{BB962C8B-B14F-4D97-AF65-F5344CB8AC3E}">
-        <p14:creationId xmlns:p14="http://schemas.microsoft.com/office/powerpoint/2010/main" val="505532533"/>
-      </p:ext>
-    </p:extLst>
-  </p:cSld>
-  <p:clrMapOvr>
-    <a:masterClrMapping/>
-  </p:clrMapOvr>
-</p:sld>
-</file>
-
-<file path=ppt/slides/slide5.xml><?xml version="1.0" encoding="utf-8"?>
-<p:sld xmlns:a="http://schemas.openxmlformats.org/drawingml/2006/main" xmlns:r="http://schemas.openxmlformats.org/officeDocument/2006/relationships" xmlns:p="http://schemas.openxmlformats.org/presentationml/2006/main">
-  <p:cSld>
-    <p:spTree>
-      <p:nvGrpSpPr>
-        <p:cNvPr id="1" name=""/>
-        <p:cNvGrpSpPr/>
-        <p:nvPr/>
-      </p:nvGrpSpPr>
-      <p:grpSpPr>
-        <a:xfrm>
-          <a:off x="0" y="0"/>
-          <a:ext cx="0" cy="0"/>
-          <a:chOff x="0" y="0"/>
-          <a:chExt cx="0" cy="0"/>
-        </a:xfrm>
-      </p:grpSpPr>
-      <p:sp>
-        <p:nvSpPr>
-          <p:cNvPr id="2" name="标题 1">
-            <a:extLst>
-              <a:ext uri="{FF2B5EF4-FFF2-40B4-BE49-F238E27FC236}">
-                <a16:creationId xmlns:a16="http://schemas.microsoft.com/office/drawing/2014/main" id="{D2D83ABB-DD94-4E89-8AB3-9392235BE8F1}"/>
-              </a:ext>
-            </a:extLst>
-          </p:cNvPr>
-          <p:cNvSpPr>
-            <a:spLocks noGrp="1"/>
-          </p:cNvSpPr>
-          <p:nvPr>
-            <p:ph type="title"/>
-          </p:nvPr>
-        </p:nvSpPr>
-        <p:spPr>
-          <a:xfrm>
-            <a:off x="838200" y="18256"/>
-            <a:ext cx="10515600" cy="913900"/>
+            <a:off x="195309" y="18256"/>
+            <a:ext cx="7918881" cy="913900"/>
           </a:xfrm>
         </p:spPr>
         <p:txBody>
@@ -7606,39 +7406,145 @@
             <p:ph idx="1"/>
           </p:nvPr>
         </p:nvSpPr>
-        <p:spPr/>
-        <p:txBody>
-          <a:bodyPr/>
-          <a:lstStyle/>
-          <a:p>
-            <a:r>
-              <a:rPr lang="en-US" altLang="zh-CN" dirty="0"/>
-              <a:t>Infrastructure as a service</a:t>
-            </a:r>
-          </a:p>
-          <a:p>
-            <a:r>
-              <a:rPr lang="en-US" altLang="zh-CN" dirty="0"/>
-              <a:t>Platform as a service</a:t>
-            </a:r>
-          </a:p>
-          <a:p>
-            <a:r>
-              <a:rPr lang="en-US" altLang="zh-CN" dirty="0"/>
-              <a:t>Software as a service</a:t>
-            </a:r>
-          </a:p>
-          <a:p>
-            <a:r>
-              <a:rPr lang="en-US" altLang="zh-CN" dirty="0"/>
+        <p:spPr>
+          <a:xfrm>
+            <a:off x="457200" y="817418"/>
+            <a:ext cx="11163670" cy="5796446"/>
+          </a:xfrm>
+        </p:spPr>
+        <p:txBody>
+          <a:bodyPr>
+            <a:normAutofit/>
+          </a:bodyPr>
+          <a:lstStyle/>
+          <a:p>
+            <a:r>
+              <a:rPr lang="en-US" altLang="zh-CN" sz="2200" u="sng" dirty="0"/>
+              <a:t>Solution</a:t>
+            </a:r>
+          </a:p>
+          <a:p>
+            <a:pPr marL="457200" lvl="1" indent="0">
+              <a:buNone/>
+            </a:pPr>
+            <a:r>
+              <a:rPr lang="en-US" altLang="zh-CN" sz="1800" dirty="0"/>
+              <a:t>-Infrastructure as a service</a:t>
+            </a:r>
+          </a:p>
+          <a:p>
+            <a:pPr marL="457200" lvl="1" indent="0">
+              <a:buNone/>
+            </a:pPr>
+            <a:r>
+              <a:rPr lang="en-US" altLang="zh-CN" sz="1800" dirty="0"/>
+              <a:t>-Platform as a service</a:t>
+            </a:r>
+          </a:p>
+          <a:p>
+            <a:pPr marL="457200" lvl="1" indent="0">
+              <a:buNone/>
+            </a:pPr>
+            <a:r>
+              <a:rPr lang="en-US" altLang="zh-CN" sz="1800" dirty="0"/>
+              <a:t>-Software as a service</a:t>
+            </a:r>
+          </a:p>
+          <a:p>
+            <a:r>
+              <a:rPr lang="en-US" altLang="zh-CN" sz="2200" u="sng" dirty="0"/>
+              <a:t>OpenStack:  cloud operating system</a:t>
+            </a:r>
+          </a:p>
+          <a:p>
+            <a:pPr marL="0" indent="0">
+              <a:buNone/>
+            </a:pPr>
+            <a:r>
+              <a:rPr lang="en-US" altLang="zh-CN" sz="2200" dirty="0"/>
+              <a:t>     -control: pools of compute</a:t>
+            </a:r>
+          </a:p>
+          <a:p>
+            <a:pPr marL="0" indent="0">
+              <a:buNone/>
+            </a:pPr>
+            <a:r>
+              <a:rPr lang="en-US" altLang="zh-CN" sz="2200" dirty="0"/>
+              <a:t>     -storage</a:t>
+            </a:r>
+          </a:p>
+          <a:p>
+            <a:pPr marL="0" indent="0">
+              <a:buNone/>
+            </a:pPr>
+            <a:r>
+              <a:rPr lang="en-US" altLang="zh-CN" sz="2200" dirty="0"/>
+              <a:t>     -networking resources throughout a datacenter</a:t>
+            </a:r>
+          </a:p>
+          <a:p>
+            <a:pPr marL="0" indent="0">
+              <a:buNone/>
+            </a:pPr>
+            <a:r>
+              <a:rPr lang="en-US" altLang="zh-CN" sz="2200" dirty="0"/>
+              <a:t>     -all managed and provisioned through APIs with common authentication mechanism</a:t>
+            </a:r>
+          </a:p>
+          <a:p>
+            <a:r>
+              <a:rPr lang="en-US" altLang="zh-CN" sz="2200" u="sng" dirty="0"/>
+              <a:t>Server Hardware Form Factor</a:t>
+            </a:r>
+          </a:p>
+          <a:p>
+            <a:pPr marL="457200" lvl="1" indent="0">
+              <a:buNone/>
+            </a:pPr>
+            <a:r>
+              <a:rPr lang="en-US" altLang="zh-CN" sz="1900" dirty="0"/>
+              <a:t>-Tower Servers</a:t>
+            </a:r>
+          </a:p>
+          <a:p>
+            <a:pPr marL="457200" lvl="1" indent="0">
+              <a:buNone/>
+            </a:pPr>
+            <a:r>
+              <a:rPr lang="en-US" altLang="zh-CN" sz="1900" dirty="0"/>
+              <a:t>-Rack Servers</a:t>
+            </a:r>
+          </a:p>
+          <a:p>
+            <a:pPr marL="457200" lvl="1" indent="0">
+              <a:buNone/>
+            </a:pPr>
+            <a:r>
+              <a:rPr lang="en-US" altLang="zh-CN" sz="1900" dirty="0"/>
+              <a:t>-Blade Servers</a:t>
+            </a:r>
+          </a:p>
+          <a:p>
+            <a:r>
+              <a:rPr lang="en-US" altLang="zh-CN" sz="2200" dirty="0"/>
               <a:t>Reference: </a:t>
             </a:r>
             <a:r>
-              <a:rPr lang="en-US" altLang="zh-CN" dirty="0">
+              <a:rPr lang="en-US" altLang="zh-CN" sz="2200" dirty="0">
                 <a:hlinkClick r:id="rId2"/>
               </a:rPr>
-              <a:t>https://d1.awsstatic.com/whitepapers/architecture/AWS_Well-Architected_Framework.pdf</a:t>
-            </a:r>
+              <a:t>https://docs.openstack.org/arch-design/design-compute/design-compute-hardware.html</a:t>
+            </a:r>
+            <a:endParaRPr lang="zh-CN" altLang="en-US" sz="2200" dirty="0"/>
+          </a:p>
+          <a:p>
+            <a:pPr marL="457200" lvl="1" indent="0">
+              <a:buNone/>
+            </a:pPr>
+            <a:endParaRPr lang="zh-CN" altLang="en-US" dirty="0"/>
+          </a:p>
+          <a:p>
             <a:endParaRPr lang="zh-CN" altLang="en-US" dirty="0"/>
           </a:p>
         </p:txBody>

--- a/Future Computing.pptx
+++ b/Future Computing.pptx
@@ -262,7 +262,7 @@
           <a:p>
             <a:fld id="{44EAA1FE-5DA4-4A89-B815-EEA075F1A15F}" type="datetimeFigureOut">
               <a:rPr lang="zh-CN" altLang="en-US" smtClean="0"/>
-              <a:t>2019/7/10</a:t>
+              <a:t>2019/7/20</a:t>
             </a:fld>
             <a:endParaRPr lang="zh-CN" altLang="en-US"/>
           </a:p>
@@ -460,7 +460,7 @@
           <a:p>
             <a:fld id="{44EAA1FE-5DA4-4A89-B815-EEA075F1A15F}" type="datetimeFigureOut">
               <a:rPr lang="zh-CN" altLang="en-US" smtClean="0"/>
-              <a:t>2019/7/10</a:t>
+              <a:t>2019/7/20</a:t>
             </a:fld>
             <a:endParaRPr lang="zh-CN" altLang="en-US"/>
           </a:p>
@@ -668,7 +668,7 @@
           <a:p>
             <a:fld id="{44EAA1FE-5DA4-4A89-B815-EEA075F1A15F}" type="datetimeFigureOut">
               <a:rPr lang="zh-CN" altLang="en-US" smtClean="0"/>
-              <a:t>2019/7/10</a:t>
+              <a:t>2019/7/20</a:t>
             </a:fld>
             <a:endParaRPr lang="zh-CN" altLang="en-US"/>
           </a:p>
@@ -866,7 +866,7 @@
           <a:p>
             <a:fld id="{44EAA1FE-5DA4-4A89-B815-EEA075F1A15F}" type="datetimeFigureOut">
               <a:rPr lang="zh-CN" altLang="en-US" smtClean="0"/>
-              <a:t>2019/7/10</a:t>
+              <a:t>2019/7/20</a:t>
             </a:fld>
             <a:endParaRPr lang="zh-CN" altLang="en-US"/>
           </a:p>
@@ -1141,7 +1141,7 @@
           <a:p>
             <a:fld id="{44EAA1FE-5DA4-4A89-B815-EEA075F1A15F}" type="datetimeFigureOut">
               <a:rPr lang="zh-CN" altLang="en-US" smtClean="0"/>
-              <a:t>2019/7/10</a:t>
+              <a:t>2019/7/20</a:t>
             </a:fld>
             <a:endParaRPr lang="zh-CN" altLang="en-US"/>
           </a:p>
@@ -1406,7 +1406,7 @@
           <a:p>
             <a:fld id="{44EAA1FE-5DA4-4A89-B815-EEA075F1A15F}" type="datetimeFigureOut">
               <a:rPr lang="zh-CN" altLang="en-US" smtClean="0"/>
-              <a:t>2019/7/10</a:t>
+              <a:t>2019/7/20</a:t>
             </a:fld>
             <a:endParaRPr lang="zh-CN" altLang="en-US"/>
           </a:p>
@@ -1818,7 +1818,7 @@
           <a:p>
             <a:fld id="{44EAA1FE-5DA4-4A89-B815-EEA075F1A15F}" type="datetimeFigureOut">
               <a:rPr lang="zh-CN" altLang="en-US" smtClean="0"/>
-              <a:t>2019/7/10</a:t>
+              <a:t>2019/7/20</a:t>
             </a:fld>
             <a:endParaRPr lang="zh-CN" altLang="en-US"/>
           </a:p>
@@ -1959,7 +1959,7 @@
           <a:p>
             <a:fld id="{44EAA1FE-5DA4-4A89-B815-EEA075F1A15F}" type="datetimeFigureOut">
               <a:rPr lang="zh-CN" altLang="en-US" smtClean="0"/>
-              <a:t>2019/7/10</a:t>
+              <a:t>2019/7/20</a:t>
             </a:fld>
             <a:endParaRPr lang="zh-CN" altLang="en-US"/>
           </a:p>
@@ -2072,7 +2072,7 @@
           <a:p>
             <a:fld id="{44EAA1FE-5DA4-4A89-B815-EEA075F1A15F}" type="datetimeFigureOut">
               <a:rPr lang="zh-CN" altLang="en-US" smtClean="0"/>
-              <a:t>2019/7/10</a:t>
+              <a:t>2019/7/20</a:t>
             </a:fld>
             <a:endParaRPr lang="zh-CN" altLang="en-US"/>
           </a:p>
@@ -2383,7 +2383,7 @@
           <a:p>
             <a:fld id="{44EAA1FE-5DA4-4A89-B815-EEA075F1A15F}" type="datetimeFigureOut">
               <a:rPr lang="zh-CN" altLang="en-US" smtClean="0"/>
-              <a:t>2019/7/10</a:t>
+              <a:t>2019/7/20</a:t>
             </a:fld>
             <a:endParaRPr lang="zh-CN" altLang="en-US"/>
           </a:p>
@@ -2671,7 +2671,7 @@
           <a:p>
             <a:fld id="{44EAA1FE-5DA4-4A89-B815-EEA075F1A15F}" type="datetimeFigureOut">
               <a:rPr lang="zh-CN" altLang="en-US" smtClean="0"/>
-              <a:t>2019/7/10</a:t>
+              <a:t>2019/7/20</a:t>
             </a:fld>
             <a:endParaRPr lang="zh-CN" altLang="en-US"/>
           </a:p>
@@ -2912,7 +2912,7 @@
           <a:p>
             <a:fld id="{44EAA1FE-5DA4-4A89-B815-EEA075F1A15F}" type="datetimeFigureOut">
               <a:rPr lang="zh-CN" altLang="en-US" smtClean="0"/>
-              <a:t>2019/7/10</a:t>
+              <a:t>2019/7/20</a:t>
             </a:fld>
             <a:endParaRPr lang="zh-CN" altLang="en-US"/>
           </a:p>
@@ -3517,11 +3517,7 @@
               <a:t>Distributed Storage(memory) with </a:t>
             </a:r>
             <a:r>
-              <a:rPr lang="en-US" altLang="zh-CN" b="1" dirty="0">
-                <a:solidFill>
-                  <a:srgbClr val="FF0000"/>
-                </a:solidFill>
-              </a:rPr>
+              <a:rPr lang="en-US" altLang="zh-CN" b="1" dirty="0"/>
               <a:t>Accelerator(FPGA/AI)</a:t>
             </a:r>
           </a:p>
@@ -3535,11 +3531,7 @@
               <a:t>High bandwidth Interconnection with </a:t>
             </a:r>
             <a:r>
-              <a:rPr lang="en-US" altLang="zh-CN" b="1" dirty="0">
-                <a:solidFill>
-                  <a:srgbClr val="FF0000"/>
-                </a:solidFill>
-              </a:rPr>
+              <a:rPr lang="en-US" altLang="zh-CN" b="1" dirty="0"/>
               <a:t>Accelerator(FPGA/AI)</a:t>
             </a:r>
           </a:p>

--- a/Future Computing.pptx
+++ b/Future Computing.pptx
@@ -262,7 +262,7 @@
           <a:p>
             <a:fld id="{44EAA1FE-5DA4-4A89-B815-EEA075F1A15F}" type="datetimeFigureOut">
               <a:rPr lang="zh-CN" altLang="en-US" smtClean="0"/>
-              <a:t>2019/7/20</a:t>
+              <a:t>2019/7/25</a:t>
             </a:fld>
             <a:endParaRPr lang="zh-CN" altLang="en-US"/>
           </a:p>
@@ -460,7 +460,7 @@
           <a:p>
             <a:fld id="{44EAA1FE-5DA4-4A89-B815-EEA075F1A15F}" type="datetimeFigureOut">
               <a:rPr lang="zh-CN" altLang="en-US" smtClean="0"/>
-              <a:t>2019/7/20</a:t>
+              <a:t>2019/7/25</a:t>
             </a:fld>
             <a:endParaRPr lang="zh-CN" altLang="en-US"/>
           </a:p>
@@ -668,7 +668,7 @@
           <a:p>
             <a:fld id="{44EAA1FE-5DA4-4A89-B815-EEA075F1A15F}" type="datetimeFigureOut">
               <a:rPr lang="zh-CN" altLang="en-US" smtClean="0"/>
-              <a:t>2019/7/20</a:t>
+              <a:t>2019/7/25</a:t>
             </a:fld>
             <a:endParaRPr lang="zh-CN" altLang="en-US"/>
           </a:p>
@@ -866,7 +866,7 @@
           <a:p>
             <a:fld id="{44EAA1FE-5DA4-4A89-B815-EEA075F1A15F}" type="datetimeFigureOut">
               <a:rPr lang="zh-CN" altLang="en-US" smtClean="0"/>
-              <a:t>2019/7/20</a:t>
+              <a:t>2019/7/25</a:t>
             </a:fld>
             <a:endParaRPr lang="zh-CN" altLang="en-US"/>
           </a:p>
@@ -1141,7 +1141,7 @@
           <a:p>
             <a:fld id="{44EAA1FE-5DA4-4A89-B815-EEA075F1A15F}" type="datetimeFigureOut">
               <a:rPr lang="zh-CN" altLang="en-US" smtClean="0"/>
-              <a:t>2019/7/20</a:t>
+              <a:t>2019/7/25</a:t>
             </a:fld>
             <a:endParaRPr lang="zh-CN" altLang="en-US"/>
           </a:p>
@@ -1406,7 +1406,7 @@
           <a:p>
             <a:fld id="{44EAA1FE-5DA4-4A89-B815-EEA075F1A15F}" type="datetimeFigureOut">
               <a:rPr lang="zh-CN" altLang="en-US" smtClean="0"/>
-              <a:t>2019/7/20</a:t>
+              <a:t>2019/7/25</a:t>
             </a:fld>
             <a:endParaRPr lang="zh-CN" altLang="en-US"/>
           </a:p>
@@ -1818,7 +1818,7 @@
           <a:p>
             <a:fld id="{44EAA1FE-5DA4-4A89-B815-EEA075F1A15F}" type="datetimeFigureOut">
               <a:rPr lang="zh-CN" altLang="en-US" smtClean="0"/>
-              <a:t>2019/7/20</a:t>
+              <a:t>2019/7/25</a:t>
             </a:fld>
             <a:endParaRPr lang="zh-CN" altLang="en-US"/>
           </a:p>
@@ -1959,7 +1959,7 @@
           <a:p>
             <a:fld id="{44EAA1FE-5DA4-4A89-B815-EEA075F1A15F}" type="datetimeFigureOut">
               <a:rPr lang="zh-CN" altLang="en-US" smtClean="0"/>
-              <a:t>2019/7/20</a:t>
+              <a:t>2019/7/25</a:t>
             </a:fld>
             <a:endParaRPr lang="zh-CN" altLang="en-US"/>
           </a:p>
@@ -2072,7 +2072,7 @@
           <a:p>
             <a:fld id="{44EAA1FE-5DA4-4A89-B815-EEA075F1A15F}" type="datetimeFigureOut">
               <a:rPr lang="zh-CN" altLang="en-US" smtClean="0"/>
-              <a:t>2019/7/20</a:t>
+              <a:t>2019/7/25</a:t>
             </a:fld>
             <a:endParaRPr lang="zh-CN" altLang="en-US"/>
           </a:p>
@@ -2383,7 +2383,7 @@
           <a:p>
             <a:fld id="{44EAA1FE-5DA4-4A89-B815-EEA075F1A15F}" type="datetimeFigureOut">
               <a:rPr lang="zh-CN" altLang="en-US" smtClean="0"/>
-              <a:t>2019/7/20</a:t>
+              <a:t>2019/7/25</a:t>
             </a:fld>
             <a:endParaRPr lang="zh-CN" altLang="en-US"/>
           </a:p>
@@ -2671,7 +2671,7 @@
           <a:p>
             <a:fld id="{44EAA1FE-5DA4-4A89-B815-EEA075F1A15F}" type="datetimeFigureOut">
               <a:rPr lang="zh-CN" altLang="en-US" smtClean="0"/>
-              <a:t>2019/7/20</a:t>
+              <a:t>2019/7/25</a:t>
             </a:fld>
             <a:endParaRPr lang="zh-CN" altLang="en-US"/>
           </a:p>
@@ -2912,7 +2912,7 @@
           <a:p>
             <a:fld id="{44EAA1FE-5DA4-4A89-B815-EEA075F1A15F}" type="datetimeFigureOut">
               <a:rPr lang="zh-CN" altLang="en-US" smtClean="0"/>
-              <a:t>2019/7/20</a:t>
+              <a:t>2019/7/25</a:t>
             </a:fld>
             <a:endParaRPr lang="zh-CN" altLang="en-US"/>
           </a:p>
@@ -3365,103 +3365,6 @@
       </p:sp>
       <p:sp>
         <p:nvSpPr>
-          <p:cNvPr id="7" name="内容占位符 6">
-            <a:extLst>
-              <a:ext uri="{FF2B5EF4-FFF2-40B4-BE49-F238E27FC236}">
-                <a16:creationId xmlns:a16="http://schemas.microsoft.com/office/drawing/2014/main" id="{30281DDD-C955-4ECD-8876-977E5D2C7FF8}"/>
-              </a:ext>
-            </a:extLst>
-          </p:cNvPr>
-          <p:cNvSpPr>
-            <a:spLocks noGrp="1"/>
-          </p:cNvSpPr>
-          <p:nvPr>
-            <p:ph idx="1"/>
-          </p:nvPr>
-        </p:nvSpPr>
-        <p:spPr>
-          <a:xfrm>
-            <a:off x="6584488" y="987425"/>
-            <a:ext cx="4770899" cy="4873625"/>
-          </a:xfrm>
-        </p:spPr>
-        <p:txBody>
-          <a:bodyPr>
-            <a:normAutofit fontScale="92500"/>
-          </a:bodyPr>
-          <a:lstStyle/>
-          <a:p>
-            <a:r>
-              <a:rPr lang="en-US" altLang="zh-CN" dirty="0"/>
-              <a:t>Giants </a:t>
-            </a:r>
-          </a:p>
-          <a:p>
-            <a:pPr lvl="1">
-              <a:buFont typeface="Wingdings" panose="05000000000000000000" pitchFamily="2" charset="2"/>
-              <a:buChar char="n"/>
-            </a:pPr>
-            <a:r>
-              <a:rPr lang="en-US" altLang="zh-CN" dirty="0"/>
-              <a:t>5G: Huawei; Ericsson; Nokia</a:t>
-            </a:r>
-          </a:p>
-          <a:p>
-            <a:pPr lvl="1">
-              <a:buFont typeface="Wingdings" panose="05000000000000000000" pitchFamily="2" charset="2"/>
-              <a:buChar char="n"/>
-            </a:pPr>
-            <a:endParaRPr lang="en-US" altLang="zh-CN" dirty="0"/>
-          </a:p>
-          <a:p>
-            <a:pPr lvl="1">
-              <a:buFont typeface="Wingdings" panose="05000000000000000000" pitchFamily="2" charset="2"/>
-              <a:buChar char="n"/>
-            </a:pPr>
-            <a:r>
-              <a:rPr lang="en-US" altLang="zh-CN" dirty="0"/>
-              <a:t>CPU: Intel; AMD; Qualcomm; ARM; Apple</a:t>
-            </a:r>
-          </a:p>
-          <a:p>
-            <a:pPr lvl="1">
-              <a:buFont typeface="Wingdings" panose="05000000000000000000" pitchFamily="2" charset="2"/>
-              <a:buChar char="n"/>
-            </a:pPr>
-            <a:endParaRPr lang="en-US" altLang="zh-CN" dirty="0"/>
-          </a:p>
-          <a:p>
-            <a:pPr lvl="1">
-              <a:buFont typeface="Wingdings" panose="05000000000000000000" pitchFamily="2" charset="2"/>
-              <a:buChar char="n"/>
-            </a:pPr>
-            <a:r>
-              <a:rPr lang="en-US" altLang="zh-CN" dirty="0"/>
-              <a:t>GPGPU: Nvidia;  AMD; Intel</a:t>
-            </a:r>
-          </a:p>
-          <a:p>
-            <a:pPr lvl="1">
-              <a:buFont typeface="Wingdings" panose="05000000000000000000" pitchFamily="2" charset="2"/>
-              <a:buChar char="n"/>
-            </a:pPr>
-            <a:endParaRPr lang="en-US" altLang="zh-CN" dirty="0"/>
-          </a:p>
-          <a:p>
-            <a:pPr lvl="1">
-              <a:buFont typeface="Wingdings" panose="05000000000000000000" pitchFamily="2" charset="2"/>
-              <a:buChar char="n"/>
-            </a:pPr>
-            <a:r>
-              <a:rPr lang="en-US" altLang="zh-CN" dirty="0"/>
-              <a:t>Accelerator:  Xilinx; Intel; Nvidia; Google; Tesla ; others…</a:t>
-            </a:r>
-            <a:endParaRPr lang="zh-CN" altLang="en-US" dirty="0"/>
-          </a:p>
-        </p:txBody>
-      </p:sp>
-      <p:sp>
-        <p:nvSpPr>
           <p:cNvPr id="8" name="文本占位符 7">
             <a:extLst>
               <a:ext uri="{FF2B5EF4-FFF2-40B4-BE49-F238E27FC236}">
@@ -3479,7 +3382,7 @@
         <p:spPr>
           <a:xfrm>
             <a:off x="111818" y="987424"/>
-            <a:ext cx="5569891" cy="5750727"/>
+            <a:ext cx="11065168" cy="5750727"/>
           </a:xfrm>
         </p:spPr>
         <p:txBody>
@@ -3791,7 +3694,7 @@
         </p:spPr>
         <p:txBody>
           <a:bodyPr>
-            <a:normAutofit fontScale="92500" lnSpcReduction="10000"/>
+            <a:normAutofit/>
           </a:bodyPr>
           <a:lstStyle/>
           <a:p>
@@ -3834,12 +3737,12 @@
         </p:spPr>
         <p:txBody>
           <a:bodyPr>
-            <a:normAutofit fontScale="92500" lnSpcReduction="10000"/>
+            <a:normAutofit/>
           </a:bodyPr>
           <a:lstStyle/>
           <a:p>
             <a:r>
-              <a:rPr lang="en-US" altLang="zh-CN" dirty="0"/>
+              <a:rPr lang="en-US" altLang="zh-CN" sz="1800" dirty="0"/>
               <a:t>iDRAC</a:t>
             </a:r>
           </a:p>
@@ -3848,7 +3751,7 @@
               <a:buNone/>
             </a:pPr>
             <a:r>
-              <a:rPr lang="en-US" altLang="zh-CN" dirty="0"/>
+              <a:rPr lang="en-US" altLang="zh-CN" sz="1600" dirty="0"/>
               <a:t>-BMC firmware</a:t>
             </a:r>
           </a:p>
@@ -3857,7 +3760,7 @@
               <a:buNone/>
             </a:pPr>
             <a:r>
-              <a:rPr lang="en-US" altLang="zh-CN" dirty="0"/>
+              <a:rPr lang="en-US" altLang="zh-CN" sz="1600" dirty="0"/>
               <a:t>-IPMI protocol</a:t>
             </a:r>
           </a:p>
@@ -3866,7 +3769,7 @@
               <a:buNone/>
             </a:pPr>
             <a:r>
-              <a:rPr lang="en-US" altLang="zh-CN" dirty="0"/>
+              <a:rPr lang="en-US" altLang="zh-CN" sz="1600" dirty="0"/>
               <a:t>-Embedded Realtime OS</a:t>
             </a:r>
           </a:p>
@@ -3875,13 +3778,13 @@
               <a:buNone/>
             </a:pPr>
             <a:r>
-              <a:rPr lang="en-US" altLang="zh-CN" dirty="0"/>
+              <a:rPr lang="en-US" altLang="zh-CN" sz="1600" dirty="0"/>
               <a:t>-Management</a:t>
             </a:r>
           </a:p>
           <a:p>
             <a:r>
-              <a:rPr lang="en-US" altLang="zh-CN" dirty="0"/>
+              <a:rPr lang="en-US" altLang="zh-CN" sz="1800" dirty="0"/>
               <a:t>Virtualization</a:t>
             </a:r>
           </a:p>
@@ -3890,7 +3793,7 @@
               <a:buNone/>
             </a:pPr>
             <a:r>
-              <a:rPr lang="en-US" altLang="zh-CN" dirty="0"/>
+              <a:rPr lang="en-US" altLang="zh-CN" sz="1600" dirty="0"/>
               <a:t>-x86/GPGPU/accelerator virtualization</a:t>
             </a:r>
           </a:p>
@@ -3899,48 +3802,54 @@
               <a:buNone/>
             </a:pPr>
             <a:r>
-              <a:rPr lang="en-US" altLang="zh-CN" dirty="0"/>
+              <a:rPr lang="en-US" altLang="zh-CN" sz="1600" dirty="0"/>
               <a:t>-</a:t>
             </a:r>
             <a:r>
-              <a:rPr lang="en-US" altLang="zh-CN" dirty="0" err="1"/>
+              <a:rPr lang="en-US" altLang="zh-CN" sz="1600" dirty="0" err="1"/>
               <a:t>vmware</a:t>
             </a:r>
             <a:r>
-              <a:rPr lang="en-US" altLang="zh-CN" dirty="0"/>
+              <a:rPr lang="en-US" altLang="zh-CN" sz="1600" dirty="0"/>
               <a:t>/</a:t>
             </a:r>
             <a:r>
-              <a:rPr lang="en-US" altLang="zh-CN" dirty="0" err="1"/>
+              <a:rPr lang="en-US" altLang="zh-CN" sz="1600" dirty="0" err="1"/>
               <a:t>citrix</a:t>
             </a:r>
             <a:r>
-              <a:rPr lang="en-US" altLang="zh-CN" dirty="0"/>
+              <a:rPr lang="en-US" altLang="zh-CN" sz="1600" dirty="0"/>
               <a:t>/KVM supervisor</a:t>
             </a:r>
           </a:p>
           <a:p>
             <a:r>
-              <a:rPr lang="en-US" altLang="zh-CN" dirty="0"/>
+              <a:rPr lang="en-US" altLang="zh-CN" sz="1800" dirty="0"/>
               <a:t>Distributed storage system</a:t>
             </a:r>
           </a:p>
           <a:p>
             <a:r>
-              <a:rPr lang="en-US" altLang="zh-CN" dirty="0"/>
+              <a:rPr lang="en-US" altLang="zh-CN" sz="1800" dirty="0"/>
               <a:t>High bandwidth network</a:t>
             </a:r>
           </a:p>
           <a:p>
             <a:r>
-              <a:rPr lang="en-US" altLang="zh-CN" dirty="0"/>
+              <a:rPr lang="en-US" altLang="zh-CN" sz="1800" dirty="0"/>
               <a:t>Distributed cloud computing-Open stack</a:t>
             </a:r>
           </a:p>
           <a:p>
             <a:r>
-              <a:rPr lang="en-US" altLang="zh-CN" dirty="0"/>
+              <a:rPr lang="en-US" altLang="zh-CN" sz="1800" dirty="0"/>
               <a:t>Hybrid computing &amp; parallel computing</a:t>
+            </a:r>
+          </a:p>
+          <a:p>
+            <a:r>
+              <a:rPr lang="en-US" altLang="zh-CN" sz="1800" dirty="0"/>
+              <a:t>CXL link(Intel/AMD)</a:t>
             </a:r>
           </a:p>
           <a:p>
@@ -5915,6 +5824,113 @@
         <p:spPr>
           <a:xfrm>
             <a:off x="1944285" y="3962589"/>
+            <a:ext cx="45720" cy="378592"/>
+          </a:xfrm>
+          <a:prstGeom prst="upDownArrow">
+            <a:avLst/>
+          </a:prstGeom>
+        </p:spPr>
+        <p:style>
+          <a:lnRef idx="2">
+            <a:schemeClr val="accent1">
+              <a:shade val="50000"/>
+            </a:schemeClr>
+          </a:lnRef>
+          <a:fillRef idx="1">
+            <a:schemeClr val="accent1"/>
+          </a:fillRef>
+          <a:effectRef idx="0">
+            <a:schemeClr val="accent1"/>
+          </a:effectRef>
+          <a:fontRef idx="minor">
+            <a:schemeClr val="lt1"/>
+          </a:fontRef>
+        </p:style>
+        <p:txBody>
+          <a:bodyPr rtlCol="0" anchor="ctr"/>
+          <a:lstStyle/>
+          <a:p>
+            <a:pPr algn="ctr"/>
+            <a:endParaRPr lang="zh-CN" altLang="en-US"/>
+          </a:p>
+        </p:txBody>
+      </p:sp>
+      <p:sp>
+        <p:nvSpPr>
+          <p:cNvPr id="47" name="平行四边形 46">
+            <a:extLst>
+              <a:ext uri="{FF2B5EF4-FFF2-40B4-BE49-F238E27FC236}">
+                <a16:creationId xmlns:a16="http://schemas.microsoft.com/office/drawing/2014/main" id="{85C299DB-BAF0-46F9-8C3B-7655B4927F1B}"/>
+              </a:ext>
+            </a:extLst>
+          </p:cNvPr>
+          <p:cNvSpPr/>
+          <p:nvPr/>
+        </p:nvSpPr>
+        <p:spPr>
+          <a:xfrm>
+            <a:off x="2794246" y="3187541"/>
+            <a:ext cx="363984" cy="720013"/>
+          </a:xfrm>
+          <a:prstGeom prst="parallelogram">
+            <a:avLst/>
+          </a:prstGeom>
+          <a:solidFill>
+            <a:srgbClr val="92D050"/>
+          </a:solidFill>
+        </p:spPr>
+        <p:style>
+          <a:lnRef idx="2">
+            <a:schemeClr val="accent1">
+              <a:shade val="50000"/>
+            </a:schemeClr>
+          </a:lnRef>
+          <a:fillRef idx="1">
+            <a:schemeClr val="accent1"/>
+          </a:fillRef>
+          <a:effectRef idx="0">
+            <a:schemeClr val="accent1"/>
+          </a:effectRef>
+          <a:fontRef idx="minor">
+            <a:schemeClr val="lt1"/>
+          </a:fontRef>
+        </p:style>
+        <p:txBody>
+          <a:bodyPr rtlCol="0" anchor="ctr"/>
+          <a:lstStyle/>
+          <a:p>
+            <a:pPr algn="ctr"/>
+            <a:r>
+              <a:rPr lang="en-US" altLang="zh-CN" sz="1000" dirty="0">
+                <a:solidFill>
+                  <a:schemeClr val="tx1"/>
+                </a:solidFill>
+              </a:rPr>
+              <a:t>CXL?</a:t>
+            </a:r>
+            <a:endParaRPr lang="zh-CN" altLang="en-US" sz="1000" dirty="0">
+              <a:solidFill>
+                <a:schemeClr val="tx1"/>
+              </a:solidFill>
+            </a:endParaRPr>
+          </a:p>
+        </p:txBody>
+      </p:sp>
+      <p:sp>
+        <p:nvSpPr>
+          <p:cNvPr id="48" name="箭头: 上下 47">
+            <a:extLst>
+              <a:ext uri="{FF2B5EF4-FFF2-40B4-BE49-F238E27FC236}">
+                <a16:creationId xmlns:a16="http://schemas.microsoft.com/office/drawing/2014/main" id="{7096C29D-9B48-4D1D-886A-F7982DC96677}"/>
+              </a:ext>
+            </a:extLst>
+          </p:cNvPr>
+          <p:cNvSpPr/>
+          <p:nvPr/>
+        </p:nvSpPr>
+        <p:spPr>
+          <a:xfrm rot="1841127">
+            <a:off x="2716930" y="3977428"/>
             <a:ext cx="45720" cy="378592"/>
           </a:xfrm>
           <a:prstGeom prst="upDownArrow">
@@ -7376,7 +7392,7 @@
           <a:p>
             <a:r>
               <a:rPr lang="en-US" altLang="zh-CN" dirty="0"/>
-              <a:t>Cloud computing architecture</a:t>
+              <a:t>Cloud computing</a:t>
             </a:r>
             <a:endParaRPr lang="zh-CN" altLang="en-US" dirty="0"/>
           </a:p>
@@ -7411,8 +7427,8 @@
           <a:lstStyle/>
           <a:p>
             <a:r>
-              <a:rPr lang="en-US" altLang="zh-CN" sz="2200" u="sng" dirty="0"/>
-              <a:t>Solution</a:t>
+              <a:rPr lang="en-US" altLang="zh-CN" sz="1800" u="sng" dirty="0"/>
+              <a:t>Service category</a:t>
             </a:r>
           </a:p>
           <a:p>
@@ -7420,115 +7436,115 @@
               <a:buNone/>
             </a:pPr>
             <a:r>
+              <a:rPr lang="en-US" altLang="zh-CN" sz="1400" dirty="0"/>
+              <a:t>-Infrastructure as a service</a:t>
+            </a:r>
+          </a:p>
+          <a:p>
+            <a:pPr marL="457200" lvl="1" indent="0">
+              <a:buNone/>
+            </a:pPr>
+            <a:r>
+              <a:rPr lang="en-US" altLang="zh-CN" sz="1400" dirty="0"/>
+              <a:t>-Platform as a service</a:t>
+            </a:r>
+          </a:p>
+          <a:p>
+            <a:pPr marL="457200" lvl="1" indent="0">
+              <a:buNone/>
+            </a:pPr>
+            <a:r>
+              <a:rPr lang="en-US" altLang="zh-CN" sz="1400" dirty="0"/>
+              <a:t>-Software as a service</a:t>
+            </a:r>
+          </a:p>
+          <a:p>
+            <a:r>
+              <a:rPr lang="en-US" altLang="zh-CN" sz="1800" u="sng" dirty="0"/>
+              <a:t>OpenStack:  cloud operating system</a:t>
+            </a:r>
+          </a:p>
+          <a:p>
+            <a:pPr marL="0" indent="0">
+              <a:buNone/>
+            </a:pPr>
+            <a:r>
+              <a:rPr lang="en-US" altLang="zh-CN" sz="1400" dirty="0"/>
+              <a:t>     -control: pools of compute</a:t>
+            </a:r>
+          </a:p>
+          <a:p>
+            <a:pPr marL="0" indent="0">
+              <a:buNone/>
+            </a:pPr>
+            <a:r>
+              <a:rPr lang="en-US" altLang="zh-CN" sz="1400" dirty="0"/>
+              <a:t>     -storage</a:t>
+            </a:r>
+          </a:p>
+          <a:p>
+            <a:pPr marL="0" indent="0">
+              <a:buNone/>
+            </a:pPr>
+            <a:r>
+              <a:rPr lang="en-US" altLang="zh-CN" sz="1400" dirty="0"/>
+              <a:t>     -networking resources throughout a datacenter</a:t>
+            </a:r>
+          </a:p>
+          <a:p>
+            <a:pPr marL="0" indent="0">
+              <a:buNone/>
+            </a:pPr>
+            <a:r>
+              <a:rPr lang="en-US" altLang="zh-CN" sz="1400" dirty="0"/>
+              <a:t>     -all managed and provisioned through APIs with common authentication mechanism</a:t>
+            </a:r>
+          </a:p>
+          <a:p>
+            <a:r>
+              <a:rPr lang="en-US" altLang="zh-CN" sz="1800" u="sng" dirty="0"/>
+              <a:t>Hardware Form Factor</a:t>
+            </a:r>
+          </a:p>
+          <a:p>
+            <a:pPr marL="457200" lvl="1" indent="0">
+              <a:buNone/>
+            </a:pPr>
+            <a:r>
+              <a:rPr lang="en-US" altLang="zh-CN" sz="1400" dirty="0"/>
+              <a:t>-Tower Servers</a:t>
+            </a:r>
+          </a:p>
+          <a:p>
+            <a:pPr marL="457200" lvl="1" indent="0">
+              <a:buNone/>
+            </a:pPr>
+            <a:r>
+              <a:rPr lang="en-US" altLang="zh-CN" sz="1400" dirty="0"/>
+              <a:t>-Rack Servers</a:t>
+            </a:r>
+          </a:p>
+          <a:p>
+            <a:pPr marL="457200" lvl="1" indent="0">
+              <a:buNone/>
+            </a:pPr>
+            <a:r>
+              <a:rPr lang="en-US" altLang="zh-CN" sz="1400" dirty="0"/>
+              <a:t>-Blade Servers</a:t>
+            </a:r>
+          </a:p>
+          <a:p>
+            <a:r>
               <a:rPr lang="en-US" altLang="zh-CN" sz="1800" dirty="0"/>
-              <a:t>-Infrastructure as a service</a:t>
-            </a:r>
-          </a:p>
-          <a:p>
-            <a:pPr marL="457200" lvl="1" indent="0">
-              <a:buNone/>
-            </a:pPr>
-            <a:r>
-              <a:rPr lang="en-US" altLang="zh-CN" sz="1800" dirty="0"/>
-              <a:t>-Platform as a service</a:t>
-            </a:r>
-          </a:p>
-          <a:p>
-            <a:pPr marL="457200" lvl="1" indent="0">
-              <a:buNone/>
-            </a:pPr>
-            <a:r>
-              <a:rPr lang="en-US" altLang="zh-CN" sz="1800" dirty="0"/>
-              <a:t>-Software as a service</a:t>
-            </a:r>
-          </a:p>
-          <a:p>
-            <a:r>
-              <a:rPr lang="en-US" altLang="zh-CN" sz="2200" u="sng" dirty="0"/>
-              <a:t>OpenStack:  cloud operating system</a:t>
-            </a:r>
-          </a:p>
-          <a:p>
-            <a:pPr marL="0" indent="0">
-              <a:buNone/>
-            </a:pPr>
-            <a:r>
-              <a:rPr lang="en-US" altLang="zh-CN" sz="2200" dirty="0"/>
-              <a:t>     -control: pools of compute</a:t>
-            </a:r>
-          </a:p>
-          <a:p>
-            <a:pPr marL="0" indent="0">
-              <a:buNone/>
-            </a:pPr>
-            <a:r>
-              <a:rPr lang="en-US" altLang="zh-CN" sz="2200" dirty="0"/>
-              <a:t>     -storage</a:t>
-            </a:r>
-          </a:p>
-          <a:p>
-            <a:pPr marL="0" indent="0">
-              <a:buNone/>
-            </a:pPr>
-            <a:r>
-              <a:rPr lang="en-US" altLang="zh-CN" sz="2200" dirty="0"/>
-              <a:t>     -networking resources throughout a datacenter</a:t>
-            </a:r>
-          </a:p>
-          <a:p>
-            <a:pPr marL="0" indent="0">
-              <a:buNone/>
-            </a:pPr>
-            <a:r>
-              <a:rPr lang="en-US" altLang="zh-CN" sz="2200" dirty="0"/>
-              <a:t>     -all managed and provisioned through APIs with common authentication mechanism</a:t>
-            </a:r>
-          </a:p>
-          <a:p>
-            <a:r>
-              <a:rPr lang="en-US" altLang="zh-CN" sz="2200" u="sng" dirty="0"/>
-              <a:t>Server Hardware Form Factor</a:t>
-            </a:r>
-          </a:p>
-          <a:p>
-            <a:pPr marL="457200" lvl="1" indent="0">
-              <a:buNone/>
-            </a:pPr>
-            <a:r>
-              <a:rPr lang="en-US" altLang="zh-CN" sz="1900" dirty="0"/>
-              <a:t>-Tower Servers</a:t>
-            </a:r>
-          </a:p>
-          <a:p>
-            <a:pPr marL="457200" lvl="1" indent="0">
-              <a:buNone/>
-            </a:pPr>
-            <a:r>
-              <a:rPr lang="en-US" altLang="zh-CN" sz="1900" dirty="0"/>
-              <a:t>-Rack Servers</a:t>
-            </a:r>
-          </a:p>
-          <a:p>
-            <a:pPr marL="457200" lvl="1" indent="0">
-              <a:buNone/>
-            </a:pPr>
-            <a:r>
-              <a:rPr lang="en-US" altLang="zh-CN" sz="1900" dirty="0"/>
-              <a:t>-Blade Servers</a:t>
-            </a:r>
-          </a:p>
-          <a:p>
-            <a:r>
-              <a:rPr lang="en-US" altLang="zh-CN" sz="2200" dirty="0"/>
               <a:t>Reference: </a:t>
             </a:r>
             <a:r>
-              <a:rPr lang="en-US" altLang="zh-CN" sz="2200" dirty="0">
+              <a:rPr lang="en-US" altLang="zh-CN" sz="1800" dirty="0">
                 <a:hlinkClick r:id="rId2"/>
               </a:rPr>
               <a:t>https://docs.openstack.org/arch-design/design-compute/design-compute-hardware.html</a:t>
             </a:r>
-            <a:endParaRPr lang="zh-CN" altLang="en-US" sz="2200" dirty="0"/>
+            <a:endParaRPr lang="zh-CN" altLang="en-US" sz="1800" dirty="0"/>
           </a:p>
           <a:p>
             <a:pPr marL="457200" lvl="1" indent="0">

--- a/Future Computing.pptx
+++ b/Future Computing.pptx
@@ -262,7 +262,7 @@
           <a:p>
             <a:fld id="{44EAA1FE-5DA4-4A89-B815-EEA075F1A15F}" type="datetimeFigureOut">
               <a:rPr lang="zh-CN" altLang="en-US" smtClean="0"/>
-              <a:t>2019/7/25</a:t>
+              <a:t>2019/8/18</a:t>
             </a:fld>
             <a:endParaRPr lang="zh-CN" altLang="en-US"/>
           </a:p>
@@ -460,7 +460,7 @@
           <a:p>
             <a:fld id="{44EAA1FE-5DA4-4A89-B815-EEA075F1A15F}" type="datetimeFigureOut">
               <a:rPr lang="zh-CN" altLang="en-US" smtClean="0"/>
-              <a:t>2019/7/25</a:t>
+              <a:t>2019/8/18</a:t>
             </a:fld>
             <a:endParaRPr lang="zh-CN" altLang="en-US"/>
           </a:p>
@@ -668,7 +668,7 @@
           <a:p>
             <a:fld id="{44EAA1FE-5DA4-4A89-B815-EEA075F1A15F}" type="datetimeFigureOut">
               <a:rPr lang="zh-CN" altLang="en-US" smtClean="0"/>
-              <a:t>2019/7/25</a:t>
+              <a:t>2019/8/18</a:t>
             </a:fld>
             <a:endParaRPr lang="zh-CN" altLang="en-US"/>
           </a:p>
@@ -866,7 +866,7 @@
           <a:p>
             <a:fld id="{44EAA1FE-5DA4-4A89-B815-EEA075F1A15F}" type="datetimeFigureOut">
               <a:rPr lang="zh-CN" altLang="en-US" smtClean="0"/>
-              <a:t>2019/7/25</a:t>
+              <a:t>2019/8/18</a:t>
             </a:fld>
             <a:endParaRPr lang="zh-CN" altLang="en-US"/>
           </a:p>
@@ -1141,7 +1141,7 @@
           <a:p>
             <a:fld id="{44EAA1FE-5DA4-4A89-B815-EEA075F1A15F}" type="datetimeFigureOut">
               <a:rPr lang="zh-CN" altLang="en-US" smtClean="0"/>
-              <a:t>2019/7/25</a:t>
+              <a:t>2019/8/18</a:t>
             </a:fld>
             <a:endParaRPr lang="zh-CN" altLang="en-US"/>
           </a:p>
@@ -1406,7 +1406,7 @@
           <a:p>
             <a:fld id="{44EAA1FE-5DA4-4A89-B815-EEA075F1A15F}" type="datetimeFigureOut">
               <a:rPr lang="zh-CN" altLang="en-US" smtClean="0"/>
-              <a:t>2019/7/25</a:t>
+              <a:t>2019/8/18</a:t>
             </a:fld>
             <a:endParaRPr lang="zh-CN" altLang="en-US"/>
           </a:p>
@@ -1818,7 +1818,7 @@
           <a:p>
             <a:fld id="{44EAA1FE-5DA4-4A89-B815-EEA075F1A15F}" type="datetimeFigureOut">
               <a:rPr lang="zh-CN" altLang="en-US" smtClean="0"/>
-              <a:t>2019/7/25</a:t>
+              <a:t>2019/8/18</a:t>
             </a:fld>
             <a:endParaRPr lang="zh-CN" altLang="en-US"/>
           </a:p>
@@ -1959,7 +1959,7 @@
           <a:p>
             <a:fld id="{44EAA1FE-5DA4-4A89-B815-EEA075F1A15F}" type="datetimeFigureOut">
               <a:rPr lang="zh-CN" altLang="en-US" smtClean="0"/>
-              <a:t>2019/7/25</a:t>
+              <a:t>2019/8/18</a:t>
             </a:fld>
             <a:endParaRPr lang="zh-CN" altLang="en-US"/>
           </a:p>
@@ -2072,7 +2072,7 @@
           <a:p>
             <a:fld id="{44EAA1FE-5DA4-4A89-B815-EEA075F1A15F}" type="datetimeFigureOut">
               <a:rPr lang="zh-CN" altLang="en-US" smtClean="0"/>
-              <a:t>2019/7/25</a:t>
+              <a:t>2019/8/18</a:t>
             </a:fld>
             <a:endParaRPr lang="zh-CN" altLang="en-US"/>
           </a:p>
@@ -2383,7 +2383,7 @@
           <a:p>
             <a:fld id="{44EAA1FE-5DA4-4A89-B815-EEA075F1A15F}" type="datetimeFigureOut">
               <a:rPr lang="zh-CN" altLang="en-US" smtClean="0"/>
-              <a:t>2019/7/25</a:t>
+              <a:t>2019/8/18</a:t>
             </a:fld>
             <a:endParaRPr lang="zh-CN" altLang="en-US"/>
           </a:p>
@@ -2671,7 +2671,7 @@
           <a:p>
             <a:fld id="{44EAA1FE-5DA4-4A89-B815-EEA075F1A15F}" type="datetimeFigureOut">
               <a:rPr lang="zh-CN" altLang="en-US" smtClean="0"/>
-              <a:t>2019/7/25</a:t>
+              <a:t>2019/8/18</a:t>
             </a:fld>
             <a:endParaRPr lang="zh-CN" altLang="en-US"/>
           </a:p>
@@ -2912,7 +2912,7 @@
           <a:p>
             <a:fld id="{44EAA1FE-5DA4-4A89-B815-EEA075F1A15F}" type="datetimeFigureOut">
               <a:rPr lang="zh-CN" altLang="en-US" smtClean="0"/>
-              <a:t>2019/7/25</a:t>
+              <a:t>2019/8/18</a:t>
             </a:fld>
             <a:endParaRPr lang="zh-CN" altLang="en-US"/>
           </a:p>
@@ -3348,16 +3348,18 @@
         <p:spPr>
           <a:xfrm>
             <a:off x="111819" y="119848"/>
-            <a:ext cx="3932237" cy="599243"/>
-          </a:xfrm>
-        </p:spPr>
-        <p:txBody>
-          <a:bodyPr/>
+            <a:ext cx="6280103" cy="599243"/>
+          </a:xfrm>
+        </p:spPr>
+        <p:txBody>
+          <a:bodyPr>
+            <a:normAutofit fontScale="90000"/>
+          </a:bodyPr>
           <a:lstStyle/>
           <a:p>
             <a:r>
               <a:rPr lang="en-US" altLang="zh-CN" dirty="0"/>
-              <a:t>Future Computing </a:t>
+              <a:t>Future Computing/Data Technology </a:t>
             </a:r>
             <a:endParaRPr lang="zh-CN" altLang="en-US" dirty="0"/>
           </a:p>
@@ -3387,7 +3389,7 @@
         </p:spPr>
         <p:txBody>
           <a:bodyPr>
-            <a:normAutofit/>
+            <a:normAutofit fontScale="92500" lnSpcReduction="20000"/>
           </a:bodyPr>
           <a:lstStyle/>
           <a:p>
@@ -3397,86 +3399,25 @@
             </a:pPr>
             <a:r>
               <a:rPr lang="en-US" altLang="zh-CN" dirty="0"/>
-              <a:t>Cloud(Data Center)</a:t>
+              <a:t>High speed interconnection</a:t>
             </a:r>
           </a:p>
           <a:p>
             <a:pPr marL="742950" lvl="1" indent="-285750">
-              <a:buFont typeface="Wingdings" panose="05000000000000000000" pitchFamily="2" charset="2"/>
-              <a:buChar char="p"/>
+              <a:buFont typeface="等线" panose="02010600030101010101" pitchFamily="2" charset="-122"/>
+              <a:buChar char="–"/>
             </a:pPr>
             <a:r>
               <a:rPr lang="en-US" altLang="zh-CN" dirty="0"/>
-              <a:t>CPU + GPGPU + Accelerator : Hybrid computing</a:t>
+              <a:t>Mobility 4G-&gt;5G onwards… </a:t>
             </a:r>
           </a:p>
           <a:p>
             <a:pPr marL="742950" lvl="1" indent="-285750">
-              <a:buFont typeface="Wingdings" panose="05000000000000000000" pitchFamily="2" charset="2"/>
-              <a:buChar char="p"/>
+              <a:buFont typeface="等线" panose="02010600030101010101" pitchFamily="2" charset="-122"/>
+              <a:buChar char="–"/>
             </a:pPr>
-            <a:r>
-              <a:rPr lang="en-US" altLang="zh-CN" dirty="0"/>
-              <a:t>Distributed Storage(memory) with </a:t>
-            </a:r>
-            <a:r>
-              <a:rPr lang="en-US" altLang="zh-CN" b="1" dirty="0"/>
-              <a:t>Accelerator(FPGA/AI)</a:t>
-            </a:r>
-          </a:p>
-          <a:p>
-            <a:pPr marL="742950" lvl="1" indent="-285750">
-              <a:buFont typeface="Wingdings" panose="05000000000000000000" pitchFamily="2" charset="2"/>
-              <a:buChar char="p"/>
-            </a:pPr>
-            <a:r>
-              <a:rPr lang="en-US" altLang="zh-CN" dirty="0"/>
-              <a:t>High bandwidth Interconnection with </a:t>
-            </a:r>
-            <a:r>
-              <a:rPr lang="en-US" altLang="zh-CN" b="1" dirty="0"/>
-              <a:t>Accelerator(FPGA/AI)</a:t>
-            </a:r>
-          </a:p>
-          <a:p>
-            <a:pPr marL="742950" lvl="1" indent="-285750">
-              <a:buFont typeface="Wingdings" panose="05000000000000000000" pitchFamily="2" charset="2"/>
-              <a:buChar char="p"/>
-            </a:pPr>
-            <a:r>
-              <a:rPr lang="en-US" altLang="zh-CN" dirty="0"/>
-              <a:t>Virtualization technology</a:t>
-            </a:r>
-          </a:p>
-          <a:p>
-            <a:pPr marL="742950" lvl="1" indent="-285750">
-              <a:buFont typeface="Wingdings" panose="05000000000000000000" pitchFamily="2" charset="2"/>
-              <a:buChar char="p"/>
-            </a:pPr>
-            <a:r>
-              <a:rPr lang="en-US" altLang="zh-CN" dirty="0"/>
-              <a:t>Management technology</a:t>
-            </a:r>
-          </a:p>
-          <a:p>
-            <a:pPr marL="742950" lvl="1" indent="-285750">
-              <a:buFont typeface="Wingdings" panose="05000000000000000000" pitchFamily="2" charset="2"/>
-              <a:buChar char="p"/>
-            </a:pPr>
-            <a:r>
-              <a:rPr lang="en-US" altLang="zh-CN" dirty="0"/>
-              <a:t>Distributed cloud computing technology</a:t>
-            </a:r>
-          </a:p>
-          <a:p>
-            <a:pPr marL="742950" lvl="1" indent="-285750">
-              <a:buFont typeface="Wingdings" panose="05000000000000000000" pitchFamily="2" charset="2"/>
-              <a:buChar char="p"/>
-            </a:pPr>
-            <a:r>
-              <a:rPr lang="en-US" altLang="zh-CN" dirty="0"/>
-              <a:t>Parallel computing</a:t>
-            </a:r>
+            <a:endParaRPr lang="en-US" altLang="zh-CN" dirty="0"/>
           </a:p>
           <a:p>
             <a:pPr marL="285750" indent="-285750">
@@ -3485,48 +3426,25 @@
             </a:pPr>
             <a:r>
               <a:rPr lang="en-US" altLang="zh-CN" dirty="0"/>
-              <a:t>Edge </a:t>
+              <a:t>High bandwidth distributed storage</a:t>
             </a:r>
           </a:p>
           <a:p>
             <a:pPr marL="742950" lvl="1" indent="-285750">
-              <a:buFont typeface="Wingdings" panose="05000000000000000000" pitchFamily="2" charset="2"/>
-              <a:buChar char="p"/>
+              <a:buFont typeface="等线" panose="02010600030101010101" pitchFamily="2" charset="-122"/>
+              <a:buChar char="–"/>
             </a:pPr>
             <a:r>
               <a:rPr lang="en-US" altLang="zh-CN" dirty="0"/>
-              <a:t>Embedded IOT(specific wireless (NB?)+ specific AI)</a:t>
+              <a:t>Distributed Storage matrix with accelerator</a:t>
             </a:r>
           </a:p>
           <a:p>
             <a:pPr marL="742950" lvl="1" indent="-285750">
-              <a:buFont typeface="Wingdings" panose="05000000000000000000" pitchFamily="2" charset="2"/>
-              <a:buChar char="p"/>
+              <a:buFont typeface="等线" panose="02010600030101010101" pitchFamily="2" charset="-122"/>
+              <a:buChar char="–"/>
             </a:pPr>
-            <a:r>
-              <a:rPr lang="en-US" altLang="zh-CN" dirty="0"/>
-              <a:t>Automotive product</a:t>
-            </a:r>
-          </a:p>
-          <a:p>
-            <a:pPr marL="742950" lvl="1" indent="-285750">
-              <a:buFont typeface="Wingdings" panose="05000000000000000000" pitchFamily="2" charset="2"/>
-              <a:buChar char="p"/>
-            </a:pPr>
-            <a:r>
-              <a:rPr lang="en-US" altLang="zh-CN" dirty="0"/>
-              <a:t>5G communication technology enhancement </a:t>
-            </a:r>
-          </a:p>
-          <a:p>
-            <a:pPr marL="742950" lvl="1" indent="-285750">
-              <a:buFont typeface="Wingdings" panose="05000000000000000000" pitchFamily="2" charset="2"/>
-              <a:buChar char="p"/>
-            </a:pPr>
-            <a:r>
-              <a:rPr lang="en-US" altLang="zh-CN" dirty="0"/>
-              <a:t>With AI: Weariness/health medicine/cell phone...  </a:t>
-            </a:r>
+            <a:endParaRPr lang="en-US" altLang="zh-CN" dirty="0"/>
           </a:p>
           <a:p>
             <a:pPr marL="285750" indent="-285750">
@@ -3535,17 +3453,160 @@
             </a:pPr>
             <a:r>
               <a:rPr lang="en-US" altLang="zh-CN" dirty="0"/>
-              <a:t>Client</a:t>
+              <a:t>High computing density</a:t>
             </a:r>
           </a:p>
           <a:p>
             <a:pPr marL="742950" lvl="1" indent="-285750">
               <a:buFont typeface="Wingdings" panose="05000000000000000000" pitchFamily="2" charset="2"/>
-              <a:buChar char="p"/>
+              <a:buChar char="Ø"/>
             </a:pPr>
             <a:r>
               <a:rPr lang="en-US" altLang="zh-CN" dirty="0"/>
-              <a:t>PC/Gaming Console/cell phone… </a:t>
+              <a:t>Cloud(Data Center-</a:t>
+            </a:r>
+            <a:r>
+              <a:rPr lang="en-US" altLang="zh-CN" b="1" dirty="0"/>
+              <a:t>x86</a:t>
+            </a:r>
+            <a:r>
+              <a:rPr lang="en-US" altLang="zh-CN" dirty="0"/>
+              <a:t>)</a:t>
+            </a:r>
+          </a:p>
+          <a:p>
+            <a:pPr marL="1200150" lvl="2" indent="-285750">
+              <a:buFont typeface="等线" panose="02010600030101010101" pitchFamily="2" charset="-122"/>
+              <a:buChar char="–"/>
+            </a:pPr>
+            <a:r>
+              <a:rPr lang="en-US" altLang="zh-CN" dirty="0"/>
+              <a:t>CPU + Accelerator (GPGPU/FPGA/ASIC-AI)</a:t>
+            </a:r>
+          </a:p>
+          <a:p>
+            <a:pPr marL="1200150" lvl="2" indent="-285750">
+              <a:buFont typeface="等线" panose="02010600030101010101" pitchFamily="2" charset="-122"/>
+              <a:buChar char="–"/>
+            </a:pPr>
+            <a:r>
+              <a:rPr lang="en-US" altLang="zh-CN" dirty="0"/>
+              <a:t>Chips High bandwidth interconnection(CXL…)</a:t>
+            </a:r>
+          </a:p>
+          <a:p>
+            <a:pPr marL="1200150" lvl="2" indent="-285750">
+              <a:buFont typeface="等线" panose="02010600030101010101" pitchFamily="2" charset="-122"/>
+              <a:buChar char="–"/>
+            </a:pPr>
+            <a:r>
+              <a:rPr lang="en-US" altLang="zh-CN" dirty="0"/>
+              <a:t>Virtualization technology</a:t>
+            </a:r>
+          </a:p>
+          <a:p>
+            <a:pPr marL="1200150" lvl="2" indent="-285750">
+              <a:buFont typeface="等线" panose="02010600030101010101" pitchFamily="2" charset="-122"/>
+              <a:buChar char="–"/>
+            </a:pPr>
+            <a:r>
+              <a:rPr lang="en-US" altLang="zh-CN" dirty="0"/>
+              <a:t>Parallel computing(compiler/proxy/framework…)</a:t>
+            </a:r>
+          </a:p>
+          <a:p>
+            <a:pPr marL="1200150" lvl="2" indent="-285750">
+              <a:buFont typeface="等线" panose="02010600030101010101" pitchFamily="2" charset="-122"/>
+              <a:buChar char="–"/>
+            </a:pPr>
+            <a:r>
+              <a:rPr lang="en-US" altLang="zh-CN" dirty="0"/>
+              <a:t>Management technology</a:t>
+            </a:r>
+          </a:p>
+          <a:p>
+            <a:pPr marL="1200150" lvl="2" indent="-285750">
+              <a:buFont typeface="等线" panose="02010600030101010101" pitchFamily="2" charset="-122"/>
+              <a:buChar char="–"/>
+            </a:pPr>
+            <a:r>
+              <a:rPr lang="en-US" altLang="zh-CN" dirty="0"/>
+              <a:t>cloud- open stack technology</a:t>
+            </a:r>
+          </a:p>
+          <a:p>
+            <a:pPr marL="1200150" lvl="2" indent="-285750">
+              <a:buFont typeface="等线" panose="02010600030101010101" pitchFamily="2" charset="-122"/>
+              <a:buChar char="–"/>
+            </a:pPr>
+            <a:endParaRPr lang="en-US" altLang="zh-CN" dirty="0"/>
+          </a:p>
+          <a:p>
+            <a:pPr marL="742950" lvl="1" indent="-285750">
+              <a:buFont typeface="Wingdings" panose="05000000000000000000" pitchFamily="2" charset="2"/>
+              <a:buChar char="Ø"/>
+            </a:pPr>
+            <a:r>
+              <a:rPr lang="en-US" altLang="zh-CN" dirty="0"/>
+              <a:t>Edge(</a:t>
+            </a:r>
+            <a:r>
+              <a:rPr lang="en-US" altLang="zh-CN" b="1" dirty="0"/>
+              <a:t>ARM or RISC-V, ASIC-AI</a:t>
+            </a:r>
+            <a:r>
+              <a:rPr lang="en-US" altLang="zh-CN" dirty="0"/>
+              <a:t>)</a:t>
+            </a:r>
+          </a:p>
+          <a:p>
+            <a:pPr marL="1085850" lvl="2" indent="-171450">
+              <a:buFont typeface="等线" panose="02010600030101010101" pitchFamily="2" charset="-122"/>
+              <a:buChar char="–"/>
+            </a:pPr>
+            <a:r>
+              <a:rPr lang="en-US" altLang="zh-CN" dirty="0"/>
+              <a:t>Legacy PC/Gaming Console/cell phone</a:t>
+            </a:r>
+          </a:p>
+          <a:p>
+            <a:pPr marL="1085850" lvl="2" indent="-171450">
+              <a:buFont typeface="等线" panose="02010600030101010101" pitchFamily="2" charset="-122"/>
+              <a:buChar char="–"/>
+            </a:pPr>
+            <a:r>
+              <a:rPr lang="en-US" altLang="zh-CN" dirty="0"/>
+              <a:t>weariness/health-care</a:t>
+            </a:r>
+          </a:p>
+          <a:p>
+            <a:pPr marL="1085850" lvl="2" indent="-171450">
+              <a:buFont typeface="等线" panose="02010600030101010101" pitchFamily="2" charset="-122"/>
+              <a:buChar char="–"/>
+            </a:pPr>
+            <a:r>
+              <a:rPr lang="en-US" altLang="zh-CN" dirty="0"/>
+              <a:t>Automotive </a:t>
+            </a:r>
+          </a:p>
+          <a:p>
+            <a:pPr marL="1085850" lvl="2" indent="-171450">
+              <a:buFont typeface="等线" panose="02010600030101010101" pitchFamily="2" charset="-122"/>
+              <a:buChar char="–"/>
+            </a:pPr>
+            <a:r>
+              <a:rPr lang="en-US" altLang="zh-CN" dirty="0"/>
+              <a:t>Embedded IOT</a:t>
+            </a:r>
+          </a:p>
+          <a:p>
+            <a:pPr marL="1085850" lvl="2" indent="-171450">
+              <a:buFont typeface="等线" panose="02010600030101010101" pitchFamily="2" charset="-122"/>
+              <a:buChar char="–"/>
+            </a:pPr>
+            <a:r>
+              <a:rPr lang="en-US" altLang="zh-CN" dirty="0"/>
+              <a:t>Security &amp; home intelligent devices</a:t>
             </a:r>
           </a:p>
           <a:p>
@@ -3561,7 +3622,7 @@
               <a:buChar char="u"/>
             </a:pPr>
             <a:r>
-              <a:rPr lang="en-US" altLang="zh-CN" dirty="0"/>
+              <a:rPr lang="en-US" altLang="zh-CN" u="sng" dirty="0"/>
               <a:t>AI Tendency</a:t>
             </a:r>
           </a:p>
@@ -3582,7 +3643,7 @@
             </a:pPr>
             <a:r>
               <a:rPr lang="en-US" altLang="zh-CN" dirty="0"/>
-              <a:t>Extend “vision &amp; speech” to more other applications</a:t>
+              <a:t>Application: Extend from “vision &amp; speech” to more others</a:t>
             </a:r>
           </a:p>
           <a:p>
@@ -3593,6 +3654,16 @@
             <a:r>
               <a:rPr lang="en-US" altLang="zh-CN" dirty="0"/>
               <a:t>Cloud -&gt; edge </a:t>
+            </a:r>
+          </a:p>
+          <a:p>
+            <a:pPr marL="742950" lvl="1" indent="-285750">
+              <a:buFont typeface="Wingdings" panose="05000000000000000000" pitchFamily="2" charset="2"/>
+              <a:buChar char="p"/>
+            </a:pPr>
+            <a:r>
+              <a:rPr lang="en-US" altLang="zh-CN" dirty="0"/>
+              <a:t>Algorithm is always the key</a:t>
             </a:r>
           </a:p>
           <a:p>

--- a/Future Computing.pptx
+++ b/Future Computing.pptx
@@ -262,7 +262,7 @@
           <a:p>
             <a:fld id="{44EAA1FE-5DA4-4A89-B815-EEA075F1A15F}" type="datetimeFigureOut">
               <a:rPr lang="zh-CN" altLang="en-US" smtClean="0"/>
-              <a:t>2019/8/18</a:t>
+              <a:t>2019/8/25</a:t>
             </a:fld>
             <a:endParaRPr lang="zh-CN" altLang="en-US"/>
           </a:p>
@@ -460,7 +460,7 @@
           <a:p>
             <a:fld id="{44EAA1FE-5DA4-4A89-B815-EEA075F1A15F}" type="datetimeFigureOut">
               <a:rPr lang="zh-CN" altLang="en-US" smtClean="0"/>
-              <a:t>2019/8/18</a:t>
+              <a:t>2019/8/25</a:t>
             </a:fld>
             <a:endParaRPr lang="zh-CN" altLang="en-US"/>
           </a:p>
@@ -668,7 +668,7 @@
           <a:p>
             <a:fld id="{44EAA1FE-5DA4-4A89-B815-EEA075F1A15F}" type="datetimeFigureOut">
               <a:rPr lang="zh-CN" altLang="en-US" smtClean="0"/>
-              <a:t>2019/8/18</a:t>
+              <a:t>2019/8/25</a:t>
             </a:fld>
             <a:endParaRPr lang="zh-CN" altLang="en-US"/>
           </a:p>
@@ -866,7 +866,7 @@
           <a:p>
             <a:fld id="{44EAA1FE-5DA4-4A89-B815-EEA075F1A15F}" type="datetimeFigureOut">
               <a:rPr lang="zh-CN" altLang="en-US" smtClean="0"/>
-              <a:t>2019/8/18</a:t>
+              <a:t>2019/8/25</a:t>
             </a:fld>
             <a:endParaRPr lang="zh-CN" altLang="en-US"/>
           </a:p>
@@ -1141,7 +1141,7 @@
           <a:p>
             <a:fld id="{44EAA1FE-5DA4-4A89-B815-EEA075F1A15F}" type="datetimeFigureOut">
               <a:rPr lang="zh-CN" altLang="en-US" smtClean="0"/>
-              <a:t>2019/8/18</a:t>
+              <a:t>2019/8/25</a:t>
             </a:fld>
             <a:endParaRPr lang="zh-CN" altLang="en-US"/>
           </a:p>
@@ -1406,7 +1406,7 @@
           <a:p>
             <a:fld id="{44EAA1FE-5DA4-4A89-B815-EEA075F1A15F}" type="datetimeFigureOut">
               <a:rPr lang="zh-CN" altLang="en-US" smtClean="0"/>
-              <a:t>2019/8/18</a:t>
+              <a:t>2019/8/25</a:t>
             </a:fld>
             <a:endParaRPr lang="zh-CN" altLang="en-US"/>
           </a:p>
@@ -1818,7 +1818,7 @@
           <a:p>
             <a:fld id="{44EAA1FE-5DA4-4A89-B815-EEA075F1A15F}" type="datetimeFigureOut">
               <a:rPr lang="zh-CN" altLang="en-US" smtClean="0"/>
-              <a:t>2019/8/18</a:t>
+              <a:t>2019/8/25</a:t>
             </a:fld>
             <a:endParaRPr lang="zh-CN" altLang="en-US"/>
           </a:p>
@@ -1959,7 +1959,7 @@
           <a:p>
             <a:fld id="{44EAA1FE-5DA4-4A89-B815-EEA075F1A15F}" type="datetimeFigureOut">
               <a:rPr lang="zh-CN" altLang="en-US" smtClean="0"/>
-              <a:t>2019/8/18</a:t>
+              <a:t>2019/8/25</a:t>
             </a:fld>
             <a:endParaRPr lang="zh-CN" altLang="en-US"/>
           </a:p>
@@ -2072,7 +2072,7 @@
           <a:p>
             <a:fld id="{44EAA1FE-5DA4-4A89-B815-EEA075F1A15F}" type="datetimeFigureOut">
               <a:rPr lang="zh-CN" altLang="en-US" smtClean="0"/>
-              <a:t>2019/8/18</a:t>
+              <a:t>2019/8/25</a:t>
             </a:fld>
             <a:endParaRPr lang="zh-CN" altLang="en-US"/>
           </a:p>
@@ -2383,7 +2383,7 @@
           <a:p>
             <a:fld id="{44EAA1FE-5DA4-4A89-B815-EEA075F1A15F}" type="datetimeFigureOut">
               <a:rPr lang="zh-CN" altLang="en-US" smtClean="0"/>
-              <a:t>2019/8/18</a:t>
+              <a:t>2019/8/25</a:t>
             </a:fld>
             <a:endParaRPr lang="zh-CN" altLang="en-US"/>
           </a:p>
@@ -2671,7 +2671,7 @@
           <a:p>
             <a:fld id="{44EAA1FE-5DA4-4A89-B815-EEA075F1A15F}" type="datetimeFigureOut">
               <a:rPr lang="zh-CN" altLang="en-US" smtClean="0"/>
-              <a:t>2019/8/18</a:t>
+              <a:t>2019/8/25</a:t>
             </a:fld>
             <a:endParaRPr lang="zh-CN" altLang="en-US"/>
           </a:p>
@@ -2912,7 +2912,7 @@
           <a:p>
             <a:fld id="{44EAA1FE-5DA4-4A89-B815-EEA075F1A15F}" type="datetimeFigureOut">
               <a:rPr lang="zh-CN" altLang="en-US" smtClean="0"/>
-              <a:t>2019/8/18</a:t>
+              <a:t>2019/8/25</a:t>
             </a:fld>
             <a:endParaRPr lang="zh-CN" altLang="en-US"/>
           </a:p>
@@ -3347,13 +3347,13 @@
         </p:nvSpPr>
         <p:spPr>
           <a:xfrm>
-            <a:off x="111819" y="119848"/>
-            <a:ext cx="6280103" cy="599243"/>
+            <a:off x="696158" y="18255"/>
+            <a:ext cx="10515600" cy="887267"/>
           </a:xfrm>
         </p:spPr>
         <p:txBody>
           <a:bodyPr>
-            <a:normAutofit fontScale="90000"/>
+            <a:normAutofit/>
           </a:bodyPr>
           <a:lstStyle/>
           <a:p>
@@ -3378,18 +3378,18 @@
             <a:spLocks noGrp="1"/>
           </p:cNvSpPr>
           <p:nvPr>
-            <p:ph type="body" sz="half" idx="2"/>
+            <p:ph sz="half" idx="1"/>
           </p:nvPr>
         </p:nvSpPr>
         <p:spPr>
           <a:xfrm>
-            <a:off x="111818" y="987424"/>
-            <a:ext cx="11065168" cy="5750727"/>
+            <a:off x="367684" y="911225"/>
+            <a:ext cx="5728316" cy="5928520"/>
           </a:xfrm>
         </p:spPr>
         <p:txBody>
           <a:bodyPr>
-            <a:normAutofit fontScale="92500" lnSpcReduction="20000"/>
+            <a:normAutofit fontScale="55000" lnSpcReduction="20000"/>
           </a:bodyPr>
           <a:lstStyle/>
           <a:p>
@@ -3672,6 +3672,247 @@
               <a:buChar char="p"/>
             </a:pPr>
             <a:endParaRPr lang="zh-CN" altLang="en-US" dirty="0"/>
+          </a:p>
+        </p:txBody>
+      </p:sp>
+      <p:sp>
+        <p:nvSpPr>
+          <p:cNvPr id="2" name="内容占位符 1">
+            <a:extLst>
+              <a:ext uri="{FF2B5EF4-FFF2-40B4-BE49-F238E27FC236}">
+                <a16:creationId xmlns:a16="http://schemas.microsoft.com/office/drawing/2014/main" id="{39E3EC17-C42B-4B04-86CC-F9E7578D479A}"/>
+              </a:ext>
+            </a:extLst>
+          </p:cNvPr>
+          <p:cNvSpPr>
+            <a:spLocks noGrp="1"/>
+          </p:cNvSpPr>
+          <p:nvPr>
+            <p:ph sz="half" idx="2"/>
+          </p:nvPr>
+        </p:nvSpPr>
+        <p:spPr>
+          <a:xfrm>
+            <a:off x="6095999" y="905522"/>
+            <a:ext cx="5728315" cy="5928520"/>
+          </a:xfrm>
+        </p:spPr>
+        <p:txBody>
+          <a:bodyPr>
+            <a:normAutofit fontScale="55000" lnSpcReduction="20000"/>
+          </a:bodyPr>
+          <a:lstStyle/>
+          <a:p>
+            <a:pPr>
+              <a:buFont typeface="Wingdings" panose="05000000000000000000" pitchFamily="2" charset="2"/>
+              <a:buChar char="u"/>
+            </a:pPr>
+            <a:r>
+              <a:rPr lang="en-US" altLang="zh-CN" dirty="0"/>
+              <a:t>Giant Strategy </a:t>
+            </a:r>
+          </a:p>
+          <a:p>
+            <a:pPr lvl="1">
+              <a:buFont typeface="Wingdings" panose="05000000000000000000" pitchFamily="2" charset="2"/>
+              <a:buChar char="Ø"/>
+            </a:pPr>
+            <a:r>
+              <a:rPr lang="en-US" altLang="zh-CN" dirty="0"/>
+              <a:t>NVIDIA</a:t>
+            </a:r>
+          </a:p>
+          <a:p>
+            <a:pPr lvl="2">
+              <a:buFont typeface="等线" panose="02010600030101010101" pitchFamily="2" charset="-122"/>
+              <a:buChar char="–"/>
+            </a:pPr>
+            <a:r>
+              <a:rPr lang="en-US" altLang="zh-CN" dirty="0"/>
+              <a:t>GPGPU</a:t>
+            </a:r>
+          </a:p>
+          <a:p>
+            <a:pPr lvl="2">
+              <a:buFont typeface="等线" panose="02010600030101010101" pitchFamily="2" charset="-122"/>
+              <a:buChar char="–"/>
+            </a:pPr>
+            <a:r>
+              <a:rPr lang="en-US" altLang="zh-CN" dirty="0"/>
+              <a:t>CUDA</a:t>
+            </a:r>
+          </a:p>
+          <a:p>
+            <a:pPr lvl="2">
+              <a:buFont typeface="等线" panose="02010600030101010101" pitchFamily="2" charset="-122"/>
+              <a:buChar char="–"/>
+            </a:pPr>
+            <a:r>
+              <a:rPr lang="en-US" altLang="zh-CN" dirty="0"/>
+              <a:t>NVLINK interconnection</a:t>
+            </a:r>
+          </a:p>
+          <a:p>
+            <a:pPr lvl="1">
+              <a:buFont typeface="Wingdings" panose="05000000000000000000" pitchFamily="2" charset="2"/>
+              <a:buChar char="Ø"/>
+            </a:pPr>
+            <a:r>
+              <a:rPr lang="en-US" altLang="zh-CN" dirty="0"/>
+              <a:t>Intel</a:t>
+            </a:r>
+          </a:p>
+          <a:p>
+            <a:pPr lvl="2">
+              <a:buFont typeface="等线" panose="02010600030101010101" pitchFamily="2" charset="-122"/>
+              <a:buChar char="–"/>
+            </a:pPr>
+            <a:r>
+              <a:rPr lang="en-US" altLang="zh-CN" dirty="0"/>
+              <a:t>Xeon CPU</a:t>
+            </a:r>
+          </a:p>
+          <a:p>
+            <a:pPr lvl="2">
+              <a:buFont typeface="等线" panose="02010600030101010101" pitchFamily="2" charset="-122"/>
+              <a:buChar char="–"/>
+            </a:pPr>
+            <a:r>
+              <a:rPr lang="en-US" altLang="zh-CN" dirty="0" err="1"/>
+              <a:t>Optane</a:t>
+            </a:r>
+            <a:r>
+              <a:rPr lang="en-US" altLang="zh-CN" dirty="0"/>
+              <a:t> memory</a:t>
+            </a:r>
+          </a:p>
+          <a:p>
+            <a:pPr lvl="2">
+              <a:buFont typeface="等线" panose="02010600030101010101" pitchFamily="2" charset="-122"/>
+              <a:buChar char="–"/>
+            </a:pPr>
+            <a:r>
+              <a:rPr lang="en-US" altLang="zh-CN" dirty="0"/>
+              <a:t>Altera FPGA</a:t>
+            </a:r>
+          </a:p>
+          <a:p>
+            <a:pPr lvl="2">
+              <a:buFont typeface="等线" panose="02010600030101010101" pitchFamily="2" charset="-122"/>
+              <a:buChar char="–"/>
+            </a:pPr>
+            <a:r>
+              <a:rPr lang="en-US" altLang="zh-CN" dirty="0"/>
+              <a:t>GPU </a:t>
+            </a:r>
+            <a:r>
+              <a:rPr lang="en-US" altLang="zh-CN" dirty="0" err="1"/>
+              <a:t>Xe</a:t>
+            </a:r>
+            <a:endParaRPr lang="en-US" altLang="zh-CN" dirty="0"/>
+          </a:p>
+          <a:p>
+            <a:pPr lvl="2">
+              <a:buFont typeface="等线" panose="02010600030101010101" pitchFamily="2" charset="-122"/>
+              <a:buChar char="–"/>
+            </a:pPr>
+            <a:r>
+              <a:rPr lang="en-US" altLang="zh-CN" dirty="0"/>
+              <a:t>Interconnection: CXL</a:t>
+            </a:r>
+          </a:p>
+          <a:p>
+            <a:pPr lvl="2">
+              <a:buFont typeface="等线" panose="02010600030101010101" pitchFamily="2" charset="-122"/>
+              <a:buChar char="–"/>
+            </a:pPr>
+            <a:r>
+              <a:rPr lang="en-US" altLang="zh-CN" dirty="0"/>
+              <a:t>ASIC: </a:t>
+            </a:r>
+            <a:r>
+              <a:rPr lang="en-US" altLang="zh-CN" dirty="0" err="1"/>
+              <a:t>Nervana</a:t>
+            </a:r>
+            <a:r>
+              <a:rPr lang="en-US" altLang="zh-CN" dirty="0"/>
+              <a:t> AI chip</a:t>
+            </a:r>
+          </a:p>
+          <a:p>
+            <a:pPr lvl="1">
+              <a:buFont typeface="Wingdings" panose="05000000000000000000" pitchFamily="2" charset="2"/>
+              <a:buChar char="Ø"/>
+            </a:pPr>
+            <a:r>
+              <a:rPr lang="en-US" altLang="zh-CN" dirty="0"/>
+              <a:t>AMD</a:t>
+            </a:r>
+          </a:p>
+          <a:p>
+            <a:pPr lvl="2">
+              <a:buFont typeface="等线" panose="02010600030101010101" pitchFamily="2" charset="-122"/>
+              <a:buChar char="–"/>
+            </a:pPr>
+            <a:r>
+              <a:rPr lang="en-US" altLang="zh-CN" dirty="0"/>
+              <a:t>3</a:t>
+            </a:r>
+            <a:r>
+              <a:rPr lang="en-US" altLang="zh-CN" baseline="30000" dirty="0"/>
+              <a:t>rd</a:t>
+            </a:r>
+            <a:r>
+              <a:rPr lang="en-US" altLang="zh-CN" dirty="0"/>
+              <a:t> party accelerator&lt;-&gt; CPU/GPU(infinity Fabric)</a:t>
+            </a:r>
+          </a:p>
+          <a:p>
+            <a:pPr lvl="2">
+              <a:buFont typeface="等线" panose="02010600030101010101" pitchFamily="2" charset="-122"/>
+              <a:buChar char="–"/>
+            </a:pPr>
+            <a:r>
+              <a:rPr lang="en-US" altLang="zh-CN" dirty="0"/>
+              <a:t>Focus on : </a:t>
+            </a:r>
+            <a:r>
+              <a:rPr lang="en-US" altLang="zh-CN" b="1" dirty="0"/>
+              <a:t>Interconnection</a:t>
+            </a:r>
+            <a:r>
+              <a:rPr lang="en-US" altLang="zh-CN" dirty="0"/>
+              <a:t>; I/O, memory bandwidth, software performance, hardware &amp; software interactive  </a:t>
+            </a:r>
+          </a:p>
+          <a:p>
+            <a:pPr marL="914400" lvl="2" indent="0">
+              <a:buNone/>
+            </a:pPr>
+            <a:endParaRPr lang="en-US" altLang="zh-CN" dirty="0"/>
+          </a:p>
+          <a:p>
+            <a:pPr marL="914400" lvl="2" indent="0">
+              <a:buNone/>
+            </a:pPr>
+            <a:endParaRPr lang="en-US" altLang="zh-CN" dirty="0"/>
+          </a:p>
+          <a:p>
+            <a:pPr marL="0" indent="0">
+              <a:buNone/>
+            </a:pPr>
+            <a:r>
+              <a:rPr lang="en-US" altLang="zh-CN" dirty="0"/>
+              <a:t>From </a:t>
+            </a:r>
+            <a:r>
+              <a:rPr lang="en-US" altLang="zh-CN" dirty="0" err="1"/>
+              <a:t>AnandTech</a:t>
+            </a:r>
+            <a:r>
+              <a:rPr lang="en-US" altLang="zh-CN" dirty="0"/>
+              <a:t> Hot Chips</a:t>
+            </a:r>
           </a:p>
         </p:txBody>
       </p:sp>
